--- a/Review 1/Career Guidance using RAG.pptx
+++ b/Review 1/Career Guidance using RAG.pptx
@@ -5,10 +5,10 @@
     <p:sldMasterId id="2147483648" r:id="rId4"/>
   </p:sldMasterIdLst>
   <p:notesMasterIdLst>
-    <p:notesMasterId r:id="rId29"/>
+    <p:notesMasterId r:id="rId32"/>
   </p:notesMasterIdLst>
   <p:handoutMasterIdLst>
-    <p:handoutMasterId r:id="rId30"/>
+    <p:handoutMasterId r:id="rId33"/>
   </p:handoutMasterIdLst>
   <p:sldIdLst>
     <p:sldId id="256" r:id="rId5"/>
@@ -28,13 +28,16 @@
     <p:sldId id="290" r:id="rId19"/>
     <p:sldId id="291" r:id="rId20"/>
     <p:sldId id="292" r:id="rId21"/>
-    <p:sldId id="265" r:id="rId22"/>
-    <p:sldId id="267" r:id="rId23"/>
-    <p:sldId id="293" r:id="rId24"/>
-    <p:sldId id="295" r:id="rId25"/>
-    <p:sldId id="270" r:id="rId26"/>
-    <p:sldId id="282" r:id="rId27"/>
-    <p:sldId id="276" r:id="rId28"/>
+    <p:sldId id="298" r:id="rId22"/>
+    <p:sldId id="299" r:id="rId23"/>
+    <p:sldId id="300" r:id="rId24"/>
+    <p:sldId id="265" r:id="rId25"/>
+    <p:sldId id="267" r:id="rId26"/>
+    <p:sldId id="293" r:id="rId27"/>
+    <p:sldId id="295" r:id="rId28"/>
+    <p:sldId id="270" r:id="rId29"/>
+    <p:sldId id="282" r:id="rId30"/>
+    <p:sldId id="276" r:id="rId31"/>
   </p:sldIdLst>
   <p:sldSz cx="12192000" cy="6858000"/>
   <p:notesSz cx="6858000" cy="9144000"/>
@@ -2833,7 +2836,7 @@
             <a:fld id="{4EF1D3EE-8C7C-412D-81A5-D4E3E6887916}" type="datetime1">
               <a:rPr lang="en-IN" smtClean="0"/>
               <a:pPr/>
-              <a:t>23-09-2024</a:t>
+              <a:t>28-10-2024</a:t>
             </a:fld>
             <a:endParaRPr lang="en-IN"/>
           </a:p>
@@ -3003,7 +3006,7 @@
             <a:fld id="{D14C3795-8EA9-462F-8FFB-B3000D00495A}" type="datetime1">
               <a:rPr lang="en-IN" smtClean="0"/>
               <a:pPr/>
-              <a:t>23-09-2024</a:t>
+              <a:t>28-10-2024</a:t>
             </a:fld>
             <a:endParaRPr lang="en-IN"/>
           </a:p>
@@ -3462,7 +3465,7 @@
             <a:fld id="{93C47CFC-3992-4206-9F23-FAFBF953E7CC}" type="slidenum">
               <a:rPr lang="en-US" smtClean="0"/>
               <a:pPr/>
-              <a:t>21</a:t>
+              <a:t>24</a:t>
             </a:fld>
             <a:endParaRPr lang="en-US"/>
           </a:p>
@@ -4213,7 +4216,7 @@
             <a:fld id="{93C47CFC-3992-4206-9F23-FAFBF953E7CC}" type="slidenum">
               <a:rPr lang="en-US" smtClean="0"/>
               <a:pPr/>
-              <a:t>19</a:t>
+              <a:t>22</a:t>
             </a:fld>
             <a:endParaRPr lang="en-US"/>
           </a:p>
@@ -4316,7 +4319,7 @@
             <a:fld id="{93C47CFC-3992-4206-9F23-FAFBF953E7CC}" type="slidenum">
               <a:rPr lang="en-US" smtClean="0"/>
               <a:pPr/>
-              <a:t>20</a:t>
+              <a:t>23</a:t>
             </a:fld>
             <a:endParaRPr lang="en-US"/>
           </a:p>
@@ -4467,7 +4470,7 @@
           <a:p>
             <a:fld id="{A73CDA05-AF64-4A7D-94B1-2FE6D61536F1}" type="datetime1">
               <a:rPr lang="en-IN" smtClean="0"/>
-              <a:t>23-09-2024</a:t>
+              <a:t>28-10-2024</a:t>
             </a:fld>
             <a:endParaRPr lang="en-IN"/>
           </a:p>
@@ -4636,7 +4639,7 @@
           <a:p>
             <a:fld id="{49DCDCA7-386E-40C2-85D5-E50A2F605F7F}" type="datetime1">
               <a:rPr lang="en-IN" smtClean="0"/>
-              <a:t>23-09-2024</a:t>
+              <a:t>28-10-2024</a:t>
             </a:fld>
             <a:endParaRPr lang="en-IN"/>
           </a:p>
@@ -4815,7 +4818,7 @@
           <a:p>
             <a:fld id="{530496D5-8809-47DB-8418-FB017404AE81}" type="datetime1">
               <a:rPr lang="en-IN" smtClean="0"/>
-              <a:t>23-09-2024</a:t>
+              <a:t>28-10-2024</a:t>
             </a:fld>
             <a:endParaRPr lang="en-IN"/>
           </a:p>
@@ -4984,7 +4987,7 @@
           <a:p>
             <a:fld id="{3990ABCD-EF8B-4619-B053-8E77CFEA9D27}" type="datetime1">
               <a:rPr lang="en-IN" smtClean="0"/>
-              <a:t>23-09-2024</a:t>
+              <a:t>28-10-2024</a:t>
             </a:fld>
             <a:endParaRPr lang="en-IN"/>
           </a:p>
@@ -5229,7 +5232,7 @@
           <a:p>
             <a:fld id="{C48FFD35-79C6-4D0F-ACA0-6E0FBA2DFE8A}" type="datetime1">
               <a:rPr lang="en-IN" smtClean="0"/>
-              <a:t>23-09-2024</a:t>
+              <a:t>28-10-2024</a:t>
             </a:fld>
             <a:endParaRPr lang="en-IN"/>
           </a:p>
@@ -5460,7 +5463,7 @@
           <a:p>
             <a:fld id="{52CD685D-4AF8-4CAE-8621-40D6B94D82FA}" type="datetime1">
               <a:rPr lang="en-IN" smtClean="0"/>
-              <a:t>23-09-2024</a:t>
+              <a:t>28-10-2024</a:t>
             </a:fld>
             <a:endParaRPr lang="en-IN"/>
           </a:p>
@@ -5826,7 +5829,7 @@
           <a:p>
             <a:fld id="{67CD4C70-E8C8-438F-B641-C6399CA84BF1}" type="datetime1">
               <a:rPr lang="en-IN" smtClean="0"/>
-              <a:t>23-09-2024</a:t>
+              <a:t>28-10-2024</a:t>
             </a:fld>
             <a:endParaRPr lang="en-IN"/>
           </a:p>
@@ -5943,7 +5946,7 @@
           <a:p>
             <a:fld id="{1DE30CF5-B5EE-487C-BAC5-98C598C71D16}" type="datetime1">
               <a:rPr lang="en-IN" smtClean="0"/>
-              <a:t>23-09-2024</a:t>
+              <a:t>28-10-2024</a:t>
             </a:fld>
             <a:endParaRPr lang="en-IN"/>
           </a:p>
@@ -6037,7 +6040,7 @@
           <a:p>
             <a:fld id="{DE549697-7308-440C-B7BC-692C319356E7}" type="datetime1">
               <a:rPr lang="en-IN" smtClean="0"/>
-              <a:t>23-09-2024</a:t>
+              <a:t>28-10-2024</a:t>
             </a:fld>
             <a:endParaRPr lang="en-IN"/>
           </a:p>
@@ -6313,7 +6316,7 @@
           <a:p>
             <a:fld id="{7853CF4C-A64A-4D4D-AF8A-F13D3504B3A4}" type="datetime1">
               <a:rPr lang="en-IN" smtClean="0"/>
-              <a:t>23-09-2024</a:t>
+              <a:t>28-10-2024</a:t>
             </a:fld>
             <a:endParaRPr lang="en-IN"/>
           </a:p>
@@ -6566,7 +6569,7 @@
           <a:p>
             <a:fld id="{DE3E0C65-9D0C-4199-B220-4A22692F8739}" type="datetime1">
               <a:rPr lang="en-IN" smtClean="0"/>
-              <a:t>23-09-2024</a:t>
+              <a:t>28-10-2024</a:t>
             </a:fld>
             <a:endParaRPr lang="en-IN"/>
           </a:p>
@@ -6778,7 +6781,7 @@
           <a:p>
             <a:fld id="{C3FC6500-5327-4B3A-96CE-0F13D1118C0B}" type="datetime1">
               <a:rPr lang="en-IN" smtClean="0"/>
-              <a:t>23-09-2024</a:t>
+              <a:t>28-10-2024</a:t>
             </a:fld>
             <a:endParaRPr lang="en-IN"/>
           </a:p>
@@ -7383,7 +7386,7 @@
                 <a:latin typeface="Times New Roman" panose="02020603050405020304" pitchFamily="18" charset="0"/>
                 <a:cs typeface="Times New Roman" panose="02020603050405020304" pitchFamily="18" charset="0"/>
               </a:rPr>
-              <a:t>23-09-2024</a:t>
+              <a:t>28-10-2024</a:t>
             </a:fld>
             <a:endParaRPr lang="en-IN" sz="2000">
               <a:solidFill>
@@ -8211,7 +8214,7 @@
                 <a:latin typeface="Times New Roman" panose="02020603050405020304" pitchFamily="18" charset="0"/>
                 <a:cs typeface="Times New Roman" panose="02020603050405020304" pitchFamily="18" charset="0"/>
               </a:rPr>
-              <a:t>23-09-2024</a:t>
+              <a:t>28-10-2024</a:t>
             </a:fld>
             <a:endParaRPr lang="en-IN" sz="2000">
               <a:solidFill>
@@ -9478,7 +9481,7 @@
                 <a:latin typeface="Times New Roman" panose="02020603050405020304" pitchFamily="18" charset="0"/>
                 <a:cs typeface="Times New Roman" panose="02020603050405020304" pitchFamily="18" charset="0"/>
               </a:rPr>
-              <a:t>23-09-2024</a:t>
+              <a:t>28-10-2024</a:t>
             </a:fld>
             <a:endParaRPr lang="en-IN" sz="2000">
               <a:solidFill>
@@ -10710,7 +10713,7 @@
                 <a:latin typeface="Times New Roman" panose="02020603050405020304" pitchFamily="18" charset="0"/>
                 <a:cs typeface="Times New Roman" panose="02020603050405020304" pitchFamily="18" charset="0"/>
               </a:rPr>
-              <a:t>23-09-2024</a:t>
+              <a:t>28-10-2024</a:t>
             </a:fld>
             <a:endParaRPr lang="en-IN" sz="2000">
               <a:solidFill>
@@ -11890,7 +11893,7 @@
                 <a:latin typeface="Times New Roman" panose="02020603050405020304" pitchFamily="18" charset="0"/>
                 <a:cs typeface="Times New Roman" panose="02020603050405020304" pitchFamily="18" charset="0"/>
               </a:rPr>
-              <a:t>23-09-2024</a:t>
+              <a:t>28-10-2024</a:t>
             </a:fld>
             <a:endParaRPr lang="en-IN" sz="2000">
               <a:solidFill>
@@ -13174,7 +13177,7 @@
                 <a:latin typeface="Times New Roman" panose="02020603050405020304" pitchFamily="18" charset="0"/>
                 <a:cs typeface="Times New Roman" panose="02020603050405020304" pitchFamily="18" charset="0"/>
               </a:rPr>
-              <a:t>23-09-2024</a:t>
+              <a:t>28-10-2024</a:t>
             </a:fld>
             <a:endParaRPr lang="en-IN" sz="2000">
               <a:solidFill>
@@ -14418,7 +14421,7 @@
                 <a:latin typeface="Times New Roman" panose="02020603050405020304" pitchFamily="18" charset="0"/>
                 <a:cs typeface="Times New Roman" panose="02020603050405020304" pitchFamily="18" charset="0"/>
               </a:rPr>
-              <a:t>23-09-2024</a:t>
+              <a:t>28-10-2024</a:t>
             </a:fld>
             <a:endParaRPr lang="en-IN" sz="2000">
               <a:solidFill>
@@ -15758,7 +15761,7 @@
                 <a:latin typeface="Times New Roman" panose="02020603050405020304" pitchFamily="18" charset="0"/>
                 <a:cs typeface="Times New Roman" panose="02020603050405020304" pitchFamily="18" charset="0"/>
               </a:rPr>
-              <a:t>23-09-2024</a:t>
+              <a:t>28-10-2024</a:t>
             </a:fld>
             <a:endParaRPr lang="en-IN" sz="2000">
               <a:solidFill>
@@ -17003,7 +17006,7 @@
                 <a:latin typeface="Times New Roman" panose="02020603050405020304" pitchFamily="18" charset="0"/>
                 <a:cs typeface="Times New Roman" panose="02020603050405020304" pitchFamily="18" charset="0"/>
               </a:rPr>
-              <a:t>23-09-2024</a:t>
+              <a:t>28-10-2024</a:t>
             </a:fld>
             <a:endParaRPr lang="en-IN" sz="2000">
               <a:solidFill>
@@ -18042,6 +18045,4104 @@
   <p:cSld>
     <p:spTree>
       <p:nvGrpSpPr>
+        <p:cNvPr id="1" name="">
+          <a:extLst>
+            <a:ext uri="{FF2B5EF4-FFF2-40B4-BE49-F238E27FC236}">
+              <a16:creationId xmlns:a16="http://schemas.microsoft.com/office/drawing/2014/main" id="{6B32F045-872D-5314-E6D5-7546F34CBD5B}"/>
+            </a:ext>
+          </a:extLst>
+        </p:cNvPr>
+        <p:cNvGrpSpPr/>
+        <p:nvPr/>
+      </p:nvGrpSpPr>
+      <p:grpSpPr>
+        <a:xfrm>
+          <a:off x="0" y="0"/>
+          <a:ext cx="0" cy="0"/>
+          <a:chOff x="0" y="0"/>
+          <a:chExt cx="0" cy="0"/>
+        </a:xfrm>
+      </p:grpSpPr>
+      <p:sp>
+        <p:nvSpPr>
+          <p:cNvPr id="4" name="Rectangle: Rounded Corners 3">
+            <a:extLst>
+              <a:ext uri="{FF2B5EF4-FFF2-40B4-BE49-F238E27FC236}">
+                <a16:creationId xmlns:a16="http://schemas.microsoft.com/office/drawing/2014/main" id="{FE221B03-27E2-7C59-FF50-1C6A022D4C98}"/>
+              </a:ext>
+            </a:extLst>
+          </p:cNvPr>
+          <p:cNvSpPr/>
+          <p:nvPr/>
+        </p:nvSpPr>
+        <p:spPr>
+          <a:xfrm>
+            <a:off x="555812" y="726142"/>
+            <a:ext cx="11214847" cy="5710518"/>
+          </a:xfrm>
+          <a:prstGeom prst="roundRect">
+            <a:avLst/>
+          </a:prstGeom>
+          <a:noFill/>
+          <a:ln w="38100">
+            <a:solidFill>
+              <a:schemeClr val="tx2">
+                <a:lumMod val="60000"/>
+                <a:lumOff val="40000"/>
+              </a:schemeClr>
+            </a:solidFill>
+          </a:ln>
+        </p:spPr>
+        <p:style>
+          <a:lnRef idx="2">
+            <a:schemeClr val="accent1"/>
+          </a:lnRef>
+          <a:fillRef idx="1">
+            <a:schemeClr val="lt1"/>
+          </a:fillRef>
+          <a:effectRef idx="0">
+            <a:schemeClr val="accent1"/>
+          </a:effectRef>
+          <a:fontRef idx="minor">
+            <a:schemeClr val="dk1"/>
+          </a:fontRef>
+        </p:style>
+        <p:txBody>
+          <a:bodyPr rtlCol="0" anchor="ctr"/>
+          <a:lstStyle/>
+          <a:p>
+            <a:pPr algn="ctr"/>
+            <a:endParaRPr lang="en-IN"/>
+          </a:p>
+        </p:txBody>
+      </p:sp>
+      <p:sp>
+        <p:nvSpPr>
+          <p:cNvPr id="6" name="Date Placeholder 5">
+            <a:extLst>
+              <a:ext uri="{FF2B5EF4-FFF2-40B4-BE49-F238E27FC236}">
+                <a16:creationId xmlns:a16="http://schemas.microsoft.com/office/drawing/2014/main" id="{3EA4976A-75BA-6D7E-1E8B-02C4432CE867}"/>
+              </a:ext>
+            </a:extLst>
+          </p:cNvPr>
+          <p:cNvSpPr>
+            <a:spLocks noGrp="1" noEditPoints="1"/>
+          </p:cNvSpPr>
+          <p:nvPr>
+            <p:ph type="dt" sz="half" idx="10"/>
+          </p:nvPr>
+        </p:nvSpPr>
+        <p:spPr>
+          <a:xfrm>
+            <a:off x="468406" y="6467756"/>
+            <a:ext cx="2743200" cy="365125"/>
+          </a:xfrm>
+        </p:spPr>
+        <p:txBody>
+          <a:bodyPr/>
+          <a:lstStyle/>
+          <a:p>
+            <a:fld id="{DD017C32-C087-4242-B27E-5D11F894ADA2}" type="datetime1">
+              <a:rPr lang="en-IN" sz="2000" smtClean="0">
+                <a:solidFill>
+                  <a:schemeClr val="tx1"/>
+                </a:solidFill>
+                <a:latin typeface="Times New Roman" panose="02020603050405020304" pitchFamily="18" charset="0"/>
+                <a:cs typeface="Times New Roman" panose="02020603050405020304" pitchFamily="18" charset="0"/>
+              </a:rPr>
+              <a:t>28-10-2024</a:t>
+            </a:fld>
+            <a:endParaRPr lang="en-IN" sz="2000">
+              <a:solidFill>
+                <a:schemeClr val="tx1"/>
+              </a:solidFill>
+              <a:latin typeface="Times New Roman" panose="02020603050405020304" pitchFamily="18" charset="0"/>
+              <a:cs typeface="Times New Roman" panose="02020603050405020304" pitchFamily="18" charset="0"/>
+            </a:endParaRPr>
+          </a:p>
+        </p:txBody>
+      </p:sp>
+      <p:sp>
+        <p:nvSpPr>
+          <p:cNvPr id="7" name="Footer Placeholder 6">
+            <a:extLst>
+              <a:ext uri="{FF2B5EF4-FFF2-40B4-BE49-F238E27FC236}">
+                <a16:creationId xmlns:a16="http://schemas.microsoft.com/office/drawing/2014/main" id="{7C5F0AB9-8C30-1AD4-D0CC-E7EFA213BA49}"/>
+              </a:ext>
+            </a:extLst>
+          </p:cNvPr>
+          <p:cNvSpPr>
+            <a:spLocks noGrp="1" noEditPoints="1"/>
+          </p:cNvSpPr>
+          <p:nvPr>
+            <p:ph type="ftr" sz="quarter" idx="11"/>
+          </p:nvPr>
+        </p:nvSpPr>
+        <p:spPr>
+          <a:xfrm>
+            <a:off x="9663953" y="6436660"/>
+            <a:ext cx="2232211" cy="365125"/>
+          </a:xfrm>
+        </p:spPr>
+        <p:txBody>
+          <a:bodyPr/>
+          <a:lstStyle/>
+          <a:p>
+            <a:pPr lvl="1" algn="ctr"/>
+            <a:r>
+              <a:rPr lang="en-IN" sz="2400" dirty="0">
+                <a:latin typeface="Times New Roman"/>
+                <a:cs typeface="Times New Roman"/>
+              </a:rPr>
+              <a:t>Team 59</a:t>
+            </a:r>
+            <a:endParaRPr lang="en-IN" sz="2400" dirty="0">
+              <a:latin typeface="Times New Roman" panose="02020603050405020304" pitchFamily="18" charset="0"/>
+              <a:cs typeface="Times New Roman" panose="02020603050405020304" pitchFamily="18" charset="0"/>
+            </a:endParaRPr>
+          </a:p>
+        </p:txBody>
+      </p:sp>
+      <p:pic>
+        <p:nvPicPr>
+          <p:cNvPr id="1026" name="Picture 2" descr="Amrita Vishwa Vidyapeetham, Coimbatore: Courses, Fees ...">
+            <a:extLst>
+              <a:ext uri="{FF2B5EF4-FFF2-40B4-BE49-F238E27FC236}">
+                <a16:creationId xmlns:a16="http://schemas.microsoft.com/office/drawing/2014/main" id="{D237F178-EB51-B8E9-8312-E40E5FF3E6AD}"/>
+              </a:ext>
+            </a:extLst>
+          </p:cNvPr>
+          <p:cNvPicPr>
+            <a:picLocks noChangeAspect="1" noChangeArrowheads="1"/>
+          </p:cNvPicPr>
+          <p:nvPr/>
+        </p:nvPicPr>
+        <p:blipFill>
+          <a:blip r:embed="rId2" cstate="print"/>
+          <a:srcRect/>
+          <a:stretch>
+            <a:fillRect/>
+          </a:stretch>
+        </p:blipFill>
+        <p:spPr bwMode="auto">
+          <a:xfrm>
+            <a:off x="31938" y="25120"/>
+            <a:ext cx="938326" cy="917001"/>
+          </a:xfrm>
+          <a:prstGeom prst="rect">
+            <a:avLst/>
+          </a:prstGeom>
+          <a:noFill/>
+        </p:spPr>
+      </p:pic>
+      <p:sp>
+        <p:nvSpPr>
+          <p:cNvPr id="2" name="Rectangle: Rounded Corners 1">
+            <a:extLst>
+              <a:ext uri="{FF2B5EF4-FFF2-40B4-BE49-F238E27FC236}">
+                <a16:creationId xmlns:a16="http://schemas.microsoft.com/office/drawing/2014/main" id="{B95FC3C8-E501-715B-2A11-B97C5B7CF2CB}"/>
+              </a:ext>
+            </a:extLst>
+          </p:cNvPr>
+          <p:cNvSpPr/>
+          <p:nvPr/>
+        </p:nvSpPr>
+        <p:spPr>
+          <a:xfrm>
+            <a:off x="555812" y="726142"/>
+            <a:ext cx="11214847" cy="5710518"/>
+          </a:xfrm>
+          <a:prstGeom prst="roundRect">
+            <a:avLst/>
+          </a:prstGeom>
+          <a:noFill/>
+          <a:ln w="38100">
+            <a:solidFill>
+              <a:schemeClr val="tx2">
+                <a:lumMod val="60000"/>
+                <a:lumOff val="40000"/>
+              </a:schemeClr>
+            </a:solidFill>
+          </a:ln>
+        </p:spPr>
+        <p:style>
+          <a:lnRef idx="2">
+            <a:schemeClr val="accent1"/>
+          </a:lnRef>
+          <a:fillRef idx="1">
+            <a:schemeClr val="lt1"/>
+          </a:fillRef>
+          <a:effectRef idx="0">
+            <a:schemeClr val="accent1"/>
+          </a:effectRef>
+          <a:fontRef idx="minor">
+            <a:schemeClr val="dk1"/>
+          </a:fontRef>
+        </p:style>
+        <p:txBody>
+          <a:bodyPr rtlCol="0" anchor="ctr"/>
+          <a:lstStyle/>
+          <a:p>
+            <a:pPr algn="ctr"/>
+            <a:endParaRPr lang="en-IN"/>
+          </a:p>
+        </p:txBody>
+      </p:sp>
+      <p:sp>
+        <p:nvSpPr>
+          <p:cNvPr id="3" name="Date Placeholder 5">
+            <a:extLst>
+              <a:ext uri="{FF2B5EF4-FFF2-40B4-BE49-F238E27FC236}">
+                <a16:creationId xmlns:a16="http://schemas.microsoft.com/office/drawing/2014/main" id="{6B87051B-C9AC-A145-B524-4C048335D789}"/>
+              </a:ext>
+            </a:extLst>
+          </p:cNvPr>
+          <p:cNvSpPr txBox="1">
+            <a:spLocks noEditPoints="1"/>
+          </p:cNvSpPr>
+          <p:nvPr/>
+        </p:nvSpPr>
+        <p:spPr>
+          <a:xfrm>
+            <a:off x="468406" y="6467756"/>
+            <a:ext cx="2743200" cy="365125"/>
+          </a:xfrm>
+          <a:prstGeom prst="rect">
+            <a:avLst/>
+          </a:prstGeom>
+        </p:spPr>
+        <p:txBody>
+          <a:bodyPr vert="horz" lIns="91440" tIns="45720" rIns="91440" bIns="45720" rtlCol="0" anchor="ctr"/>
+          <a:lstStyle>
+            <a:defPPr>
+              <a:defRPr lang="en-US"/>
+            </a:defPPr>
+            <a:lvl1pPr marL="0" algn="l" defTabSz="914400" rtl="0" eaLnBrk="1" latinLnBrk="0" hangingPunct="1">
+              <a:defRPr sz="1200" kern="1200">
+                <a:solidFill>
+                  <a:schemeClr val="tx1">
+                    <a:tint val="75000"/>
+                  </a:schemeClr>
+                </a:solidFill>
+                <a:latin typeface="+mn-lt"/>
+                <a:ea typeface="+mn-ea"/>
+                <a:cs typeface="+mn-cs"/>
+              </a:defRPr>
+            </a:lvl1pPr>
+            <a:lvl2pPr marL="457200" algn="l" defTabSz="914400" rtl="0" eaLnBrk="1" latinLnBrk="0" hangingPunct="1">
+              <a:defRPr sz="1800" kern="1200">
+                <a:solidFill>
+                  <a:schemeClr val="tx1"/>
+                </a:solidFill>
+                <a:latin typeface="+mn-lt"/>
+                <a:ea typeface="+mn-ea"/>
+                <a:cs typeface="+mn-cs"/>
+              </a:defRPr>
+            </a:lvl2pPr>
+            <a:lvl3pPr marL="914400" algn="l" defTabSz="914400" rtl="0" eaLnBrk="1" latinLnBrk="0" hangingPunct="1">
+              <a:defRPr sz="1800" kern="1200">
+                <a:solidFill>
+                  <a:schemeClr val="tx1"/>
+                </a:solidFill>
+                <a:latin typeface="+mn-lt"/>
+                <a:ea typeface="+mn-ea"/>
+                <a:cs typeface="+mn-cs"/>
+              </a:defRPr>
+            </a:lvl3pPr>
+            <a:lvl4pPr marL="1371600" algn="l" defTabSz="914400" rtl="0" eaLnBrk="1" latinLnBrk="0" hangingPunct="1">
+              <a:defRPr sz="1800" kern="1200">
+                <a:solidFill>
+                  <a:schemeClr val="tx1"/>
+                </a:solidFill>
+                <a:latin typeface="+mn-lt"/>
+                <a:ea typeface="+mn-ea"/>
+                <a:cs typeface="+mn-cs"/>
+              </a:defRPr>
+            </a:lvl4pPr>
+            <a:lvl5pPr marL="1828800" algn="l" defTabSz="914400" rtl="0" eaLnBrk="1" latinLnBrk="0" hangingPunct="1">
+              <a:defRPr sz="1800" kern="1200">
+                <a:solidFill>
+                  <a:schemeClr val="tx1"/>
+                </a:solidFill>
+                <a:latin typeface="+mn-lt"/>
+                <a:ea typeface="+mn-ea"/>
+                <a:cs typeface="+mn-cs"/>
+              </a:defRPr>
+            </a:lvl5pPr>
+            <a:lvl6pPr marL="2286000" algn="l" defTabSz="914400" rtl="0" eaLnBrk="1" latinLnBrk="0" hangingPunct="1">
+              <a:defRPr sz="1800" kern="1200">
+                <a:solidFill>
+                  <a:schemeClr val="tx1"/>
+                </a:solidFill>
+                <a:latin typeface="+mn-lt"/>
+                <a:ea typeface="+mn-ea"/>
+                <a:cs typeface="+mn-cs"/>
+              </a:defRPr>
+            </a:lvl6pPr>
+            <a:lvl7pPr marL="2743200" algn="l" defTabSz="914400" rtl="0" eaLnBrk="1" latinLnBrk="0" hangingPunct="1">
+              <a:defRPr sz="1800" kern="1200">
+                <a:solidFill>
+                  <a:schemeClr val="tx1"/>
+                </a:solidFill>
+                <a:latin typeface="+mn-lt"/>
+                <a:ea typeface="+mn-ea"/>
+                <a:cs typeface="+mn-cs"/>
+              </a:defRPr>
+            </a:lvl7pPr>
+            <a:lvl8pPr marL="3200400" algn="l" defTabSz="914400" rtl="0" eaLnBrk="1" latinLnBrk="0" hangingPunct="1">
+              <a:defRPr sz="1800" kern="1200">
+                <a:solidFill>
+                  <a:schemeClr val="tx1"/>
+                </a:solidFill>
+                <a:latin typeface="+mn-lt"/>
+                <a:ea typeface="+mn-ea"/>
+                <a:cs typeface="+mn-cs"/>
+              </a:defRPr>
+            </a:lvl8pPr>
+            <a:lvl9pPr marL="3657600" algn="l" defTabSz="914400" rtl="0" eaLnBrk="1" latinLnBrk="0" hangingPunct="1">
+              <a:defRPr sz="1800" kern="1200">
+                <a:solidFill>
+                  <a:schemeClr val="tx1"/>
+                </a:solidFill>
+                <a:latin typeface="+mn-lt"/>
+                <a:ea typeface="+mn-ea"/>
+                <a:cs typeface="+mn-cs"/>
+              </a:defRPr>
+            </a:lvl9pPr>
+          </a:lstStyle>
+          <a:p>
+            <a:endParaRPr lang="en-IN" sz="2000">
+              <a:solidFill>
+                <a:schemeClr val="tx1"/>
+              </a:solidFill>
+              <a:latin typeface="Times New Roman" panose="02020603050405020304" pitchFamily="18" charset="0"/>
+              <a:cs typeface="Times New Roman" panose="02020603050405020304" pitchFamily="18" charset="0"/>
+            </a:endParaRPr>
+          </a:p>
+        </p:txBody>
+      </p:sp>
+      <p:sp>
+        <p:nvSpPr>
+          <p:cNvPr id="5" name="Footer Placeholder 6">
+            <a:extLst>
+              <a:ext uri="{FF2B5EF4-FFF2-40B4-BE49-F238E27FC236}">
+                <a16:creationId xmlns:a16="http://schemas.microsoft.com/office/drawing/2014/main" id="{9F8C4706-58AA-F8FF-7909-EA2FDE3179EE}"/>
+              </a:ext>
+            </a:extLst>
+          </p:cNvPr>
+          <p:cNvSpPr txBox="1">
+            <a:spLocks noEditPoints="1"/>
+          </p:cNvSpPr>
+          <p:nvPr/>
+        </p:nvSpPr>
+        <p:spPr>
+          <a:xfrm>
+            <a:off x="9663953" y="6436660"/>
+            <a:ext cx="2232211" cy="365125"/>
+          </a:xfrm>
+          <a:prstGeom prst="rect">
+            <a:avLst/>
+          </a:prstGeom>
+        </p:spPr>
+        <p:txBody>
+          <a:bodyPr vert="horz" lIns="91440" tIns="45720" rIns="91440" bIns="45720" rtlCol="0" anchor="ctr"/>
+          <a:lstStyle>
+            <a:defPPr>
+              <a:defRPr lang="en-US"/>
+            </a:defPPr>
+            <a:lvl1pPr marL="0" algn="ctr" defTabSz="914400" rtl="0" eaLnBrk="1" latinLnBrk="0" hangingPunct="1">
+              <a:defRPr sz="1200" kern="1200">
+                <a:solidFill>
+                  <a:schemeClr val="tx1">
+                    <a:tint val="75000"/>
+                  </a:schemeClr>
+                </a:solidFill>
+                <a:latin typeface="+mn-lt"/>
+                <a:ea typeface="+mn-ea"/>
+                <a:cs typeface="+mn-cs"/>
+              </a:defRPr>
+            </a:lvl1pPr>
+            <a:lvl2pPr marL="457200" algn="l" defTabSz="914400" rtl="0" eaLnBrk="1" latinLnBrk="0" hangingPunct="1">
+              <a:defRPr sz="1800" kern="1200">
+                <a:solidFill>
+                  <a:schemeClr val="tx1"/>
+                </a:solidFill>
+                <a:latin typeface="+mn-lt"/>
+                <a:ea typeface="+mn-ea"/>
+                <a:cs typeface="+mn-cs"/>
+              </a:defRPr>
+            </a:lvl2pPr>
+            <a:lvl3pPr marL="914400" algn="l" defTabSz="914400" rtl="0" eaLnBrk="1" latinLnBrk="0" hangingPunct="1">
+              <a:defRPr sz="1800" kern="1200">
+                <a:solidFill>
+                  <a:schemeClr val="tx1"/>
+                </a:solidFill>
+                <a:latin typeface="+mn-lt"/>
+                <a:ea typeface="+mn-ea"/>
+                <a:cs typeface="+mn-cs"/>
+              </a:defRPr>
+            </a:lvl3pPr>
+            <a:lvl4pPr marL="1371600" algn="l" defTabSz="914400" rtl="0" eaLnBrk="1" latinLnBrk="0" hangingPunct="1">
+              <a:defRPr sz="1800" kern="1200">
+                <a:solidFill>
+                  <a:schemeClr val="tx1"/>
+                </a:solidFill>
+                <a:latin typeface="+mn-lt"/>
+                <a:ea typeface="+mn-ea"/>
+                <a:cs typeface="+mn-cs"/>
+              </a:defRPr>
+            </a:lvl4pPr>
+            <a:lvl5pPr marL="1828800" algn="l" defTabSz="914400" rtl="0" eaLnBrk="1" latinLnBrk="0" hangingPunct="1">
+              <a:defRPr sz="1800" kern="1200">
+                <a:solidFill>
+                  <a:schemeClr val="tx1"/>
+                </a:solidFill>
+                <a:latin typeface="+mn-lt"/>
+                <a:ea typeface="+mn-ea"/>
+                <a:cs typeface="+mn-cs"/>
+              </a:defRPr>
+            </a:lvl5pPr>
+            <a:lvl6pPr marL="2286000" algn="l" defTabSz="914400" rtl="0" eaLnBrk="1" latinLnBrk="0" hangingPunct="1">
+              <a:defRPr sz="1800" kern="1200">
+                <a:solidFill>
+                  <a:schemeClr val="tx1"/>
+                </a:solidFill>
+                <a:latin typeface="+mn-lt"/>
+                <a:ea typeface="+mn-ea"/>
+                <a:cs typeface="+mn-cs"/>
+              </a:defRPr>
+            </a:lvl6pPr>
+            <a:lvl7pPr marL="2743200" algn="l" defTabSz="914400" rtl="0" eaLnBrk="1" latinLnBrk="0" hangingPunct="1">
+              <a:defRPr sz="1800" kern="1200">
+                <a:solidFill>
+                  <a:schemeClr val="tx1"/>
+                </a:solidFill>
+                <a:latin typeface="+mn-lt"/>
+                <a:ea typeface="+mn-ea"/>
+                <a:cs typeface="+mn-cs"/>
+              </a:defRPr>
+            </a:lvl7pPr>
+            <a:lvl8pPr marL="3200400" algn="l" defTabSz="914400" rtl="0" eaLnBrk="1" latinLnBrk="0" hangingPunct="1">
+              <a:defRPr sz="1800" kern="1200">
+                <a:solidFill>
+                  <a:schemeClr val="tx1"/>
+                </a:solidFill>
+                <a:latin typeface="+mn-lt"/>
+                <a:ea typeface="+mn-ea"/>
+                <a:cs typeface="+mn-cs"/>
+              </a:defRPr>
+            </a:lvl8pPr>
+            <a:lvl9pPr marL="3657600" algn="l" defTabSz="914400" rtl="0" eaLnBrk="1" latinLnBrk="0" hangingPunct="1">
+              <a:defRPr sz="1800" kern="1200">
+                <a:solidFill>
+                  <a:schemeClr val="tx1"/>
+                </a:solidFill>
+                <a:latin typeface="+mn-lt"/>
+                <a:ea typeface="+mn-ea"/>
+                <a:cs typeface="+mn-cs"/>
+              </a:defRPr>
+            </a:lvl9pPr>
+          </a:lstStyle>
+          <a:p>
+            <a:pPr lvl="1" algn="ctr"/>
+            <a:endParaRPr lang="en-IN" sz="2400">
+              <a:latin typeface="Times New Roman" panose="02020603050405020304" pitchFamily="18" charset="0"/>
+              <a:cs typeface="Times New Roman" panose="02020603050405020304" pitchFamily="18" charset="0"/>
+            </a:endParaRPr>
+          </a:p>
+        </p:txBody>
+      </p:sp>
+      <p:sp>
+        <p:nvSpPr>
+          <p:cNvPr id="12" name="Title 1">
+            <a:extLst>
+              <a:ext uri="{FF2B5EF4-FFF2-40B4-BE49-F238E27FC236}">
+                <a16:creationId xmlns:a16="http://schemas.microsoft.com/office/drawing/2014/main" id="{81019DB5-6175-9697-AC75-3E1C35DCE666}"/>
+              </a:ext>
+            </a:extLst>
+          </p:cNvPr>
+          <p:cNvSpPr txBox="1">
+            <a:spLocks noChangeArrowheads="1"/>
+          </p:cNvSpPr>
+          <p:nvPr/>
+        </p:nvSpPr>
+        <p:spPr>
+          <a:xfrm>
+            <a:off x="1337234" y="942121"/>
+            <a:ext cx="9652000" cy="548062"/>
+          </a:xfrm>
+          <a:prstGeom prst="rect">
+            <a:avLst/>
+          </a:prstGeom>
+        </p:spPr>
+        <p:txBody>
+          <a:bodyPr vert="horz" lIns="91440" tIns="45720" rIns="91440" bIns="45720" rtlCol="0" anchor="b">
+            <a:normAutofit lnSpcReduction="10000"/>
+          </a:bodyPr>
+          <a:lstStyle>
+            <a:lvl1pPr algn="ctr" defTabSz="914400" rtl="0" eaLnBrk="1" latinLnBrk="0" hangingPunct="1">
+              <a:lnSpc>
+                <a:spcPct val="90000"/>
+              </a:lnSpc>
+              <a:spcBef>
+                <a:spcPct val="0"/>
+              </a:spcBef>
+              <a:buNone/>
+              <a:defRPr sz="6000" kern="1200">
+                <a:solidFill>
+                  <a:schemeClr val="tx1"/>
+                </a:solidFill>
+                <a:latin typeface="+mj-lt"/>
+                <a:ea typeface="+mj-ea"/>
+                <a:cs typeface="+mj-cs"/>
+              </a:defRPr>
+            </a:lvl1pPr>
+          </a:lstStyle>
+          <a:p>
+            <a:r>
+              <a:rPr lang="en-US" altLang="en-US" sz="3600" dirty="0">
+                <a:latin typeface="Times New Roman" panose="02020603050405020304" pitchFamily="18" charset="0"/>
+                <a:cs typeface="Times New Roman" panose="02020603050405020304" pitchFamily="18" charset="0"/>
+              </a:rPr>
+              <a:t>Literature Survey – (Paper 12)</a:t>
+            </a:r>
+            <a:endParaRPr lang="en-IN" altLang="en-US" sz="3600" dirty="0">
+              <a:latin typeface="Times New Roman" panose="02020603050405020304" pitchFamily="18" charset="0"/>
+              <a:cs typeface="Times New Roman" panose="02020603050405020304" pitchFamily="18" charset="0"/>
+            </a:endParaRPr>
+          </a:p>
+        </p:txBody>
+      </p:sp>
+      <p:graphicFrame>
+        <p:nvGraphicFramePr>
+          <p:cNvPr id="14" name="Table 6">
+            <a:extLst>
+              <a:ext uri="{FF2B5EF4-FFF2-40B4-BE49-F238E27FC236}">
+                <a16:creationId xmlns:a16="http://schemas.microsoft.com/office/drawing/2014/main" id="{E9141E2D-A83B-3D12-6FF4-AB6C2B4E51FF}"/>
+              </a:ext>
+            </a:extLst>
+          </p:cNvPr>
+          <p:cNvGraphicFramePr>
+            <a:graphicFrameLocks/>
+          </p:cNvGraphicFramePr>
+          <p:nvPr/>
+        </p:nvGraphicFramePr>
+        <p:xfrm>
+          <a:off x="889000" y="1597900"/>
+          <a:ext cx="10414000" cy="4526275"/>
+        </p:xfrm>
+        <a:graphic>
+          <a:graphicData uri="http://schemas.openxmlformats.org/drawingml/2006/table">
+            <a:tbl>
+              <a:tblPr firstRow="1" bandRow="1">
+                <a:tableStyleId>{5940675A-B579-460E-94D1-54222C63F5DA}</a:tableStyleId>
+              </a:tblPr>
+              <a:tblGrid>
+                <a:gridCol w="717105">
+                  <a:extLst>
+                    <a:ext uri="{9D8B030D-6E8A-4147-A177-3AD203B41FA5}">
+                      <a16:colId xmlns:a16="http://schemas.microsoft.com/office/drawing/2014/main" val="20000"/>
+                    </a:ext>
+                  </a:extLst>
+                </a:gridCol>
+                <a:gridCol w="1233421">
+                  <a:extLst>
+                    <a:ext uri="{9D8B030D-6E8A-4147-A177-3AD203B41FA5}">
+                      <a16:colId xmlns:a16="http://schemas.microsoft.com/office/drawing/2014/main" val="20001"/>
+                    </a:ext>
+                  </a:extLst>
+                </a:gridCol>
+                <a:gridCol w="2538557">
+                  <a:extLst>
+                    <a:ext uri="{9D8B030D-6E8A-4147-A177-3AD203B41FA5}">
+                      <a16:colId xmlns:a16="http://schemas.microsoft.com/office/drawing/2014/main" val="20002"/>
+                    </a:ext>
+                  </a:extLst>
+                </a:gridCol>
+                <a:gridCol w="1722672">
+                  <a:extLst>
+                    <a:ext uri="{9D8B030D-6E8A-4147-A177-3AD203B41FA5}">
+                      <a16:colId xmlns:a16="http://schemas.microsoft.com/office/drawing/2014/main" val="20003"/>
+                    </a:ext>
+                  </a:extLst>
+                </a:gridCol>
+                <a:gridCol w="2251715">
+                  <a:extLst>
+                    <a:ext uri="{9D8B030D-6E8A-4147-A177-3AD203B41FA5}">
+                      <a16:colId xmlns:a16="http://schemas.microsoft.com/office/drawing/2014/main" val="20004"/>
+                    </a:ext>
+                  </a:extLst>
+                </a:gridCol>
+                <a:gridCol w="1950530">
+                  <a:extLst>
+                    <a:ext uri="{9D8B030D-6E8A-4147-A177-3AD203B41FA5}">
+                      <a16:colId xmlns:a16="http://schemas.microsoft.com/office/drawing/2014/main" val="20005"/>
+                    </a:ext>
+                  </a:extLst>
+                </a:gridCol>
+              </a:tblGrid>
+              <a:tr h="443909">
+                <a:tc>
+                  <a:txBody>
+                    <a:bodyPr/>
+                    <a:lstStyle/>
+                    <a:p>
+                      <a:pPr algn="just"/>
+                      <a:r>
+                        <a:rPr lang="en-US" sz="1200" b="1">
+                          <a:latin typeface="Times New Roman" panose="02020603050405020304" pitchFamily="18" charset="0"/>
+                          <a:cs typeface="Times New Roman" panose="02020603050405020304" pitchFamily="18" charset="0"/>
+                        </a:rPr>
+                        <a:t>Ref # &amp;Year</a:t>
+                      </a:r>
+                      <a:endParaRPr lang="en-IN" sz="1200" b="1">
+                        <a:latin typeface="Times New Roman" panose="02020603050405020304" pitchFamily="18" charset="0"/>
+                        <a:cs typeface="Times New Roman" panose="02020603050405020304" pitchFamily="18" charset="0"/>
+                      </a:endParaRPr>
+                    </a:p>
+                  </a:txBody>
+                  <a:tcPr marL="91437" marR="91437" marT="45728" marB="45728"/>
+                </a:tc>
+                <a:tc>
+                  <a:txBody>
+                    <a:bodyPr/>
+                    <a:lstStyle/>
+                    <a:p>
+                      <a:pPr algn="just"/>
+                      <a:r>
+                        <a:rPr lang="en-US" sz="1200" b="1">
+                          <a:latin typeface="Times New Roman" panose="02020603050405020304" pitchFamily="18" charset="0"/>
+                          <a:cs typeface="Times New Roman" panose="02020603050405020304" pitchFamily="18" charset="0"/>
+                        </a:rPr>
+                        <a:t>Title</a:t>
+                      </a:r>
+                      <a:endParaRPr lang="en-IN" sz="1200" b="1">
+                        <a:latin typeface="Times New Roman" panose="02020603050405020304" pitchFamily="18" charset="0"/>
+                        <a:cs typeface="Times New Roman" panose="02020603050405020304" pitchFamily="18" charset="0"/>
+                      </a:endParaRPr>
+                    </a:p>
+                  </a:txBody>
+                  <a:tcPr marL="91437" marR="91437" marT="45728" marB="45728"/>
+                </a:tc>
+                <a:tc>
+                  <a:txBody>
+                    <a:bodyPr/>
+                    <a:lstStyle/>
+                    <a:p>
+                      <a:pPr algn="just"/>
+                      <a:r>
+                        <a:rPr lang="en-US" sz="1200" b="1" dirty="0">
+                          <a:latin typeface="Times New Roman" panose="02020603050405020304" pitchFamily="18" charset="0"/>
+                          <a:cs typeface="Times New Roman" panose="02020603050405020304" pitchFamily="18" charset="0"/>
+                        </a:rPr>
+                        <a:t>Problem Statement</a:t>
+                      </a:r>
+                      <a:endParaRPr lang="en-IN" sz="1200" b="1" dirty="0">
+                        <a:latin typeface="Times New Roman" panose="02020603050405020304" pitchFamily="18" charset="0"/>
+                        <a:cs typeface="Times New Roman" panose="02020603050405020304" pitchFamily="18" charset="0"/>
+                      </a:endParaRPr>
+                    </a:p>
+                  </a:txBody>
+                  <a:tcPr marL="91437" marR="91437" marT="45728" marB="45728"/>
+                </a:tc>
+                <a:tc>
+                  <a:txBody>
+                    <a:bodyPr/>
+                    <a:lstStyle/>
+                    <a:p>
+                      <a:pPr algn="just"/>
+                      <a:r>
+                        <a:rPr lang="en-US" sz="1200" b="1" dirty="0">
+                          <a:latin typeface="Times New Roman" panose="02020603050405020304" pitchFamily="18" charset="0"/>
+                          <a:cs typeface="Times New Roman" panose="02020603050405020304" pitchFamily="18" charset="0"/>
+                        </a:rPr>
+                        <a:t>Dataset</a:t>
+                      </a:r>
+                      <a:endParaRPr lang="en-IN" sz="1200" b="1" dirty="0">
+                        <a:latin typeface="Times New Roman" panose="02020603050405020304" pitchFamily="18" charset="0"/>
+                        <a:cs typeface="Times New Roman" panose="02020603050405020304" pitchFamily="18" charset="0"/>
+                      </a:endParaRPr>
+                    </a:p>
+                  </a:txBody>
+                  <a:tcPr marL="91437" marR="91437" marT="45728" marB="45728"/>
+                </a:tc>
+                <a:tc>
+                  <a:txBody>
+                    <a:bodyPr/>
+                    <a:lstStyle/>
+                    <a:p>
+                      <a:pPr algn="just"/>
+                      <a:r>
+                        <a:rPr lang="en-US" sz="1200" b="1" dirty="0">
+                          <a:latin typeface="Times New Roman" panose="02020603050405020304" pitchFamily="18" charset="0"/>
+                          <a:cs typeface="Times New Roman" panose="02020603050405020304" pitchFamily="18" charset="0"/>
+                        </a:rPr>
+                        <a:t>Methodology</a:t>
+                      </a:r>
+                      <a:endParaRPr lang="en-IN" sz="1200" b="1" dirty="0">
+                        <a:latin typeface="Times New Roman" panose="02020603050405020304" pitchFamily="18" charset="0"/>
+                        <a:cs typeface="Times New Roman" panose="02020603050405020304" pitchFamily="18" charset="0"/>
+                      </a:endParaRPr>
+                    </a:p>
+                  </a:txBody>
+                  <a:tcPr marL="91437" marR="91437" marT="45735" marB="45735"/>
+                </a:tc>
+                <a:tc>
+                  <a:txBody>
+                    <a:bodyPr/>
+                    <a:lstStyle/>
+                    <a:p>
+                      <a:pPr algn="just"/>
+                      <a:r>
+                        <a:rPr lang="en-US" sz="1200" b="1">
+                          <a:latin typeface="Times New Roman" panose="02020603050405020304" pitchFamily="18" charset="0"/>
+                          <a:cs typeface="Times New Roman" panose="02020603050405020304" pitchFamily="18" charset="0"/>
+                        </a:rPr>
+                        <a:t>Performance Metrics</a:t>
+                      </a:r>
+                      <a:endParaRPr lang="en-IN" sz="1200" b="1">
+                        <a:latin typeface="Times New Roman" panose="02020603050405020304" pitchFamily="18" charset="0"/>
+                        <a:cs typeface="Times New Roman" panose="02020603050405020304" pitchFamily="18" charset="0"/>
+                      </a:endParaRPr>
+                    </a:p>
+                  </a:txBody>
+                  <a:tcPr marL="91437" marR="91437" marT="45735" marB="45735"/>
+                </a:tc>
+                <a:extLst>
+                  <a:ext uri="{0D108BD9-81ED-4DB2-BD59-A6C34878D82A}">
+                    <a16:rowId xmlns:a16="http://schemas.microsoft.com/office/drawing/2014/main" val="10000"/>
+                  </a:ext>
+                </a:extLst>
+              </a:tr>
+              <a:tr h="4069059">
+                <a:tc>
+                  <a:txBody>
+                    <a:bodyPr/>
+                    <a:lstStyle/>
+                    <a:p>
+                      <a:pPr algn="just"/>
+                      <a:r>
+                        <a:rPr lang="en-IN" sz="1200" dirty="0">
+                          <a:latin typeface="Times New Roman" panose="02020603050405020304" pitchFamily="18" charset="0"/>
+                          <a:cs typeface="Times New Roman" panose="02020603050405020304" pitchFamily="18" charset="0"/>
+                        </a:rPr>
+                        <a:t>02 July 2024</a:t>
+                      </a:r>
+                    </a:p>
+                  </a:txBody>
+                  <a:tcPr marL="91437" marR="91437" marT="45728" marB="45728"/>
+                </a:tc>
+                <a:tc>
+                  <a:txBody>
+                    <a:bodyPr/>
+                    <a:lstStyle/>
+                    <a:p>
+                      <a:pPr lvl="0" algn="just">
+                        <a:buNone/>
+                      </a:pPr>
+                      <a:r>
+                        <a:rPr lang="en-GB" sz="1200" b="1" dirty="0">
+                          <a:latin typeface="Times New Roman" panose="02020603050405020304" pitchFamily="18" charset="0"/>
+                          <a:cs typeface="Times New Roman" panose="02020603050405020304" pitchFamily="18" charset="0"/>
+                        </a:rPr>
+                        <a:t>Robust Multi Model RAG Pipeline For Documents Containing Text, Table &amp; Images </a:t>
+                      </a:r>
+                      <a:endParaRPr lang="en-US" sz="1200" b="1" dirty="0">
+                        <a:latin typeface="Times New Roman" panose="02020603050405020304" pitchFamily="18" charset="0"/>
+                        <a:cs typeface="Times New Roman" panose="02020603050405020304" pitchFamily="18" charset="0"/>
+                      </a:endParaRPr>
+                    </a:p>
+                  </a:txBody>
+                  <a:tcPr marL="91437" marR="91437" marT="45728" marB="45728"/>
+                </a:tc>
+                <a:tc>
+                  <a:txBody>
+                    <a:bodyPr/>
+                    <a:lstStyle/>
+                    <a:p>
+                      <a:pPr marL="0" indent="0" algn="just">
+                        <a:buFont typeface="Arial" panose="020B0604020202020204" pitchFamily="34" charset="0"/>
+                        <a:buNone/>
+                      </a:pPr>
+                      <a:r>
+                        <a:rPr lang="en-GB" sz="1200" dirty="0">
+                          <a:latin typeface="Times New Roman" panose="02020603050405020304" pitchFamily="18" charset="0"/>
+                          <a:cs typeface="Times New Roman" panose="02020603050405020304" pitchFamily="18" charset="0"/>
+                        </a:rPr>
+                        <a:t>The primary issue tackled in this study is the inefficiency of existing Multimodal RAGs (Retrieval Augmented Generation) in generating results from documents that contain both images and texts, especially when there are relationships between these elements. - The study aims to propose a solution that enhances the retrieval and generation of results by effectively incorporating these relationships, which is a gap in current methodologies .</a:t>
+                      </a:r>
+                      <a:endParaRPr lang="en-US" sz="1200" dirty="0">
+                        <a:latin typeface="Times New Roman" panose="02020603050405020304" pitchFamily="18" charset="0"/>
+                        <a:cs typeface="Times New Roman" panose="02020603050405020304" pitchFamily="18" charset="0"/>
+                      </a:endParaRPr>
+                    </a:p>
+                  </a:txBody>
+                  <a:tcPr marL="91437" marR="91437" marT="45728" marB="45728"/>
+                </a:tc>
+                <a:tc>
+                  <a:txBody>
+                    <a:bodyPr/>
+                    <a:lstStyle/>
+                    <a:p>
+                      <a:pPr algn="just"/>
+                      <a:r>
+                        <a:rPr lang="en-GB" sz="1200" b="0" i="0" kern="1200" dirty="0">
+                          <a:solidFill>
+                            <a:schemeClr val="tx1"/>
+                          </a:solidFill>
+                          <a:effectLst/>
+                          <a:latin typeface="Times New Roman" panose="02020603050405020304" pitchFamily="18" charset="0"/>
+                          <a:ea typeface="+mn-ea"/>
+                          <a:cs typeface="Times New Roman" panose="02020603050405020304" pitchFamily="18" charset="0"/>
+                        </a:rPr>
+                        <a:t>Short-form-type-QA*  - *Long-form-type-QA*  - *MCQ-type-QA* (Multiple Choice Questions)  - *True-False-type-QA*</a:t>
+                      </a:r>
+                    </a:p>
+                  </a:txBody>
+                  <a:tcPr marL="91437" marR="91437" marT="45728" marB="45728"/>
+                </a:tc>
+                <a:tc>
+                  <a:txBody>
+                    <a:bodyPr/>
+                    <a:lstStyle/>
+                    <a:p>
+                      <a:pPr marL="171450" lvl="0" indent="-171450" algn="just">
+                        <a:lnSpc>
+                          <a:spcPct val="100000"/>
+                        </a:lnSpc>
+                        <a:spcBef>
+                          <a:spcPts val="0"/>
+                        </a:spcBef>
+                        <a:spcAft>
+                          <a:spcPts val="0"/>
+                        </a:spcAft>
+                        <a:buFont typeface="Arial" panose="020B0604020202020204" pitchFamily="34" charset="0"/>
+                        <a:buChar char="•"/>
+                      </a:pPr>
+                      <a:r>
+                        <a:rPr lang="en-GB" sz="1200" u="none" strike="noStrike" noProof="0" dirty="0">
+                          <a:solidFill>
+                            <a:srgbClr val="000000"/>
+                          </a:solidFill>
+                          <a:latin typeface="Times New Roman" panose="02020603050405020304" pitchFamily="18" charset="0"/>
+                          <a:cs typeface="Times New Roman" panose="02020603050405020304" pitchFamily="18" charset="0"/>
+                        </a:rPr>
+                        <a:t>The proposed methodology involves the development of a new Multimodal RAG.</a:t>
+                      </a:r>
+                    </a:p>
+                    <a:p>
+                      <a:pPr marL="171450" lvl="0" indent="-171450" algn="just">
+                        <a:lnSpc>
+                          <a:spcPct val="100000"/>
+                        </a:lnSpc>
+                        <a:spcBef>
+                          <a:spcPts val="0"/>
+                        </a:spcBef>
+                        <a:spcAft>
+                          <a:spcPts val="0"/>
+                        </a:spcAft>
+                        <a:buFont typeface="Arial" panose="020B0604020202020204" pitchFamily="34" charset="0"/>
+                        <a:buChar char="•"/>
+                      </a:pPr>
+                      <a:r>
+                        <a:rPr lang="en-GB" sz="1200" u="none" strike="noStrike" noProof="0" dirty="0">
+                          <a:solidFill>
+                            <a:srgbClr val="000000"/>
+                          </a:solidFill>
+                          <a:latin typeface="Times New Roman" panose="02020603050405020304" pitchFamily="18" charset="0"/>
+                          <a:cs typeface="Times New Roman" panose="02020603050405020304" pitchFamily="18" charset="0"/>
+                        </a:rPr>
+                        <a:t> It integrates both text and images, focusing on their interrelationship. </a:t>
+                      </a:r>
+                    </a:p>
+                    <a:p>
+                      <a:pPr marL="171450" lvl="0" indent="-171450" algn="just">
+                        <a:lnSpc>
+                          <a:spcPct val="100000"/>
+                        </a:lnSpc>
+                        <a:spcBef>
+                          <a:spcPts val="0"/>
+                        </a:spcBef>
+                        <a:spcAft>
+                          <a:spcPts val="0"/>
+                        </a:spcAft>
+                        <a:buFont typeface="Arial" panose="020B0604020202020204" pitchFamily="34" charset="0"/>
+                        <a:buChar char="•"/>
+                      </a:pPr>
+                      <a:r>
+                        <a:rPr lang="en-GB" sz="1200" u="none" strike="noStrike" noProof="0" dirty="0">
+                          <a:solidFill>
+                            <a:srgbClr val="000000"/>
+                          </a:solidFill>
+                          <a:latin typeface="Times New Roman" panose="02020603050405020304" pitchFamily="18" charset="0"/>
+                          <a:cs typeface="Times New Roman" panose="02020603050405020304" pitchFamily="18" charset="0"/>
+                        </a:rPr>
+                        <a:t>The study compares the performance of this new model against existing Multimodal RAGs using the aforementioned datasets. </a:t>
+                      </a:r>
+                    </a:p>
+                    <a:p>
+                      <a:pPr marL="171450" lvl="0" indent="-171450" algn="just">
+                        <a:lnSpc>
+                          <a:spcPct val="100000"/>
+                        </a:lnSpc>
+                        <a:spcBef>
+                          <a:spcPts val="0"/>
+                        </a:spcBef>
+                        <a:spcAft>
+                          <a:spcPts val="0"/>
+                        </a:spcAft>
+                        <a:buFont typeface="Arial" panose="020B0604020202020204" pitchFamily="34" charset="0"/>
+                        <a:buChar char="•"/>
+                      </a:pPr>
+                      <a:r>
+                        <a:rPr lang="en-GB" sz="1200" u="none" strike="noStrike" noProof="0" dirty="0" err="1">
+                          <a:solidFill>
+                            <a:srgbClr val="000000"/>
+                          </a:solidFill>
+                          <a:latin typeface="Times New Roman" panose="02020603050405020304" pitchFamily="18" charset="0"/>
+                          <a:cs typeface="Times New Roman" panose="02020603050405020304" pitchFamily="18" charset="0"/>
+                        </a:rPr>
+                        <a:t>Addionally</a:t>
+                      </a:r>
+                      <a:r>
+                        <a:rPr lang="en-GB" sz="1200" u="none" strike="noStrike" noProof="0" dirty="0">
+                          <a:solidFill>
+                            <a:srgbClr val="000000"/>
+                          </a:solidFill>
+                          <a:latin typeface="Times New Roman" panose="02020603050405020304" pitchFamily="18" charset="0"/>
+                          <a:cs typeface="Times New Roman" panose="02020603050405020304" pitchFamily="18" charset="0"/>
+                        </a:rPr>
+                        <a:t>, the proposed model is tested with two different multimodal large language models (LLMs), specifically Open-AI and Gemini, to assess its adaptability and effectiveness in different scenarios .</a:t>
+                      </a:r>
+                      <a:endParaRPr lang="en-US" sz="1200" u="none" strike="noStrike" noProof="0" dirty="0">
+                        <a:solidFill>
+                          <a:srgbClr val="000000"/>
+                        </a:solidFill>
+                        <a:latin typeface="Times New Roman" panose="02020603050405020304" pitchFamily="18" charset="0"/>
+                        <a:cs typeface="Times New Roman" panose="02020603050405020304" pitchFamily="18" charset="0"/>
+                      </a:endParaRPr>
+                    </a:p>
+                  </a:txBody>
+                  <a:tcPr marL="91437" marR="91437" marT="45735" marB="45735"/>
+                </a:tc>
+                <a:tc>
+                  <a:txBody>
+                    <a:bodyPr/>
+                    <a:lstStyle/>
+                    <a:p>
+                      <a:pPr marL="171450" indent="-171450" algn="just">
+                        <a:buFont typeface="Arial" panose="020B0604020202020204" pitchFamily="34" charset="0"/>
+                        <a:buChar char="•"/>
+                      </a:pPr>
+                      <a:r>
+                        <a:rPr lang="en-GB" sz="1200" dirty="0">
+                          <a:latin typeface="Times New Roman" panose="02020603050405020304" pitchFamily="18" charset="0"/>
+                          <a:cs typeface="Times New Roman" panose="02020603050405020304" pitchFamily="18" charset="0"/>
+                        </a:rPr>
+                        <a:t>The performance of the proposed Multimodal RAG is evaluated based on its effectiveness in generating accurate and relevant results from the datasets. </a:t>
+                      </a:r>
+                    </a:p>
+                    <a:p>
+                      <a:pPr marL="171450" indent="-171450" algn="just">
+                        <a:buFont typeface="Arial" panose="020B0604020202020204" pitchFamily="34" charset="0"/>
+                        <a:buChar char="•"/>
+                      </a:pPr>
+                      <a:r>
+                        <a:rPr lang="en-GB" sz="1200" dirty="0">
+                          <a:latin typeface="Times New Roman" panose="02020603050405020304" pitchFamily="18" charset="0"/>
+                          <a:cs typeface="Times New Roman" panose="02020603050405020304" pitchFamily="18" charset="0"/>
+                        </a:rPr>
+                        <a:t>The study emphasizes improvements in the generation of results when compared to existing models, although specific metrics (like accuracy, precision, recall, etc.) are not detailed in the provided context .</a:t>
+                      </a:r>
+                      <a:endParaRPr lang="en-US" sz="1200" dirty="0">
+                        <a:latin typeface="Times New Roman" panose="02020603050405020304" pitchFamily="18" charset="0"/>
+                        <a:cs typeface="Times New Roman" panose="02020603050405020304" pitchFamily="18" charset="0"/>
+                      </a:endParaRPr>
+                    </a:p>
+                  </a:txBody>
+                  <a:tcPr marL="91437" marR="91437" marT="45735" marB="45735"/>
+                </a:tc>
+                <a:extLst>
+                  <a:ext uri="{0D108BD9-81ED-4DB2-BD59-A6C34878D82A}">
+                    <a16:rowId xmlns:a16="http://schemas.microsoft.com/office/drawing/2014/main" val="10001"/>
+                  </a:ext>
+                </a:extLst>
+              </a:tr>
+            </a:tbl>
+          </a:graphicData>
+        </a:graphic>
+      </p:graphicFrame>
+      <p:sp>
+        <p:nvSpPr>
+          <p:cNvPr id="10" name="TextBox 9">
+            <a:extLst>
+              <a:ext uri="{FF2B5EF4-FFF2-40B4-BE49-F238E27FC236}">
+                <a16:creationId xmlns:a16="http://schemas.microsoft.com/office/drawing/2014/main" id="{E54A6D9F-C036-D754-C73D-A0046BD2F039}"/>
+              </a:ext>
+            </a:extLst>
+          </p:cNvPr>
+          <p:cNvSpPr txBox="1"/>
+          <p:nvPr/>
+        </p:nvSpPr>
+        <p:spPr>
+          <a:xfrm>
+            <a:off x="2248182" y="176680"/>
+            <a:ext cx="7830105" cy="550600"/>
+          </a:xfrm>
+          <a:prstGeom prst="rect">
+            <a:avLst/>
+          </a:prstGeom>
+          <a:noFill/>
+        </p:spPr>
+        <p:txBody>
+          <a:bodyPr wrap="square" lIns="91440" tIns="45720" rIns="91440" bIns="45720" rtlCol="0" anchor="t">
+            <a:spAutoFit/>
+          </a:bodyPr>
+          <a:lstStyle/>
+          <a:p>
+            <a:pPr marL="0" marR="0" algn="ctr">
+              <a:lnSpc>
+                <a:spcPct val="115000"/>
+              </a:lnSpc>
+              <a:spcBef>
+                <a:spcPts val="0"/>
+              </a:spcBef>
+              <a:spcAft>
+                <a:spcPts val="0"/>
+              </a:spcAft>
+            </a:pPr>
+            <a:r>
+              <a:rPr lang="en-US" sz="1400" b="1" dirty="0">
+                <a:effectLst/>
+                <a:latin typeface="Times New Roman" panose="02020603050405020304" pitchFamily="18" charset="0"/>
+                <a:ea typeface="Arial" panose="020B0604020202020204" pitchFamily="34" charset="0"/>
+              </a:rPr>
+              <a:t>RAG Enhanced Assistive Software For Career Guidance</a:t>
+            </a:r>
+            <a:br>
+              <a:rPr lang="en-US" sz="1400" b="1" dirty="0">
+                <a:effectLst/>
+                <a:latin typeface="Times New Roman" panose="02020603050405020304" pitchFamily="18" charset="0"/>
+                <a:ea typeface="Arial" panose="020B0604020202020204" pitchFamily="34" charset="0"/>
+              </a:rPr>
+            </a:br>
+            <a:endParaRPr lang="en-US" sz="1300" dirty="0">
+              <a:effectLst/>
+              <a:latin typeface="Arial" panose="020B0604020202020204" pitchFamily="34" charset="0"/>
+              <a:ea typeface="Arial" panose="020B0604020202020204" pitchFamily="34" charset="0"/>
+            </a:endParaRPr>
+          </a:p>
+        </p:txBody>
+      </p:sp>
+      <p:sp>
+        <p:nvSpPr>
+          <p:cNvPr id="9" name="Slide Number Placeholder 7">
+            <a:extLst>
+              <a:ext uri="{FF2B5EF4-FFF2-40B4-BE49-F238E27FC236}">
+                <a16:creationId xmlns:a16="http://schemas.microsoft.com/office/drawing/2014/main" id="{FBD79457-B378-3576-5A60-25D636B8CB60}"/>
+              </a:ext>
+            </a:extLst>
+          </p:cNvPr>
+          <p:cNvSpPr>
+            <a:spLocks noGrp="1"/>
+          </p:cNvSpPr>
+          <p:nvPr>
+            <p:ph type="sldNum" sz="quarter" idx="12"/>
+          </p:nvPr>
+        </p:nvSpPr>
+        <p:spPr>
+          <a:xfrm>
+            <a:off x="3420034" y="6467755"/>
+            <a:ext cx="2743200" cy="365125"/>
+          </a:xfrm>
+        </p:spPr>
+        <p:txBody>
+          <a:bodyPr/>
+          <a:lstStyle/>
+          <a:p>
+            <a:fld id="{12EC02DA-033E-4E45-979C-FC77C52540B5}" type="slidenum">
+              <a:rPr lang="en-IN" sz="2000" smtClean="0">
+                <a:solidFill>
+                  <a:schemeClr val="tx1"/>
+                </a:solidFill>
+              </a:rPr>
+              <a:pPr/>
+              <a:t>18</a:t>
+            </a:fld>
+            <a:endParaRPr lang="en-IN" sz="2000" dirty="0">
+              <a:solidFill>
+                <a:schemeClr val="tx1"/>
+              </a:solidFill>
+            </a:endParaRPr>
+          </a:p>
+        </p:txBody>
+      </p:sp>
+    </p:spTree>
+    <p:extLst>
+      <p:ext uri="{BB962C8B-B14F-4D97-AF65-F5344CB8AC3E}">
+        <p14:creationId xmlns:p14="http://schemas.microsoft.com/office/powerpoint/2010/main" val="957745991"/>
+      </p:ext>
+    </p:extLst>
+  </p:cSld>
+  <p:clrMapOvr>
+    <a:masterClrMapping/>
+  </p:clrMapOvr>
+</p:sld>
+</file>
+
+<file path=ppt/slides/slide19.xml><?xml version="1.0" encoding="utf-8"?>
+<p:sld xmlns:a="http://schemas.openxmlformats.org/drawingml/2006/main" xmlns:r="http://schemas.openxmlformats.org/officeDocument/2006/relationships" xmlns:p="http://schemas.openxmlformats.org/presentationml/2006/main">
+  <p:cSld>
+    <p:spTree>
+      <p:nvGrpSpPr>
+        <p:cNvPr id="1" name="">
+          <a:extLst>
+            <a:ext uri="{FF2B5EF4-FFF2-40B4-BE49-F238E27FC236}">
+              <a16:creationId xmlns:a16="http://schemas.microsoft.com/office/drawing/2014/main" id="{96DF98A0-8084-348D-1713-A906890F2B6E}"/>
+            </a:ext>
+          </a:extLst>
+        </p:cNvPr>
+        <p:cNvGrpSpPr/>
+        <p:nvPr/>
+      </p:nvGrpSpPr>
+      <p:grpSpPr>
+        <a:xfrm>
+          <a:off x="0" y="0"/>
+          <a:ext cx="0" cy="0"/>
+          <a:chOff x="0" y="0"/>
+          <a:chExt cx="0" cy="0"/>
+        </a:xfrm>
+      </p:grpSpPr>
+      <p:sp>
+        <p:nvSpPr>
+          <p:cNvPr id="4" name="Rectangle: Rounded Corners 3">
+            <a:extLst>
+              <a:ext uri="{FF2B5EF4-FFF2-40B4-BE49-F238E27FC236}">
+                <a16:creationId xmlns:a16="http://schemas.microsoft.com/office/drawing/2014/main" id="{D0BA5512-3710-7851-80CC-C2F1A41B5450}"/>
+              </a:ext>
+            </a:extLst>
+          </p:cNvPr>
+          <p:cNvSpPr/>
+          <p:nvPr/>
+        </p:nvSpPr>
+        <p:spPr>
+          <a:xfrm>
+            <a:off x="555812" y="726142"/>
+            <a:ext cx="11214847" cy="5710518"/>
+          </a:xfrm>
+          <a:prstGeom prst="roundRect">
+            <a:avLst/>
+          </a:prstGeom>
+          <a:noFill/>
+          <a:ln w="38100">
+            <a:solidFill>
+              <a:schemeClr val="tx2">
+                <a:lumMod val="60000"/>
+                <a:lumOff val="40000"/>
+              </a:schemeClr>
+            </a:solidFill>
+          </a:ln>
+        </p:spPr>
+        <p:style>
+          <a:lnRef idx="2">
+            <a:schemeClr val="accent1"/>
+          </a:lnRef>
+          <a:fillRef idx="1">
+            <a:schemeClr val="lt1"/>
+          </a:fillRef>
+          <a:effectRef idx="0">
+            <a:schemeClr val="accent1"/>
+          </a:effectRef>
+          <a:fontRef idx="minor">
+            <a:schemeClr val="dk1"/>
+          </a:fontRef>
+        </p:style>
+        <p:txBody>
+          <a:bodyPr rtlCol="0" anchor="ctr"/>
+          <a:lstStyle/>
+          <a:p>
+            <a:pPr algn="ctr"/>
+            <a:endParaRPr lang="en-IN"/>
+          </a:p>
+        </p:txBody>
+      </p:sp>
+      <p:sp>
+        <p:nvSpPr>
+          <p:cNvPr id="6" name="Date Placeholder 5">
+            <a:extLst>
+              <a:ext uri="{FF2B5EF4-FFF2-40B4-BE49-F238E27FC236}">
+                <a16:creationId xmlns:a16="http://schemas.microsoft.com/office/drawing/2014/main" id="{B2FEF286-C9B5-27B3-42A6-5E4A962EEF4B}"/>
+              </a:ext>
+            </a:extLst>
+          </p:cNvPr>
+          <p:cNvSpPr>
+            <a:spLocks noGrp="1" noEditPoints="1"/>
+          </p:cNvSpPr>
+          <p:nvPr>
+            <p:ph type="dt" sz="half" idx="10"/>
+          </p:nvPr>
+        </p:nvSpPr>
+        <p:spPr>
+          <a:xfrm>
+            <a:off x="468406" y="6467756"/>
+            <a:ext cx="2743200" cy="365125"/>
+          </a:xfrm>
+        </p:spPr>
+        <p:txBody>
+          <a:bodyPr/>
+          <a:lstStyle/>
+          <a:p>
+            <a:fld id="{DD017C32-C087-4242-B27E-5D11F894ADA2}" type="datetime1">
+              <a:rPr lang="en-IN" sz="2000" smtClean="0">
+                <a:solidFill>
+                  <a:schemeClr val="tx1"/>
+                </a:solidFill>
+                <a:latin typeface="Times New Roman" panose="02020603050405020304" pitchFamily="18" charset="0"/>
+                <a:cs typeface="Times New Roman" panose="02020603050405020304" pitchFamily="18" charset="0"/>
+              </a:rPr>
+              <a:t>28-10-2024</a:t>
+            </a:fld>
+            <a:endParaRPr lang="en-IN" sz="2000">
+              <a:solidFill>
+                <a:schemeClr val="tx1"/>
+              </a:solidFill>
+              <a:latin typeface="Times New Roman" panose="02020603050405020304" pitchFamily="18" charset="0"/>
+              <a:cs typeface="Times New Roman" panose="02020603050405020304" pitchFamily="18" charset="0"/>
+            </a:endParaRPr>
+          </a:p>
+        </p:txBody>
+      </p:sp>
+      <p:sp>
+        <p:nvSpPr>
+          <p:cNvPr id="7" name="Footer Placeholder 6">
+            <a:extLst>
+              <a:ext uri="{FF2B5EF4-FFF2-40B4-BE49-F238E27FC236}">
+                <a16:creationId xmlns:a16="http://schemas.microsoft.com/office/drawing/2014/main" id="{ACD9DE56-7504-F66E-451F-D41B7A14CC01}"/>
+              </a:ext>
+            </a:extLst>
+          </p:cNvPr>
+          <p:cNvSpPr>
+            <a:spLocks noGrp="1" noEditPoints="1"/>
+          </p:cNvSpPr>
+          <p:nvPr>
+            <p:ph type="ftr" sz="quarter" idx="11"/>
+          </p:nvPr>
+        </p:nvSpPr>
+        <p:spPr>
+          <a:xfrm>
+            <a:off x="9663953" y="6436660"/>
+            <a:ext cx="2232211" cy="365125"/>
+          </a:xfrm>
+        </p:spPr>
+        <p:txBody>
+          <a:bodyPr/>
+          <a:lstStyle/>
+          <a:p>
+            <a:pPr lvl="1" algn="ctr"/>
+            <a:r>
+              <a:rPr lang="en-IN" sz="2400" dirty="0">
+                <a:latin typeface="Times New Roman"/>
+                <a:cs typeface="Times New Roman"/>
+              </a:rPr>
+              <a:t>Team 59</a:t>
+            </a:r>
+            <a:endParaRPr lang="en-IN" sz="2400" dirty="0">
+              <a:latin typeface="Times New Roman" panose="02020603050405020304" pitchFamily="18" charset="0"/>
+              <a:cs typeface="Times New Roman" panose="02020603050405020304" pitchFamily="18" charset="0"/>
+            </a:endParaRPr>
+          </a:p>
+        </p:txBody>
+      </p:sp>
+      <p:pic>
+        <p:nvPicPr>
+          <p:cNvPr id="1026" name="Picture 2" descr="Amrita Vishwa Vidyapeetham, Coimbatore: Courses, Fees ...">
+            <a:extLst>
+              <a:ext uri="{FF2B5EF4-FFF2-40B4-BE49-F238E27FC236}">
+                <a16:creationId xmlns:a16="http://schemas.microsoft.com/office/drawing/2014/main" id="{9FAC43A0-122C-5E6F-A38E-615D6FD51675}"/>
+              </a:ext>
+            </a:extLst>
+          </p:cNvPr>
+          <p:cNvPicPr>
+            <a:picLocks noChangeAspect="1" noChangeArrowheads="1"/>
+          </p:cNvPicPr>
+          <p:nvPr/>
+        </p:nvPicPr>
+        <p:blipFill>
+          <a:blip r:embed="rId2" cstate="print"/>
+          <a:srcRect/>
+          <a:stretch>
+            <a:fillRect/>
+          </a:stretch>
+        </p:blipFill>
+        <p:spPr bwMode="auto">
+          <a:xfrm>
+            <a:off x="31938" y="25120"/>
+            <a:ext cx="938326" cy="917001"/>
+          </a:xfrm>
+          <a:prstGeom prst="rect">
+            <a:avLst/>
+          </a:prstGeom>
+          <a:noFill/>
+        </p:spPr>
+      </p:pic>
+      <p:sp>
+        <p:nvSpPr>
+          <p:cNvPr id="2" name="Rectangle: Rounded Corners 1">
+            <a:extLst>
+              <a:ext uri="{FF2B5EF4-FFF2-40B4-BE49-F238E27FC236}">
+                <a16:creationId xmlns:a16="http://schemas.microsoft.com/office/drawing/2014/main" id="{B07C3706-6BD7-836E-18B7-892C412E611B}"/>
+              </a:ext>
+            </a:extLst>
+          </p:cNvPr>
+          <p:cNvSpPr/>
+          <p:nvPr/>
+        </p:nvSpPr>
+        <p:spPr>
+          <a:xfrm>
+            <a:off x="555812" y="726142"/>
+            <a:ext cx="11214847" cy="5710518"/>
+          </a:xfrm>
+          <a:prstGeom prst="roundRect">
+            <a:avLst/>
+          </a:prstGeom>
+          <a:noFill/>
+          <a:ln w="38100">
+            <a:solidFill>
+              <a:schemeClr val="tx2">
+                <a:lumMod val="60000"/>
+                <a:lumOff val="40000"/>
+              </a:schemeClr>
+            </a:solidFill>
+          </a:ln>
+        </p:spPr>
+        <p:style>
+          <a:lnRef idx="2">
+            <a:schemeClr val="accent1"/>
+          </a:lnRef>
+          <a:fillRef idx="1">
+            <a:schemeClr val="lt1"/>
+          </a:fillRef>
+          <a:effectRef idx="0">
+            <a:schemeClr val="accent1"/>
+          </a:effectRef>
+          <a:fontRef idx="minor">
+            <a:schemeClr val="dk1"/>
+          </a:fontRef>
+        </p:style>
+        <p:txBody>
+          <a:bodyPr rtlCol="0" anchor="ctr"/>
+          <a:lstStyle/>
+          <a:p>
+            <a:pPr algn="ctr"/>
+            <a:endParaRPr lang="en-IN"/>
+          </a:p>
+        </p:txBody>
+      </p:sp>
+      <p:sp>
+        <p:nvSpPr>
+          <p:cNvPr id="3" name="Date Placeholder 5">
+            <a:extLst>
+              <a:ext uri="{FF2B5EF4-FFF2-40B4-BE49-F238E27FC236}">
+                <a16:creationId xmlns:a16="http://schemas.microsoft.com/office/drawing/2014/main" id="{C7EE4F86-49D2-83D0-EAAA-242304796691}"/>
+              </a:ext>
+            </a:extLst>
+          </p:cNvPr>
+          <p:cNvSpPr txBox="1">
+            <a:spLocks noEditPoints="1"/>
+          </p:cNvSpPr>
+          <p:nvPr/>
+        </p:nvSpPr>
+        <p:spPr>
+          <a:xfrm>
+            <a:off x="468406" y="6467756"/>
+            <a:ext cx="2743200" cy="365125"/>
+          </a:xfrm>
+          <a:prstGeom prst="rect">
+            <a:avLst/>
+          </a:prstGeom>
+        </p:spPr>
+        <p:txBody>
+          <a:bodyPr vert="horz" lIns="91440" tIns="45720" rIns="91440" bIns="45720" rtlCol="0" anchor="ctr"/>
+          <a:lstStyle>
+            <a:defPPr>
+              <a:defRPr lang="en-US"/>
+            </a:defPPr>
+            <a:lvl1pPr marL="0" algn="l" defTabSz="914400" rtl="0" eaLnBrk="1" latinLnBrk="0" hangingPunct="1">
+              <a:defRPr sz="1200" kern="1200">
+                <a:solidFill>
+                  <a:schemeClr val="tx1">
+                    <a:tint val="75000"/>
+                  </a:schemeClr>
+                </a:solidFill>
+                <a:latin typeface="+mn-lt"/>
+                <a:ea typeface="+mn-ea"/>
+                <a:cs typeface="+mn-cs"/>
+              </a:defRPr>
+            </a:lvl1pPr>
+            <a:lvl2pPr marL="457200" algn="l" defTabSz="914400" rtl="0" eaLnBrk="1" latinLnBrk="0" hangingPunct="1">
+              <a:defRPr sz="1800" kern="1200">
+                <a:solidFill>
+                  <a:schemeClr val="tx1"/>
+                </a:solidFill>
+                <a:latin typeface="+mn-lt"/>
+                <a:ea typeface="+mn-ea"/>
+                <a:cs typeface="+mn-cs"/>
+              </a:defRPr>
+            </a:lvl2pPr>
+            <a:lvl3pPr marL="914400" algn="l" defTabSz="914400" rtl="0" eaLnBrk="1" latinLnBrk="0" hangingPunct="1">
+              <a:defRPr sz="1800" kern="1200">
+                <a:solidFill>
+                  <a:schemeClr val="tx1"/>
+                </a:solidFill>
+                <a:latin typeface="+mn-lt"/>
+                <a:ea typeface="+mn-ea"/>
+                <a:cs typeface="+mn-cs"/>
+              </a:defRPr>
+            </a:lvl3pPr>
+            <a:lvl4pPr marL="1371600" algn="l" defTabSz="914400" rtl="0" eaLnBrk="1" latinLnBrk="0" hangingPunct="1">
+              <a:defRPr sz="1800" kern="1200">
+                <a:solidFill>
+                  <a:schemeClr val="tx1"/>
+                </a:solidFill>
+                <a:latin typeface="+mn-lt"/>
+                <a:ea typeface="+mn-ea"/>
+                <a:cs typeface="+mn-cs"/>
+              </a:defRPr>
+            </a:lvl4pPr>
+            <a:lvl5pPr marL="1828800" algn="l" defTabSz="914400" rtl="0" eaLnBrk="1" latinLnBrk="0" hangingPunct="1">
+              <a:defRPr sz="1800" kern="1200">
+                <a:solidFill>
+                  <a:schemeClr val="tx1"/>
+                </a:solidFill>
+                <a:latin typeface="+mn-lt"/>
+                <a:ea typeface="+mn-ea"/>
+                <a:cs typeface="+mn-cs"/>
+              </a:defRPr>
+            </a:lvl5pPr>
+            <a:lvl6pPr marL="2286000" algn="l" defTabSz="914400" rtl="0" eaLnBrk="1" latinLnBrk="0" hangingPunct="1">
+              <a:defRPr sz="1800" kern="1200">
+                <a:solidFill>
+                  <a:schemeClr val="tx1"/>
+                </a:solidFill>
+                <a:latin typeface="+mn-lt"/>
+                <a:ea typeface="+mn-ea"/>
+                <a:cs typeface="+mn-cs"/>
+              </a:defRPr>
+            </a:lvl6pPr>
+            <a:lvl7pPr marL="2743200" algn="l" defTabSz="914400" rtl="0" eaLnBrk="1" latinLnBrk="0" hangingPunct="1">
+              <a:defRPr sz="1800" kern="1200">
+                <a:solidFill>
+                  <a:schemeClr val="tx1"/>
+                </a:solidFill>
+                <a:latin typeface="+mn-lt"/>
+                <a:ea typeface="+mn-ea"/>
+                <a:cs typeface="+mn-cs"/>
+              </a:defRPr>
+            </a:lvl7pPr>
+            <a:lvl8pPr marL="3200400" algn="l" defTabSz="914400" rtl="0" eaLnBrk="1" latinLnBrk="0" hangingPunct="1">
+              <a:defRPr sz="1800" kern="1200">
+                <a:solidFill>
+                  <a:schemeClr val="tx1"/>
+                </a:solidFill>
+                <a:latin typeface="+mn-lt"/>
+                <a:ea typeface="+mn-ea"/>
+                <a:cs typeface="+mn-cs"/>
+              </a:defRPr>
+            </a:lvl8pPr>
+            <a:lvl9pPr marL="3657600" algn="l" defTabSz="914400" rtl="0" eaLnBrk="1" latinLnBrk="0" hangingPunct="1">
+              <a:defRPr sz="1800" kern="1200">
+                <a:solidFill>
+                  <a:schemeClr val="tx1"/>
+                </a:solidFill>
+                <a:latin typeface="+mn-lt"/>
+                <a:ea typeface="+mn-ea"/>
+                <a:cs typeface="+mn-cs"/>
+              </a:defRPr>
+            </a:lvl9pPr>
+          </a:lstStyle>
+          <a:p>
+            <a:endParaRPr lang="en-IN" sz="2000">
+              <a:solidFill>
+                <a:schemeClr val="tx1"/>
+              </a:solidFill>
+              <a:latin typeface="Times New Roman" panose="02020603050405020304" pitchFamily="18" charset="0"/>
+              <a:cs typeface="Times New Roman" panose="02020603050405020304" pitchFamily="18" charset="0"/>
+            </a:endParaRPr>
+          </a:p>
+        </p:txBody>
+      </p:sp>
+      <p:sp>
+        <p:nvSpPr>
+          <p:cNvPr id="5" name="Footer Placeholder 6">
+            <a:extLst>
+              <a:ext uri="{FF2B5EF4-FFF2-40B4-BE49-F238E27FC236}">
+                <a16:creationId xmlns:a16="http://schemas.microsoft.com/office/drawing/2014/main" id="{9D51FA98-D92E-F72C-556F-1E8DF474D2BD}"/>
+              </a:ext>
+            </a:extLst>
+          </p:cNvPr>
+          <p:cNvSpPr txBox="1">
+            <a:spLocks noEditPoints="1"/>
+          </p:cNvSpPr>
+          <p:nvPr/>
+        </p:nvSpPr>
+        <p:spPr>
+          <a:xfrm>
+            <a:off x="9663953" y="6436660"/>
+            <a:ext cx="2232211" cy="365125"/>
+          </a:xfrm>
+          <a:prstGeom prst="rect">
+            <a:avLst/>
+          </a:prstGeom>
+        </p:spPr>
+        <p:txBody>
+          <a:bodyPr vert="horz" lIns="91440" tIns="45720" rIns="91440" bIns="45720" rtlCol="0" anchor="ctr"/>
+          <a:lstStyle>
+            <a:defPPr>
+              <a:defRPr lang="en-US"/>
+            </a:defPPr>
+            <a:lvl1pPr marL="0" algn="ctr" defTabSz="914400" rtl="0" eaLnBrk="1" latinLnBrk="0" hangingPunct="1">
+              <a:defRPr sz="1200" kern="1200">
+                <a:solidFill>
+                  <a:schemeClr val="tx1">
+                    <a:tint val="75000"/>
+                  </a:schemeClr>
+                </a:solidFill>
+                <a:latin typeface="+mn-lt"/>
+                <a:ea typeface="+mn-ea"/>
+                <a:cs typeface="+mn-cs"/>
+              </a:defRPr>
+            </a:lvl1pPr>
+            <a:lvl2pPr marL="457200" algn="l" defTabSz="914400" rtl="0" eaLnBrk="1" latinLnBrk="0" hangingPunct="1">
+              <a:defRPr sz="1800" kern="1200">
+                <a:solidFill>
+                  <a:schemeClr val="tx1"/>
+                </a:solidFill>
+                <a:latin typeface="+mn-lt"/>
+                <a:ea typeface="+mn-ea"/>
+                <a:cs typeface="+mn-cs"/>
+              </a:defRPr>
+            </a:lvl2pPr>
+            <a:lvl3pPr marL="914400" algn="l" defTabSz="914400" rtl="0" eaLnBrk="1" latinLnBrk="0" hangingPunct="1">
+              <a:defRPr sz="1800" kern="1200">
+                <a:solidFill>
+                  <a:schemeClr val="tx1"/>
+                </a:solidFill>
+                <a:latin typeface="+mn-lt"/>
+                <a:ea typeface="+mn-ea"/>
+                <a:cs typeface="+mn-cs"/>
+              </a:defRPr>
+            </a:lvl3pPr>
+            <a:lvl4pPr marL="1371600" algn="l" defTabSz="914400" rtl="0" eaLnBrk="1" latinLnBrk="0" hangingPunct="1">
+              <a:defRPr sz="1800" kern="1200">
+                <a:solidFill>
+                  <a:schemeClr val="tx1"/>
+                </a:solidFill>
+                <a:latin typeface="+mn-lt"/>
+                <a:ea typeface="+mn-ea"/>
+                <a:cs typeface="+mn-cs"/>
+              </a:defRPr>
+            </a:lvl4pPr>
+            <a:lvl5pPr marL="1828800" algn="l" defTabSz="914400" rtl="0" eaLnBrk="1" latinLnBrk="0" hangingPunct="1">
+              <a:defRPr sz="1800" kern="1200">
+                <a:solidFill>
+                  <a:schemeClr val="tx1"/>
+                </a:solidFill>
+                <a:latin typeface="+mn-lt"/>
+                <a:ea typeface="+mn-ea"/>
+                <a:cs typeface="+mn-cs"/>
+              </a:defRPr>
+            </a:lvl5pPr>
+            <a:lvl6pPr marL="2286000" algn="l" defTabSz="914400" rtl="0" eaLnBrk="1" latinLnBrk="0" hangingPunct="1">
+              <a:defRPr sz="1800" kern="1200">
+                <a:solidFill>
+                  <a:schemeClr val="tx1"/>
+                </a:solidFill>
+                <a:latin typeface="+mn-lt"/>
+                <a:ea typeface="+mn-ea"/>
+                <a:cs typeface="+mn-cs"/>
+              </a:defRPr>
+            </a:lvl6pPr>
+            <a:lvl7pPr marL="2743200" algn="l" defTabSz="914400" rtl="0" eaLnBrk="1" latinLnBrk="0" hangingPunct="1">
+              <a:defRPr sz="1800" kern="1200">
+                <a:solidFill>
+                  <a:schemeClr val="tx1"/>
+                </a:solidFill>
+                <a:latin typeface="+mn-lt"/>
+                <a:ea typeface="+mn-ea"/>
+                <a:cs typeface="+mn-cs"/>
+              </a:defRPr>
+            </a:lvl7pPr>
+            <a:lvl8pPr marL="3200400" algn="l" defTabSz="914400" rtl="0" eaLnBrk="1" latinLnBrk="0" hangingPunct="1">
+              <a:defRPr sz="1800" kern="1200">
+                <a:solidFill>
+                  <a:schemeClr val="tx1"/>
+                </a:solidFill>
+                <a:latin typeface="+mn-lt"/>
+                <a:ea typeface="+mn-ea"/>
+                <a:cs typeface="+mn-cs"/>
+              </a:defRPr>
+            </a:lvl8pPr>
+            <a:lvl9pPr marL="3657600" algn="l" defTabSz="914400" rtl="0" eaLnBrk="1" latinLnBrk="0" hangingPunct="1">
+              <a:defRPr sz="1800" kern="1200">
+                <a:solidFill>
+                  <a:schemeClr val="tx1"/>
+                </a:solidFill>
+                <a:latin typeface="+mn-lt"/>
+                <a:ea typeface="+mn-ea"/>
+                <a:cs typeface="+mn-cs"/>
+              </a:defRPr>
+            </a:lvl9pPr>
+          </a:lstStyle>
+          <a:p>
+            <a:pPr lvl="1" algn="ctr"/>
+            <a:endParaRPr lang="en-IN" sz="2400">
+              <a:latin typeface="Times New Roman" panose="02020603050405020304" pitchFamily="18" charset="0"/>
+              <a:cs typeface="Times New Roman" panose="02020603050405020304" pitchFamily="18" charset="0"/>
+            </a:endParaRPr>
+          </a:p>
+        </p:txBody>
+      </p:sp>
+      <p:sp>
+        <p:nvSpPr>
+          <p:cNvPr id="12" name="Title 1">
+            <a:extLst>
+              <a:ext uri="{FF2B5EF4-FFF2-40B4-BE49-F238E27FC236}">
+                <a16:creationId xmlns:a16="http://schemas.microsoft.com/office/drawing/2014/main" id="{B51EE493-BFB4-156E-61F9-EF3A0547F710}"/>
+              </a:ext>
+            </a:extLst>
+          </p:cNvPr>
+          <p:cNvSpPr txBox="1">
+            <a:spLocks noChangeArrowheads="1"/>
+          </p:cNvSpPr>
+          <p:nvPr/>
+        </p:nvSpPr>
+        <p:spPr>
+          <a:xfrm>
+            <a:off x="1337234" y="942121"/>
+            <a:ext cx="9652000" cy="548062"/>
+          </a:xfrm>
+          <a:prstGeom prst="rect">
+            <a:avLst/>
+          </a:prstGeom>
+        </p:spPr>
+        <p:txBody>
+          <a:bodyPr vert="horz" lIns="91440" tIns="45720" rIns="91440" bIns="45720" rtlCol="0" anchor="b">
+            <a:normAutofit lnSpcReduction="10000"/>
+          </a:bodyPr>
+          <a:lstStyle>
+            <a:lvl1pPr algn="ctr" defTabSz="914400" rtl="0" eaLnBrk="1" latinLnBrk="0" hangingPunct="1">
+              <a:lnSpc>
+                <a:spcPct val="90000"/>
+              </a:lnSpc>
+              <a:spcBef>
+                <a:spcPct val="0"/>
+              </a:spcBef>
+              <a:buNone/>
+              <a:defRPr sz="6000" kern="1200">
+                <a:solidFill>
+                  <a:schemeClr val="tx1"/>
+                </a:solidFill>
+                <a:latin typeface="+mj-lt"/>
+                <a:ea typeface="+mj-ea"/>
+                <a:cs typeface="+mj-cs"/>
+              </a:defRPr>
+            </a:lvl1pPr>
+          </a:lstStyle>
+          <a:p>
+            <a:r>
+              <a:rPr lang="en-US" altLang="en-US" sz="3600" dirty="0">
+                <a:latin typeface="Times New Roman" panose="02020603050405020304" pitchFamily="18" charset="0"/>
+                <a:cs typeface="Times New Roman" panose="02020603050405020304" pitchFamily="18" charset="0"/>
+              </a:rPr>
+              <a:t>Literature Survey – (Paper 13)</a:t>
+            </a:r>
+            <a:endParaRPr lang="en-IN" altLang="en-US" sz="3600" dirty="0">
+              <a:latin typeface="Times New Roman" panose="02020603050405020304" pitchFamily="18" charset="0"/>
+              <a:cs typeface="Times New Roman" panose="02020603050405020304" pitchFamily="18" charset="0"/>
+            </a:endParaRPr>
+          </a:p>
+        </p:txBody>
+      </p:sp>
+      <p:graphicFrame>
+        <p:nvGraphicFramePr>
+          <p:cNvPr id="14" name="Table 6">
+            <a:extLst>
+              <a:ext uri="{FF2B5EF4-FFF2-40B4-BE49-F238E27FC236}">
+                <a16:creationId xmlns:a16="http://schemas.microsoft.com/office/drawing/2014/main" id="{FABDEAF7-6249-FE75-3F31-53F6C521350B}"/>
+              </a:ext>
+            </a:extLst>
+          </p:cNvPr>
+          <p:cNvGraphicFramePr>
+            <a:graphicFrameLocks/>
+          </p:cNvGraphicFramePr>
+          <p:nvPr>
+            <p:extLst>
+              <p:ext uri="{D42A27DB-BD31-4B8C-83A1-F6EECF244321}">
+                <p14:modId xmlns:p14="http://schemas.microsoft.com/office/powerpoint/2010/main" val="3877986113"/>
+              </p:ext>
+            </p:extLst>
+          </p:nvPr>
+        </p:nvGraphicFramePr>
+        <p:xfrm>
+          <a:off x="889000" y="1597900"/>
+          <a:ext cx="10414000" cy="4442274"/>
+        </p:xfrm>
+        <a:graphic>
+          <a:graphicData uri="http://schemas.openxmlformats.org/drawingml/2006/table">
+            <a:tbl>
+              <a:tblPr firstRow="1" bandRow="1">
+                <a:tableStyleId>{5940675A-B579-460E-94D1-54222C63F5DA}</a:tableStyleId>
+              </a:tblPr>
+              <a:tblGrid>
+                <a:gridCol w="717105">
+                  <a:extLst>
+                    <a:ext uri="{9D8B030D-6E8A-4147-A177-3AD203B41FA5}">
+                      <a16:colId xmlns:a16="http://schemas.microsoft.com/office/drawing/2014/main" val="20000"/>
+                    </a:ext>
+                  </a:extLst>
+                </a:gridCol>
+                <a:gridCol w="1233421">
+                  <a:extLst>
+                    <a:ext uri="{9D8B030D-6E8A-4147-A177-3AD203B41FA5}">
+                      <a16:colId xmlns:a16="http://schemas.microsoft.com/office/drawing/2014/main" val="20001"/>
+                    </a:ext>
+                  </a:extLst>
+                </a:gridCol>
+                <a:gridCol w="2538557">
+                  <a:extLst>
+                    <a:ext uri="{9D8B030D-6E8A-4147-A177-3AD203B41FA5}">
+                      <a16:colId xmlns:a16="http://schemas.microsoft.com/office/drawing/2014/main" val="20002"/>
+                    </a:ext>
+                  </a:extLst>
+                </a:gridCol>
+                <a:gridCol w="1722672">
+                  <a:extLst>
+                    <a:ext uri="{9D8B030D-6E8A-4147-A177-3AD203B41FA5}">
+                      <a16:colId xmlns:a16="http://schemas.microsoft.com/office/drawing/2014/main" val="20003"/>
+                    </a:ext>
+                  </a:extLst>
+                </a:gridCol>
+                <a:gridCol w="2251715">
+                  <a:extLst>
+                    <a:ext uri="{9D8B030D-6E8A-4147-A177-3AD203B41FA5}">
+                      <a16:colId xmlns:a16="http://schemas.microsoft.com/office/drawing/2014/main" val="20004"/>
+                    </a:ext>
+                  </a:extLst>
+                </a:gridCol>
+                <a:gridCol w="1950530">
+                  <a:extLst>
+                    <a:ext uri="{9D8B030D-6E8A-4147-A177-3AD203B41FA5}">
+                      <a16:colId xmlns:a16="http://schemas.microsoft.com/office/drawing/2014/main" val="20005"/>
+                    </a:ext>
+                  </a:extLst>
+                </a:gridCol>
+              </a:tblGrid>
+              <a:tr h="443909">
+                <a:tc>
+                  <a:txBody>
+                    <a:bodyPr/>
+                    <a:lstStyle/>
+                    <a:p>
+                      <a:pPr algn="just"/>
+                      <a:r>
+                        <a:rPr lang="en-US" sz="1200" b="1">
+                          <a:latin typeface="Times New Roman" panose="02020603050405020304" pitchFamily="18" charset="0"/>
+                          <a:cs typeface="Times New Roman" panose="02020603050405020304" pitchFamily="18" charset="0"/>
+                        </a:rPr>
+                        <a:t>Ref # &amp;Year</a:t>
+                      </a:r>
+                      <a:endParaRPr lang="en-IN" sz="1200" b="1">
+                        <a:latin typeface="Times New Roman" panose="02020603050405020304" pitchFamily="18" charset="0"/>
+                        <a:cs typeface="Times New Roman" panose="02020603050405020304" pitchFamily="18" charset="0"/>
+                      </a:endParaRPr>
+                    </a:p>
+                  </a:txBody>
+                  <a:tcPr marL="91437" marR="91437" marT="45728" marB="45728"/>
+                </a:tc>
+                <a:tc>
+                  <a:txBody>
+                    <a:bodyPr/>
+                    <a:lstStyle/>
+                    <a:p>
+                      <a:pPr algn="just"/>
+                      <a:r>
+                        <a:rPr lang="en-US" sz="1200" b="1" dirty="0">
+                          <a:latin typeface="Times New Roman" panose="02020603050405020304" pitchFamily="18" charset="0"/>
+                          <a:cs typeface="Times New Roman" panose="02020603050405020304" pitchFamily="18" charset="0"/>
+                        </a:rPr>
+                        <a:t>Title</a:t>
+                      </a:r>
+                      <a:endParaRPr lang="en-IN" sz="1200" b="1" dirty="0">
+                        <a:latin typeface="Times New Roman" panose="02020603050405020304" pitchFamily="18" charset="0"/>
+                        <a:cs typeface="Times New Roman" panose="02020603050405020304" pitchFamily="18" charset="0"/>
+                      </a:endParaRPr>
+                    </a:p>
+                  </a:txBody>
+                  <a:tcPr marL="91437" marR="91437" marT="45728" marB="45728"/>
+                </a:tc>
+                <a:tc>
+                  <a:txBody>
+                    <a:bodyPr/>
+                    <a:lstStyle/>
+                    <a:p>
+                      <a:pPr algn="just"/>
+                      <a:r>
+                        <a:rPr lang="en-US" sz="1200" b="1" dirty="0">
+                          <a:latin typeface="Times New Roman" panose="02020603050405020304" pitchFamily="18" charset="0"/>
+                          <a:cs typeface="Times New Roman" panose="02020603050405020304" pitchFamily="18" charset="0"/>
+                        </a:rPr>
+                        <a:t>Problem Statement</a:t>
+                      </a:r>
+                      <a:endParaRPr lang="en-IN" sz="1200" b="1" dirty="0">
+                        <a:latin typeface="Times New Roman" panose="02020603050405020304" pitchFamily="18" charset="0"/>
+                        <a:cs typeface="Times New Roman" panose="02020603050405020304" pitchFamily="18" charset="0"/>
+                      </a:endParaRPr>
+                    </a:p>
+                  </a:txBody>
+                  <a:tcPr marL="91437" marR="91437" marT="45728" marB="45728"/>
+                </a:tc>
+                <a:tc>
+                  <a:txBody>
+                    <a:bodyPr/>
+                    <a:lstStyle/>
+                    <a:p>
+                      <a:pPr algn="just"/>
+                      <a:r>
+                        <a:rPr lang="en-US" sz="1200" b="1" dirty="0">
+                          <a:latin typeface="Times New Roman" panose="02020603050405020304" pitchFamily="18" charset="0"/>
+                          <a:cs typeface="Times New Roman" panose="02020603050405020304" pitchFamily="18" charset="0"/>
+                        </a:rPr>
+                        <a:t>Dataset</a:t>
+                      </a:r>
+                      <a:endParaRPr lang="en-IN" sz="1200" b="1" dirty="0">
+                        <a:latin typeface="Times New Roman" panose="02020603050405020304" pitchFamily="18" charset="0"/>
+                        <a:cs typeface="Times New Roman" panose="02020603050405020304" pitchFamily="18" charset="0"/>
+                      </a:endParaRPr>
+                    </a:p>
+                  </a:txBody>
+                  <a:tcPr marL="91437" marR="91437" marT="45728" marB="45728"/>
+                </a:tc>
+                <a:tc>
+                  <a:txBody>
+                    <a:bodyPr/>
+                    <a:lstStyle/>
+                    <a:p>
+                      <a:pPr algn="just"/>
+                      <a:r>
+                        <a:rPr lang="en-US" sz="1200" b="1" dirty="0">
+                          <a:latin typeface="Times New Roman" panose="02020603050405020304" pitchFamily="18" charset="0"/>
+                          <a:cs typeface="Times New Roman" panose="02020603050405020304" pitchFamily="18" charset="0"/>
+                        </a:rPr>
+                        <a:t>Methodology</a:t>
+                      </a:r>
+                      <a:endParaRPr lang="en-IN" sz="1200" b="1" dirty="0">
+                        <a:latin typeface="Times New Roman" panose="02020603050405020304" pitchFamily="18" charset="0"/>
+                        <a:cs typeface="Times New Roman" panose="02020603050405020304" pitchFamily="18" charset="0"/>
+                      </a:endParaRPr>
+                    </a:p>
+                  </a:txBody>
+                  <a:tcPr marL="91437" marR="91437" marT="45735" marB="45735"/>
+                </a:tc>
+                <a:tc>
+                  <a:txBody>
+                    <a:bodyPr/>
+                    <a:lstStyle/>
+                    <a:p>
+                      <a:pPr algn="just"/>
+                      <a:r>
+                        <a:rPr lang="en-US" sz="1200" b="1">
+                          <a:latin typeface="Times New Roman" panose="02020603050405020304" pitchFamily="18" charset="0"/>
+                          <a:cs typeface="Times New Roman" panose="02020603050405020304" pitchFamily="18" charset="0"/>
+                        </a:rPr>
+                        <a:t>Performance Metrics</a:t>
+                      </a:r>
+                      <a:endParaRPr lang="en-IN" sz="1200" b="1">
+                        <a:latin typeface="Times New Roman" panose="02020603050405020304" pitchFamily="18" charset="0"/>
+                        <a:cs typeface="Times New Roman" panose="02020603050405020304" pitchFamily="18" charset="0"/>
+                      </a:endParaRPr>
+                    </a:p>
+                  </a:txBody>
+                  <a:tcPr marL="91437" marR="91437" marT="45735" marB="45735"/>
+                </a:tc>
+                <a:extLst>
+                  <a:ext uri="{0D108BD9-81ED-4DB2-BD59-A6C34878D82A}">
+                    <a16:rowId xmlns:a16="http://schemas.microsoft.com/office/drawing/2014/main" val="10000"/>
+                  </a:ext>
+                </a:extLst>
+              </a:tr>
+              <a:tr h="3985058">
+                <a:tc>
+                  <a:txBody>
+                    <a:bodyPr/>
+                    <a:lstStyle/>
+                    <a:p>
+                      <a:pPr algn="just"/>
+                      <a:r>
+                        <a:rPr lang="en-IN" sz="1200" dirty="0">
+                          <a:latin typeface="Times New Roman" panose="02020603050405020304" pitchFamily="18" charset="0"/>
+                          <a:cs typeface="Times New Roman" panose="02020603050405020304" pitchFamily="18" charset="0"/>
+                        </a:rPr>
+                        <a:t>02 March 2015</a:t>
+                      </a:r>
+                    </a:p>
+                  </a:txBody>
+                  <a:tcPr marL="91437" marR="91437" marT="45728" marB="45728"/>
+                </a:tc>
+                <a:tc>
+                  <a:txBody>
+                    <a:bodyPr/>
+                    <a:lstStyle/>
+                    <a:p>
+                      <a:pPr lvl="0" algn="just">
+                        <a:buNone/>
+                      </a:pPr>
+                      <a:r>
+                        <a:rPr lang="en-IN" sz="1200" kern="1200" dirty="0">
+                          <a:solidFill>
+                            <a:schemeClr val="tx1"/>
+                          </a:solidFill>
+                          <a:effectLst/>
+                          <a:latin typeface="Times New Roman" panose="02020603050405020304" pitchFamily="18" charset="0"/>
+                          <a:ea typeface="+mn-ea"/>
+                          <a:cs typeface="Times New Roman" panose="02020603050405020304" pitchFamily="18" charset="0"/>
+                        </a:rPr>
+                        <a:t>Semantic Search Using a Similarity Graph</a:t>
+                      </a:r>
+                      <a:endParaRPr lang="en-US" sz="1200" b="1" dirty="0">
+                        <a:latin typeface="Times New Roman" panose="02020603050405020304" pitchFamily="18" charset="0"/>
+                        <a:cs typeface="Times New Roman" panose="02020603050405020304" pitchFamily="18" charset="0"/>
+                      </a:endParaRPr>
+                    </a:p>
+                  </a:txBody>
+                  <a:tcPr marL="91437" marR="91437" marT="45728" marB="45728"/>
+                </a:tc>
+                <a:tc>
+                  <a:txBody>
+                    <a:bodyPr/>
+                    <a:lstStyle/>
+                    <a:p>
+                      <a:pPr marL="0" marR="0" lvl="0" indent="0" algn="just" defTabSz="914400" rtl="0" eaLnBrk="1" fontAlgn="auto" latinLnBrk="0" hangingPunct="1">
+                        <a:lnSpc>
+                          <a:spcPct val="100000"/>
+                        </a:lnSpc>
+                        <a:spcBef>
+                          <a:spcPts val="0"/>
+                        </a:spcBef>
+                        <a:spcAft>
+                          <a:spcPts val="0"/>
+                        </a:spcAft>
+                        <a:buClrTx/>
+                        <a:buSzTx/>
+                        <a:buFont typeface="Arial" panose="020B0604020202020204" pitchFamily="34" charset="0"/>
+                        <a:buNone/>
+                        <a:tabLst/>
+                        <a:defRPr/>
+                      </a:pPr>
+                      <a:r>
+                        <a:rPr lang="en-IN" sz="1200" kern="1200" dirty="0">
+                          <a:solidFill>
+                            <a:schemeClr val="tx1"/>
+                          </a:solidFill>
+                          <a:effectLst/>
+                          <a:latin typeface="Times New Roman" panose="02020603050405020304" pitchFamily="18" charset="0"/>
+                          <a:ea typeface="+mn-ea"/>
+                          <a:cs typeface="Times New Roman" panose="02020603050405020304" pitchFamily="18" charset="0"/>
+                        </a:rPr>
+                        <a:t>Develop an advanced semantic search engine capable of retrieving and ranking documents based on semantic similarity to a given query. Unlike traditional keyword-based retrieval systems, this engine should leverage a similarity graph to account for the meaning of words and phrases within documents and queries. The system should handle queries where relevant documents may not share exact keywords with the input query but are semantically aligned, such as retrieving a document on "Ford" and "Chrysler" for a query about "cars."</a:t>
+                      </a:r>
+                    </a:p>
+                    <a:p>
+                      <a:pPr marL="0" indent="0" algn="just">
+                        <a:buFont typeface="Arial" panose="020B0604020202020204" pitchFamily="34" charset="0"/>
+                        <a:buNone/>
+                      </a:pPr>
+                      <a:endParaRPr lang="en-US" sz="1200" dirty="0">
+                        <a:latin typeface="Times New Roman" panose="02020603050405020304" pitchFamily="18" charset="0"/>
+                        <a:cs typeface="Times New Roman" panose="02020603050405020304" pitchFamily="18" charset="0"/>
+                      </a:endParaRPr>
+                    </a:p>
+                  </a:txBody>
+                  <a:tcPr marL="91437" marR="91437" marT="45728" marB="45728"/>
+                </a:tc>
+                <a:tc>
+                  <a:txBody>
+                    <a:bodyPr/>
+                    <a:lstStyle/>
+                    <a:p>
+                      <a:pPr marL="171450" indent="-171450" algn="just">
+                        <a:buFont typeface="Arial" panose="020B0604020202020204" pitchFamily="34" charset="0"/>
+                        <a:buChar char="•"/>
+                      </a:pPr>
+                      <a:r>
+                        <a:rPr lang="en-GB" sz="1200" b="0" i="0" kern="1200" dirty="0">
+                          <a:solidFill>
+                            <a:schemeClr val="tx1"/>
+                          </a:solidFill>
+                          <a:effectLst/>
+                          <a:latin typeface="Times New Roman" panose="02020603050405020304" pitchFamily="18" charset="0"/>
+                          <a:ea typeface="+mn-ea"/>
+                          <a:cs typeface="Times New Roman" panose="02020603050405020304" pitchFamily="18" charset="0"/>
+                        </a:rPr>
+                        <a:t>Cranfield Benchmark</a:t>
+                      </a:r>
+                    </a:p>
+                    <a:p>
+                      <a:pPr marL="171450" indent="-171450" algn="just">
+                        <a:buFont typeface="Arial" panose="020B0604020202020204" pitchFamily="34" charset="0"/>
+                        <a:buChar char="•"/>
+                      </a:pPr>
+                      <a:r>
+                        <a:rPr lang="en-GB" sz="1200" b="0" i="0" kern="1200" dirty="0">
+                          <a:solidFill>
+                            <a:schemeClr val="tx1"/>
+                          </a:solidFill>
+                          <a:effectLst/>
+                          <a:latin typeface="Times New Roman" panose="02020603050405020304" pitchFamily="18" charset="0"/>
+                          <a:ea typeface="+mn-ea"/>
+                          <a:cs typeface="Times New Roman" panose="02020603050405020304" pitchFamily="18" charset="0"/>
+                        </a:rPr>
+                        <a:t>Natural Language Queries</a:t>
+                      </a:r>
+                    </a:p>
+                    <a:p>
+                      <a:pPr marL="171450" indent="-171450" algn="just">
+                        <a:buFont typeface="Arial" panose="020B0604020202020204" pitchFamily="34" charset="0"/>
+                        <a:buChar char="•"/>
+                      </a:pPr>
+                      <a:r>
+                        <a:rPr lang="en-GB" sz="1200" b="0" i="0" kern="1200" dirty="0">
+                          <a:solidFill>
+                            <a:schemeClr val="tx1"/>
+                          </a:solidFill>
+                          <a:effectLst/>
+                          <a:latin typeface="Times New Roman" panose="02020603050405020304" pitchFamily="18" charset="0"/>
+                          <a:ea typeface="+mn-ea"/>
+                          <a:cs typeface="Times New Roman" panose="02020603050405020304" pitchFamily="18" charset="0"/>
+                        </a:rPr>
+                        <a:t>Relevance Judgements</a:t>
+                      </a:r>
+                    </a:p>
+                  </a:txBody>
+                  <a:tcPr marL="91437" marR="91437" marT="45728" marB="45728"/>
+                </a:tc>
+                <a:tc>
+                  <a:txBody>
+                    <a:bodyPr/>
+                    <a:lstStyle/>
+                    <a:p>
+                      <a:pPr marL="171450" lvl="0" indent="-171450" algn="just">
+                        <a:lnSpc>
+                          <a:spcPct val="100000"/>
+                        </a:lnSpc>
+                        <a:spcBef>
+                          <a:spcPts val="0"/>
+                        </a:spcBef>
+                        <a:spcAft>
+                          <a:spcPts val="0"/>
+                        </a:spcAft>
+                        <a:buFont typeface="Arial" panose="020B0604020202020204" pitchFamily="34" charset="0"/>
+                        <a:buChar char="•"/>
+                      </a:pPr>
+                      <a:r>
+                        <a:rPr lang="en-GB" sz="1200" u="none" strike="noStrike" noProof="0" dirty="0">
+                          <a:solidFill>
+                            <a:srgbClr val="000000"/>
+                          </a:solidFill>
+                          <a:latin typeface="Times New Roman" panose="02020603050405020304" pitchFamily="18" charset="0"/>
+                          <a:cs typeface="Times New Roman" panose="02020603050405020304" pitchFamily="18" charset="0"/>
+                        </a:rPr>
+                        <a:t>Similarity Graph</a:t>
+                      </a:r>
+                    </a:p>
+                    <a:p>
+                      <a:pPr marL="171450" lvl="0" indent="-171450" algn="just">
+                        <a:lnSpc>
+                          <a:spcPct val="100000"/>
+                        </a:lnSpc>
+                        <a:spcBef>
+                          <a:spcPts val="0"/>
+                        </a:spcBef>
+                        <a:spcAft>
+                          <a:spcPts val="0"/>
+                        </a:spcAft>
+                        <a:buFont typeface="Arial" panose="020B0604020202020204" pitchFamily="34" charset="0"/>
+                        <a:buChar char="•"/>
+                      </a:pPr>
+                      <a:r>
+                        <a:rPr lang="en-GB" sz="1200" u="none" strike="noStrike" noProof="0" dirty="0">
+                          <a:solidFill>
+                            <a:srgbClr val="000000"/>
+                          </a:solidFill>
+                          <a:latin typeface="Times New Roman" panose="02020603050405020304" pitchFamily="18" charset="0"/>
+                          <a:cs typeface="Times New Roman" panose="02020603050405020304" pitchFamily="18" charset="0"/>
+                        </a:rPr>
+                        <a:t>Probabilistic Model: The paper utilizes a probabilistic model to rank documents based on their relevance to the input query.</a:t>
+                      </a:r>
+                    </a:p>
+                    <a:p>
+                      <a:pPr marL="171450" lvl="0" indent="-171450" algn="just">
+                        <a:lnSpc>
+                          <a:spcPct val="100000"/>
+                        </a:lnSpc>
+                        <a:spcBef>
+                          <a:spcPts val="0"/>
+                        </a:spcBef>
+                        <a:spcAft>
+                          <a:spcPts val="0"/>
+                        </a:spcAft>
+                        <a:buFont typeface="Arial" panose="020B0604020202020204" pitchFamily="34" charset="0"/>
+                        <a:buChar char="•"/>
+                      </a:pPr>
+                      <a:r>
+                        <a:rPr lang="en-GB" sz="1200" u="none" strike="noStrike" noProof="0" dirty="0">
+                          <a:solidFill>
+                            <a:srgbClr val="000000"/>
+                          </a:solidFill>
+                          <a:latin typeface="Times New Roman" panose="02020603050405020304" pitchFamily="18" charset="0"/>
+                          <a:cs typeface="Times New Roman" panose="02020603050405020304" pitchFamily="18" charset="0"/>
+                        </a:rPr>
+                        <a:t>TF-IDF Enhancement: The authors enhance the traditional Term Frequency-Inverse Document Frequency (TF-IDF) algorithm by integrating the similarity graph. </a:t>
+                      </a:r>
+                    </a:p>
+                    <a:p>
+                      <a:pPr marL="171450" lvl="0" indent="-171450" algn="just">
+                        <a:lnSpc>
+                          <a:spcPct val="100000"/>
+                        </a:lnSpc>
+                        <a:spcBef>
+                          <a:spcPts val="0"/>
+                        </a:spcBef>
+                        <a:spcAft>
+                          <a:spcPts val="0"/>
+                        </a:spcAft>
+                        <a:buFont typeface="Arial" panose="020B0604020202020204" pitchFamily="34" charset="0"/>
+                        <a:buChar char="•"/>
+                      </a:pPr>
+                      <a:r>
+                        <a:rPr lang="en-GB" sz="1200" u="none" strike="noStrike" noProof="0" dirty="0">
+                          <a:solidFill>
+                            <a:srgbClr val="000000"/>
+                          </a:solidFill>
+                          <a:latin typeface="Times New Roman" panose="02020603050405020304" pitchFamily="18" charset="0"/>
+                          <a:cs typeface="Times New Roman" panose="02020603050405020304" pitchFamily="18" charset="0"/>
+                        </a:rPr>
+                        <a:t>Experimental Validation: The proposed algorithm is validated through experiments on the Cranfield benchmark, which includes 1400 documents and 225 natural language queries. </a:t>
+                      </a:r>
+                    </a:p>
+                    <a:p>
+                      <a:pPr marL="171450" lvl="0" indent="-171450" algn="just">
+                        <a:lnSpc>
+                          <a:spcPct val="100000"/>
+                        </a:lnSpc>
+                        <a:spcBef>
+                          <a:spcPts val="0"/>
+                        </a:spcBef>
+                        <a:spcAft>
+                          <a:spcPts val="0"/>
+                        </a:spcAft>
+                        <a:buFont typeface="Arial" panose="020B0604020202020204" pitchFamily="34" charset="0"/>
+                        <a:buChar char="•"/>
+                      </a:pPr>
+                      <a:r>
+                        <a:rPr lang="en-GB" sz="1200" u="none" strike="noStrike" noProof="0" dirty="0">
+                          <a:solidFill>
+                            <a:srgbClr val="000000"/>
+                          </a:solidFill>
+                          <a:latin typeface="Times New Roman" panose="02020603050405020304" pitchFamily="18" charset="0"/>
+                          <a:cs typeface="Times New Roman" panose="02020603050405020304" pitchFamily="18" charset="0"/>
+                        </a:rPr>
+                        <a:t>Natural Language Processing</a:t>
+                      </a:r>
+                    </a:p>
+                  </a:txBody>
+                  <a:tcPr marL="91437" marR="91437" marT="45735" marB="45735"/>
+                </a:tc>
+                <a:tc>
+                  <a:txBody>
+                    <a:bodyPr/>
+                    <a:lstStyle/>
+                    <a:p>
+                      <a:pPr marL="171450" lvl="0" indent="-171450">
+                        <a:buFont typeface="Arial" panose="020B0604020202020204" pitchFamily="34" charset="0"/>
+                        <a:buChar char="•"/>
+                      </a:pPr>
+                      <a:r>
+                        <a:rPr lang="en-IN" sz="1200" kern="1200" dirty="0">
+                          <a:solidFill>
+                            <a:schemeClr val="tx1"/>
+                          </a:solidFill>
+                          <a:effectLst/>
+                          <a:latin typeface="Times New Roman" panose="02020603050405020304" pitchFamily="18" charset="0"/>
+                          <a:ea typeface="+mn-ea"/>
+                          <a:cs typeface="Times New Roman" panose="02020603050405020304" pitchFamily="18" charset="0"/>
+                        </a:rPr>
+                        <a:t>Mean Average Precision (MAP)</a:t>
+                      </a:r>
+                    </a:p>
+                    <a:p>
+                      <a:pPr marL="171450" lvl="0" indent="-171450">
+                        <a:buFont typeface="Arial" panose="020B0604020202020204" pitchFamily="34" charset="0"/>
+                        <a:buChar char="•"/>
+                      </a:pPr>
+                      <a:r>
+                        <a:rPr lang="en-IN" sz="1200" kern="1200" dirty="0">
+                          <a:solidFill>
+                            <a:schemeClr val="tx1"/>
+                          </a:solidFill>
+                          <a:effectLst/>
+                          <a:latin typeface="Times New Roman" panose="02020603050405020304" pitchFamily="18" charset="0"/>
+                          <a:ea typeface="+mn-ea"/>
+                          <a:cs typeface="Times New Roman" panose="02020603050405020304" pitchFamily="18" charset="0"/>
+                        </a:rPr>
+                        <a:t>Relevance Scoring</a:t>
+                      </a:r>
+                    </a:p>
+                    <a:p>
+                      <a:pPr marL="171450" lvl="0" indent="-171450">
+                        <a:buFont typeface="Arial" panose="020B0604020202020204" pitchFamily="34" charset="0"/>
+                        <a:buChar char="•"/>
+                      </a:pPr>
+                      <a:r>
+                        <a:rPr lang="en-IN" sz="1200" kern="1200" dirty="0">
+                          <a:solidFill>
+                            <a:schemeClr val="tx1"/>
+                          </a:solidFill>
+                          <a:effectLst/>
+                          <a:latin typeface="Times New Roman" panose="02020603050405020304" pitchFamily="18" charset="0"/>
+                          <a:ea typeface="+mn-ea"/>
+                          <a:cs typeface="Times New Roman" panose="02020603050405020304" pitchFamily="18" charset="0"/>
+                        </a:rPr>
+                        <a:t>Comparison with Apache Lucene</a:t>
+                      </a:r>
+                    </a:p>
+                    <a:p>
+                      <a:pPr marL="171450" lvl="0" indent="-171450">
+                        <a:buFont typeface="Arial" panose="020B0604020202020204" pitchFamily="34" charset="0"/>
+                        <a:buChar char="•"/>
+                      </a:pPr>
+                      <a:r>
+                        <a:rPr lang="en-IN" sz="1200" kern="1200" dirty="0">
+                          <a:solidFill>
+                            <a:schemeClr val="tx1"/>
+                          </a:solidFill>
+                          <a:effectLst/>
+                          <a:latin typeface="Times New Roman" panose="02020603050405020304" pitchFamily="18" charset="0"/>
+                          <a:ea typeface="+mn-ea"/>
+                          <a:cs typeface="Times New Roman" panose="02020603050405020304" pitchFamily="18" charset="0"/>
+                        </a:rPr>
+                        <a:t>Precision Calculation</a:t>
+                      </a:r>
+                    </a:p>
+                    <a:p>
+                      <a:pPr marL="171450" indent="-171450">
+                        <a:buFont typeface="Arial" panose="020B0604020202020204" pitchFamily="34" charset="0"/>
+                        <a:buChar char="•"/>
+                      </a:pPr>
+                      <a:endParaRPr lang="en-IN" sz="1200" kern="1200" dirty="0">
+                        <a:solidFill>
+                          <a:schemeClr val="tx1"/>
+                        </a:solidFill>
+                        <a:effectLst/>
+                        <a:latin typeface="Times New Roman" panose="02020603050405020304" pitchFamily="18" charset="0"/>
+                        <a:ea typeface="+mn-ea"/>
+                        <a:cs typeface="Times New Roman" panose="02020603050405020304" pitchFamily="18" charset="0"/>
+                      </a:endParaRPr>
+                    </a:p>
+                    <a:p>
+                      <a:pPr marL="171450" indent="-171450" algn="just">
+                        <a:buFont typeface="Arial" panose="020B0604020202020204" pitchFamily="34" charset="0"/>
+                        <a:buChar char="•"/>
+                      </a:pPr>
+                      <a:endParaRPr lang="en-US" sz="1200" dirty="0">
+                        <a:latin typeface="Times New Roman" panose="02020603050405020304" pitchFamily="18" charset="0"/>
+                        <a:cs typeface="Times New Roman" panose="02020603050405020304" pitchFamily="18" charset="0"/>
+                      </a:endParaRPr>
+                    </a:p>
+                  </a:txBody>
+                  <a:tcPr marL="91437" marR="91437" marT="45735" marB="45735"/>
+                </a:tc>
+                <a:extLst>
+                  <a:ext uri="{0D108BD9-81ED-4DB2-BD59-A6C34878D82A}">
+                    <a16:rowId xmlns:a16="http://schemas.microsoft.com/office/drawing/2014/main" val="10001"/>
+                  </a:ext>
+                </a:extLst>
+              </a:tr>
+            </a:tbl>
+          </a:graphicData>
+        </a:graphic>
+      </p:graphicFrame>
+      <p:sp>
+        <p:nvSpPr>
+          <p:cNvPr id="10" name="TextBox 9">
+            <a:extLst>
+              <a:ext uri="{FF2B5EF4-FFF2-40B4-BE49-F238E27FC236}">
+                <a16:creationId xmlns:a16="http://schemas.microsoft.com/office/drawing/2014/main" id="{D1A129D7-B37C-911C-5604-FAB42FD0C3CC}"/>
+              </a:ext>
+            </a:extLst>
+          </p:cNvPr>
+          <p:cNvSpPr txBox="1"/>
+          <p:nvPr/>
+        </p:nvSpPr>
+        <p:spPr>
+          <a:xfrm>
+            <a:off x="2248182" y="176680"/>
+            <a:ext cx="7830105" cy="550600"/>
+          </a:xfrm>
+          <a:prstGeom prst="rect">
+            <a:avLst/>
+          </a:prstGeom>
+          <a:noFill/>
+        </p:spPr>
+        <p:txBody>
+          <a:bodyPr wrap="square" lIns="91440" tIns="45720" rIns="91440" bIns="45720" rtlCol="0" anchor="t">
+            <a:spAutoFit/>
+          </a:bodyPr>
+          <a:lstStyle/>
+          <a:p>
+            <a:pPr marL="0" marR="0" algn="ctr">
+              <a:lnSpc>
+                <a:spcPct val="115000"/>
+              </a:lnSpc>
+              <a:spcBef>
+                <a:spcPts val="0"/>
+              </a:spcBef>
+              <a:spcAft>
+                <a:spcPts val="0"/>
+              </a:spcAft>
+            </a:pPr>
+            <a:r>
+              <a:rPr lang="en-US" sz="1400" b="1" dirty="0">
+                <a:effectLst/>
+                <a:latin typeface="Times New Roman" panose="02020603050405020304" pitchFamily="18" charset="0"/>
+                <a:ea typeface="Arial" panose="020B0604020202020204" pitchFamily="34" charset="0"/>
+              </a:rPr>
+              <a:t>RAG Enhanced Assistive Software For Career Guidance</a:t>
+            </a:r>
+            <a:br>
+              <a:rPr lang="en-US" sz="1400" b="1" dirty="0">
+                <a:effectLst/>
+                <a:latin typeface="Times New Roman" panose="02020603050405020304" pitchFamily="18" charset="0"/>
+                <a:ea typeface="Arial" panose="020B0604020202020204" pitchFamily="34" charset="0"/>
+              </a:rPr>
+            </a:br>
+            <a:endParaRPr lang="en-US" sz="1300" dirty="0">
+              <a:effectLst/>
+              <a:latin typeface="Arial" panose="020B0604020202020204" pitchFamily="34" charset="0"/>
+              <a:ea typeface="Arial" panose="020B0604020202020204" pitchFamily="34" charset="0"/>
+            </a:endParaRPr>
+          </a:p>
+        </p:txBody>
+      </p:sp>
+      <p:sp>
+        <p:nvSpPr>
+          <p:cNvPr id="9" name="Slide Number Placeholder 7">
+            <a:extLst>
+              <a:ext uri="{FF2B5EF4-FFF2-40B4-BE49-F238E27FC236}">
+                <a16:creationId xmlns:a16="http://schemas.microsoft.com/office/drawing/2014/main" id="{3336942C-F194-0F2C-986B-B6C2383E368D}"/>
+              </a:ext>
+            </a:extLst>
+          </p:cNvPr>
+          <p:cNvSpPr>
+            <a:spLocks noGrp="1"/>
+          </p:cNvSpPr>
+          <p:nvPr>
+            <p:ph type="sldNum" sz="quarter" idx="12"/>
+          </p:nvPr>
+        </p:nvSpPr>
+        <p:spPr>
+          <a:xfrm>
+            <a:off x="3420034" y="6467755"/>
+            <a:ext cx="2743200" cy="365125"/>
+          </a:xfrm>
+        </p:spPr>
+        <p:txBody>
+          <a:bodyPr/>
+          <a:lstStyle/>
+          <a:p>
+            <a:fld id="{12EC02DA-033E-4E45-979C-FC77C52540B5}" type="slidenum">
+              <a:rPr lang="en-IN" sz="2000" smtClean="0">
+                <a:solidFill>
+                  <a:schemeClr val="tx1"/>
+                </a:solidFill>
+              </a:rPr>
+              <a:pPr/>
+              <a:t>19</a:t>
+            </a:fld>
+            <a:endParaRPr lang="en-IN" sz="2000" dirty="0">
+              <a:solidFill>
+                <a:schemeClr val="tx1"/>
+              </a:solidFill>
+            </a:endParaRPr>
+          </a:p>
+        </p:txBody>
+      </p:sp>
+    </p:spTree>
+    <p:extLst>
+      <p:ext uri="{BB962C8B-B14F-4D97-AF65-F5344CB8AC3E}">
+        <p14:creationId xmlns:p14="http://schemas.microsoft.com/office/powerpoint/2010/main" val="921750978"/>
+      </p:ext>
+    </p:extLst>
+  </p:cSld>
+  <p:clrMapOvr>
+    <a:masterClrMapping/>
+  </p:clrMapOvr>
+</p:sld>
+</file>
+
+<file path=ppt/slides/slide2.xml><?xml version="1.0" encoding="utf-8"?>
+<p:sld xmlns:a="http://schemas.openxmlformats.org/drawingml/2006/main" xmlns:r="http://schemas.openxmlformats.org/officeDocument/2006/relationships" xmlns:p="http://schemas.openxmlformats.org/presentationml/2006/main">
+  <p:cSld>
+    <p:spTree>
+      <p:nvGrpSpPr>
+        <p:cNvPr id="1" name=""/>
+        <p:cNvGrpSpPr/>
+        <p:nvPr/>
+      </p:nvGrpSpPr>
+      <p:grpSpPr>
+        <a:xfrm>
+          <a:off x="0" y="0"/>
+          <a:ext cx="0" cy="0"/>
+          <a:chOff x="0" y="0"/>
+          <a:chExt cx="0" cy="0"/>
+        </a:xfrm>
+      </p:grpSpPr>
+      <p:sp>
+        <p:nvSpPr>
+          <p:cNvPr id="4" name="Rectangle: Rounded Corners 3"/>
+          <p:cNvSpPr/>
+          <p:nvPr/>
+        </p:nvSpPr>
+        <p:spPr>
+          <a:xfrm>
+            <a:off x="555812" y="726142"/>
+            <a:ext cx="11214847" cy="5710518"/>
+          </a:xfrm>
+          <a:prstGeom prst="roundRect">
+            <a:avLst/>
+          </a:prstGeom>
+          <a:noFill/>
+          <a:ln w="38100">
+            <a:solidFill>
+              <a:schemeClr val="tx2">
+                <a:lumMod val="60000"/>
+                <a:lumOff val="40000"/>
+              </a:schemeClr>
+            </a:solidFill>
+          </a:ln>
+        </p:spPr>
+        <p:style>
+          <a:lnRef idx="2">
+            <a:schemeClr val="accent1"/>
+          </a:lnRef>
+          <a:fillRef idx="1">
+            <a:schemeClr val="lt1"/>
+          </a:fillRef>
+          <a:effectRef idx="0">
+            <a:schemeClr val="accent1"/>
+          </a:effectRef>
+          <a:fontRef idx="minor">
+            <a:schemeClr val="dk1"/>
+          </a:fontRef>
+        </p:style>
+        <p:txBody>
+          <a:bodyPr rtlCol="0" anchor="ctr"/>
+          <a:lstStyle/>
+          <a:p>
+            <a:pPr algn="ctr"/>
+            <a:endParaRPr lang="en-IN"/>
+          </a:p>
+        </p:txBody>
+      </p:sp>
+      <p:sp>
+        <p:nvSpPr>
+          <p:cNvPr id="6" name="Date Placeholder 5"/>
+          <p:cNvSpPr>
+            <a:spLocks noGrp="1" noEditPoints="1"/>
+          </p:cNvSpPr>
+          <p:nvPr>
+            <p:ph type="dt" sz="half" idx="10"/>
+          </p:nvPr>
+        </p:nvSpPr>
+        <p:spPr>
+          <a:xfrm>
+            <a:off x="468406" y="6467756"/>
+            <a:ext cx="2743200" cy="365125"/>
+          </a:xfrm>
+        </p:spPr>
+        <p:txBody>
+          <a:bodyPr/>
+          <a:lstStyle/>
+          <a:p>
+            <a:fld id="{72F443AB-E70A-4A18-93FC-342C218C08F8}" type="datetime1">
+              <a:rPr lang="en-IN" sz="2000" smtClean="0">
+                <a:solidFill>
+                  <a:schemeClr val="tx1"/>
+                </a:solidFill>
+                <a:latin typeface="Times New Roman" panose="02020603050405020304" pitchFamily="18" charset="0"/>
+                <a:cs typeface="Times New Roman" panose="02020603050405020304" pitchFamily="18" charset="0"/>
+              </a:rPr>
+              <a:t>28-10-2024</a:t>
+            </a:fld>
+            <a:endParaRPr lang="en-IN" sz="2000">
+              <a:solidFill>
+                <a:schemeClr val="tx1"/>
+              </a:solidFill>
+              <a:latin typeface="Times New Roman" panose="02020603050405020304" pitchFamily="18" charset="0"/>
+              <a:cs typeface="Times New Roman" panose="02020603050405020304" pitchFamily="18" charset="0"/>
+            </a:endParaRPr>
+          </a:p>
+        </p:txBody>
+      </p:sp>
+      <p:sp>
+        <p:nvSpPr>
+          <p:cNvPr id="7" name="Footer Placeholder 6"/>
+          <p:cNvSpPr>
+            <a:spLocks noGrp="1" noEditPoints="1"/>
+          </p:cNvSpPr>
+          <p:nvPr>
+            <p:ph type="ftr" sz="quarter" idx="11"/>
+          </p:nvPr>
+        </p:nvSpPr>
+        <p:spPr>
+          <a:xfrm>
+            <a:off x="9640048" y="6436660"/>
+            <a:ext cx="2232211" cy="365125"/>
+          </a:xfrm>
+        </p:spPr>
+        <p:txBody>
+          <a:bodyPr/>
+          <a:lstStyle/>
+          <a:p>
+            <a:pPr lvl="1" algn="ctr"/>
+            <a:r>
+              <a:rPr lang="en-IN" sz="2400" dirty="0">
+                <a:latin typeface="Times New Roman"/>
+                <a:cs typeface="Times New Roman"/>
+              </a:rPr>
+              <a:t>Team 59</a:t>
+            </a:r>
+            <a:endParaRPr lang="en-IN" sz="2400" dirty="0">
+              <a:latin typeface="Times New Roman" panose="02020603050405020304" pitchFamily="18" charset="0"/>
+              <a:cs typeface="Times New Roman" panose="02020603050405020304" pitchFamily="18" charset="0"/>
+            </a:endParaRPr>
+          </a:p>
+        </p:txBody>
+      </p:sp>
+      <p:pic>
+        <p:nvPicPr>
+          <p:cNvPr id="1026" name="Picture 2" descr="Amrita Vishwa Vidyapeetham, Coimbatore: Courses, Fees ..."/>
+          <p:cNvPicPr>
+            <a:picLocks noChangeAspect="1" noChangeArrowheads="1"/>
+          </p:cNvPicPr>
+          <p:nvPr/>
+        </p:nvPicPr>
+        <p:blipFill>
+          <a:blip r:embed="rId3" cstate="print"/>
+          <a:srcRect/>
+          <a:stretch>
+            <a:fillRect/>
+          </a:stretch>
+        </p:blipFill>
+        <p:spPr bwMode="auto">
+          <a:xfrm>
+            <a:off x="31937" y="25120"/>
+            <a:ext cx="882463" cy="862408"/>
+          </a:xfrm>
+          <a:prstGeom prst="rect">
+            <a:avLst/>
+          </a:prstGeom>
+          <a:noFill/>
+        </p:spPr>
+      </p:pic>
+      <p:sp>
+        <p:nvSpPr>
+          <p:cNvPr id="8" name="Title 7"/>
+          <p:cNvSpPr>
+            <a:spLocks noGrp="1" noEditPoints="1"/>
+          </p:cNvSpPr>
+          <p:nvPr>
+            <p:ph type="ctrTitle"/>
+          </p:nvPr>
+        </p:nvSpPr>
+        <p:spPr>
+          <a:xfrm>
+            <a:off x="4020344" y="1020107"/>
+            <a:ext cx="4151312" cy="562630"/>
+          </a:xfrm>
+        </p:spPr>
+        <p:txBody>
+          <a:bodyPr>
+            <a:noAutofit/>
+          </a:bodyPr>
+          <a:lstStyle/>
+          <a:p>
+            <a:r>
+              <a:rPr lang="en-IN" sz="3600">
+                <a:latin typeface="Times New Roman"/>
+                <a:cs typeface="Times New Roman"/>
+              </a:rPr>
+              <a:t>Guide Approval</a:t>
+            </a:r>
+            <a:endParaRPr lang="en-IN" sz="3600">
+              <a:latin typeface="Times New Roman" panose="02020603050405020304" pitchFamily="18" charset="0"/>
+              <a:cs typeface="Times New Roman" panose="02020603050405020304" pitchFamily="18" charset="0"/>
+            </a:endParaRPr>
+          </a:p>
+        </p:txBody>
+      </p:sp>
+      <p:sp>
+        <p:nvSpPr>
+          <p:cNvPr id="2" name="TextBox 1">
+            <a:extLst>
+              <a:ext uri="{FF2B5EF4-FFF2-40B4-BE49-F238E27FC236}">
+                <a16:creationId xmlns:a16="http://schemas.microsoft.com/office/drawing/2014/main" id="{6A6D93E5-FAA4-AE0E-C8E2-5A2C89431E3E}"/>
+              </a:ext>
+            </a:extLst>
+          </p:cNvPr>
+          <p:cNvSpPr txBox="1"/>
+          <p:nvPr/>
+        </p:nvSpPr>
+        <p:spPr>
+          <a:xfrm>
+            <a:off x="3126153" y="2662115"/>
+            <a:ext cx="6618653" cy="2601057"/>
+          </a:xfrm>
+          <a:prstGeom prst="rect">
+            <a:avLst/>
+          </a:prstGeom>
+          <a:noFill/>
+        </p:spPr>
+        <p:txBody>
+          <a:bodyPr rot="0" spcFirstLastPara="0" vertOverflow="overflow" horzOverflow="overflow" vert="horz" wrap="square" lIns="91440" tIns="45720" rIns="91440" bIns="45720" numCol="1" spcCol="0" rtlCol="0" fromWordArt="0" anchor="t" anchorCtr="0" forceAA="0" compatLnSpc="1">
+            <a:prstTxWarp prst="textNoShape">
+              <a:avLst/>
+            </a:prstTxWarp>
+            <a:spAutoFit/>
+          </a:bodyPr>
+          <a:lstStyle/>
+          <a:p>
+            <a:pPr algn="l"/>
+            <a:endParaRPr lang="en-US"/>
+          </a:p>
+        </p:txBody>
+      </p:sp>
+      <p:sp>
+        <p:nvSpPr>
+          <p:cNvPr id="3" name="TextBox 2">
+            <a:extLst>
+              <a:ext uri="{FF2B5EF4-FFF2-40B4-BE49-F238E27FC236}">
+                <a16:creationId xmlns:a16="http://schemas.microsoft.com/office/drawing/2014/main" id="{CC4FF7F0-9DD7-184B-FDF0-0B7AD1357BF0}"/>
+              </a:ext>
+            </a:extLst>
+          </p:cNvPr>
+          <p:cNvSpPr txBox="1"/>
+          <p:nvPr/>
+        </p:nvSpPr>
+        <p:spPr>
+          <a:xfrm>
+            <a:off x="2248182" y="176680"/>
+            <a:ext cx="7830105" cy="550600"/>
+          </a:xfrm>
+          <a:prstGeom prst="rect">
+            <a:avLst/>
+          </a:prstGeom>
+          <a:noFill/>
+        </p:spPr>
+        <p:txBody>
+          <a:bodyPr wrap="square" lIns="91440" tIns="45720" rIns="91440" bIns="45720" rtlCol="0" anchor="t">
+            <a:spAutoFit/>
+          </a:bodyPr>
+          <a:lstStyle/>
+          <a:p>
+            <a:pPr marL="0" marR="0" algn="ctr">
+              <a:lnSpc>
+                <a:spcPct val="115000"/>
+              </a:lnSpc>
+              <a:spcBef>
+                <a:spcPts val="0"/>
+              </a:spcBef>
+              <a:spcAft>
+                <a:spcPts val="0"/>
+              </a:spcAft>
+            </a:pPr>
+            <a:r>
+              <a:rPr lang="en-US" sz="1400" b="1" dirty="0">
+                <a:effectLst/>
+                <a:latin typeface="Times New Roman" panose="02020603050405020304" pitchFamily="18" charset="0"/>
+                <a:ea typeface="Arial" panose="020B0604020202020204" pitchFamily="34" charset="0"/>
+              </a:rPr>
+              <a:t>RAG Enhanced Assistive Software For Career Guidance</a:t>
+            </a:r>
+            <a:br>
+              <a:rPr lang="en-US" sz="1400" b="1" dirty="0">
+                <a:effectLst/>
+                <a:latin typeface="Times New Roman" panose="02020603050405020304" pitchFamily="18" charset="0"/>
+                <a:ea typeface="Arial" panose="020B0604020202020204" pitchFamily="34" charset="0"/>
+              </a:rPr>
+            </a:br>
+            <a:endParaRPr lang="en-US" sz="1300" dirty="0">
+              <a:effectLst/>
+              <a:latin typeface="Arial" panose="020B0604020202020204" pitchFamily="34" charset="0"/>
+              <a:ea typeface="Arial" panose="020B0604020202020204" pitchFamily="34" charset="0"/>
+            </a:endParaRPr>
+          </a:p>
+        </p:txBody>
+      </p:sp>
+      <p:sp>
+        <p:nvSpPr>
+          <p:cNvPr id="10" name="Slide Number Placeholder 7">
+            <a:extLst>
+              <a:ext uri="{FF2B5EF4-FFF2-40B4-BE49-F238E27FC236}">
+                <a16:creationId xmlns:a16="http://schemas.microsoft.com/office/drawing/2014/main" id="{DA3E7389-B7A5-C268-A461-0BA397B797DB}"/>
+              </a:ext>
+            </a:extLst>
+          </p:cNvPr>
+          <p:cNvSpPr>
+            <a:spLocks noGrp="1"/>
+          </p:cNvSpPr>
+          <p:nvPr>
+            <p:ph type="sldNum" sz="quarter" idx="12"/>
+          </p:nvPr>
+        </p:nvSpPr>
+        <p:spPr>
+          <a:xfrm>
+            <a:off x="3420034" y="6467755"/>
+            <a:ext cx="2743200" cy="365125"/>
+          </a:xfrm>
+        </p:spPr>
+        <p:txBody>
+          <a:bodyPr/>
+          <a:lstStyle/>
+          <a:p>
+            <a:fld id="{12EC02DA-033E-4E45-979C-FC77C52540B5}" type="slidenum">
+              <a:rPr lang="en-IN" sz="2000" smtClean="0">
+                <a:solidFill>
+                  <a:schemeClr val="tx1"/>
+                </a:solidFill>
+              </a:rPr>
+              <a:pPr/>
+              <a:t>2</a:t>
+            </a:fld>
+            <a:endParaRPr lang="en-IN" sz="2000" dirty="0">
+              <a:solidFill>
+                <a:schemeClr val="tx1"/>
+              </a:solidFill>
+            </a:endParaRPr>
+          </a:p>
+        </p:txBody>
+      </p:sp>
+    </p:spTree>
+    <p:extLst>
+      <p:ext uri="{BB962C8B-B14F-4D97-AF65-F5344CB8AC3E}">
+        <p14:creationId xmlns:p14="http://schemas.microsoft.com/office/powerpoint/2010/main" val="751586410"/>
+      </p:ext>
+    </p:extLst>
+  </p:cSld>
+  <p:clrMapOvr>
+    <a:masterClrMapping/>
+  </p:clrMapOvr>
+</p:sld>
+</file>
+
+<file path=ppt/slides/slide20.xml><?xml version="1.0" encoding="utf-8"?>
+<p:sld xmlns:a="http://schemas.openxmlformats.org/drawingml/2006/main" xmlns:r="http://schemas.openxmlformats.org/officeDocument/2006/relationships" xmlns:p="http://schemas.openxmlformats.org/presentationml/2006/main">
+  <p:cSld>
+    <p:spTree>
+      <p:nvGrpSpPr>
+        <p:cNvPr id="1" name="">
+          <a:extLst>
+            <a:ext uri="{FF2B5EF4-FFF2-40B4-BE49-F238E27FC236}">
+              <a16:creationId xmlns:a16="http://schemas.microsoft.com/office/drawing/2014/main" id="{53BC9E62-1245-B20E-58FF-B3090C4F5FC4}"/>
+            </a:ext>
+          </a:extLst>
+        </p:cNvPr>
+        <p:cNvGrpSpPr/>
+        <p:nvPr/>
+      </p:nvGrpSpPr>
+      <p:grpSpPr>
+        <a:xfrm>
+          <a:off x="0" y="0"/>
+          <a:ext cx="0" cy="0"/>
+          <a:chOff x="0" y="0"/>
+          <a:chExt cx="0" cy="0"/>
+        </a:xfrm>
+      </p:grpSpPr>
+      <p:sp>
+        <p:nvSpPr>
+          <p:cNvPr id="4" name="Rectangle: Rounded Corners 3">
+            <a:extLst>
+              <a:ext uri="{FF2B5EF4-FFF2-40B4-BE49-F238E27FC236}">
+                <a16:creationId xmlns:a16="http://schemas.microsoft.com/office/drawing/2014/main" id="{41FF3AB7-13D6-42A0-B319-6D251297AC3D}"/>
+              </a:ext>
+            </a:extLst>
+          </p:cNvPr>
+          <p:cNvSpPr/>
+          <p:nvPr/>
+        </p:nvSpPr>
+        <p:spPr>
+          <a:xfrm>
+            <a:off x="555812" y="726142"/>
+            <a:ext cx="11214847" cy="5710518"/>
+          </a:xfrm>
+          <a:prstGeom prst="roundRect">
+            <a:avLst/>
+          </a:prstGeom>
+          <a:noFill/>
+          <a:ln w="38100">
+            <a:solidFill>
+              <a:schemeClr val="tx2">
+                <a:lumMod val="60000"/>
+                <a:lumOff val="40000"/>
+              </a:schemeClr>
+            </a:solidFill>
+          </a:ln>
+        </p:spPr>
+        <p:style>
+          <a:lnRef idx="2">
+            <a:schemeClr val="accent1"/>
+          </a:lnRef>
+          <a:fillRef idx="1">
+            <a:schemeClr val="lt1"/>
+          </a:fillRef>
+          <a:effectRef idx="0">
+            <a:schemeClr val="accent1"/>
+          </a:effectRef>
+          <a:fontRef idx="minor">
+            <a:schemeClr val="dk1"/>
+          </a:fontRef>
+        </p:style>
+        <p:txBody>
+          <a:bodyPr rtlCol="0" anchor="ctr"/>
+          <a:lstStyle/>
+          <a:p>
+            <a:pPr algn="ctr"/>
+            <a:endParaRPr lang="en-IN"/>
+          </a:p>
+        </p:txBody>
+      </p:sp>
+      <p:sp>
+        <p:nvSpPr>
+          <p:cNvPr id="6" name="Date Placeholder 5">
+            <a:extLst>
+              <a:ext uri="{FF2B5EF4-FFF2-40B4-BE49-F238E27FC236}">
+                <a16:creationId xmlns:a16="http://schemas.microsoft.com/office/drawing/2014/main" id="{93796B6B-3959-E44B-9E4B-4F3615139C8A}"/>
+              </a:ext>
+            </a:extLst>
+          </p:cNvPr>
+          <p:cNvSpPr>
+            <a:spLocks noGrp="1" noEditPoints="1"/>
+          </p:cNvSpPr>
+          <p:nvPr>
+            <p:ph type="dt" sz="half" idx="10"/>
+          </p:nvPr>
+        </p:nvSpPr>
+        <p:spPr>
+          <a:xfrm>
+            <a:off x="468406" y="6467756"/>
+            <a:ext cx="2743200" cy="365125"/>
+          </a:xfrm>
+        </p:spPr>
+        <p:txBody>
+          <a:bodyPr/>
+          <a:lstStyle/>
+          <a:p>
+            <a:fld id="{DD017C32-C087-4242-B27E-5D11F894ADA2}" type="datetime1">
+              <a:rPr lang="en-IN" sz="2000" smtClean="0">
+                <a:solidFill>
+                  <a:schemeClr val="tx1"/>
+                </a:solidFill>
+                <a:latin typeface="Times New Roman" panose="02020603050405020304" pitchFamily="18" charset="0"/>
+                <a:cs typeface="Times New Roman" panose="02020603050405020304" pitchFamily="18" charset="0"/>
+              </a:rPr>
+              <a:t>28-10-2024</a:t>
+            </a:fld>
+            <a:endParaRPr lang="en-IN" sz="2000">
+              <a:solidFill>
+                <a:schemeClr val="tx1"/>
+              </a:solidFill>
+              <a:latin typeface="Times New Roman" panose="02020603050405020304" pitchFamily="18" charset="0"/>
+              <a:cs typeface="Times New Roman" panose="02020603050405020304" pitchFamily="18" charset="0"/>
+            </a:endParaRPr>
+          </a:p>
+        </p:txBody>
+      </p:sp>
+      <p:sp>
+        <p:nvSpPr>
+          <p:cNvPr id="7" name="Footer Placeholder 6">
+            <a:extLst>
+              <a:ext uri="{FF2B5EF4-FFF2-40B4-BE49-F238E27FC236}">
+                <a16:creationId xmlns:a16="http://schemas.microsoft.com/office/drawing/2014/main" id="{83183794-5E2F-122E-B77D-1A9A8DB2C52D}"/>
+              </a:ext>
+            </a:extLst>
+          </p:cNvPr>
+          <p:cNvSpPr>
+            <a:spLocks noGrp="1" noEditPoints="1"/>
+          </p:cNvSpPr>
+          <p:nvPr>
+            <p:ph type="ftr" sz="quarter" idx="11"/>
+          </p:nvPr>
+        </p:nvSpPr>
+        <p:spPr>
+          <a:xfrm>
+            <a:off x="9663953" y="6436660"/>
+            <a:ext cx="2232211" cy="365125"/>
+          </a:xfrm>
+        </p:spPr>
+        <p:txBody>
+          <a:bodyPr/>
+          <a:lstStyle/>
+          <a:p>
+            <a:pPr lvl="1" algn="ctr"/>
+            <a:r>
+              <a:rPr lang="en-IN" sz="2400" dirty="0">
+                <a:latin typeface="Times New Roman"/>
+                <a:cs typeface="Times New Roman"/>
+              </a:rPr>
+              <a:t>Team 59</a:t>
+            </a:r>
+            <a:endParaRPr lang="en-IN" sz="2400" dirty="0">
+              <a:latin typeface="Times New Roman" panose="02020603050405020304" pitchFamily="18" charset="0"/>
+              <a:cs typeface="Times New Roman" panose="02020603050405020304" pitchFamily="18" charset="0"/>
+            </a:endParaRPr>
+          </a:p>
+        </p:txBody>
+      </p:sp>
+      <p:pic>
+        <p:nvPicPr>
+          <p:cNvPr id="1026" name="Picture 2" descr="Amrita Vishwa Vidyapeetham, Coimbatore: Courses, Fees ...">
+            <a:extLst>
+              <a:ext uri="{FF2B5EF4-FFF2-40B4-BE49-F238E27FC236}">
+                <a16:creationId xmlns:a16="http://schemas.microsoft.com/office/drawing/2014/main" id="{D7C1A4CC-0989-C3B4-831D-F30FE72985DF}"/>
+              </a:ext>
+            </a:extLst>
+          </p:cNvPr>
+          <p:cNvPicPr>
+            <a:picLocks noChangeAspect="1" noChangeArrowheads="1"/>
+          </p:cNvPicPr>
+          <p:nvPr/>
+        </p:nvPicPr>
+        <p:blipFill>
+          <a:blip r:embed="rId2" cstate="print"/>
+          <a:srcRect/>
+          <a:stretch>
+            <a:fillRect/>
+          </a:stretch>
+        </p:blipFill>
+        <p:spPr bwMode="auto">
+          <a:xfrm>
+            <a:off x="31938" y="25120"/>
+            <a:ext cx="938326" cy="917001"/>
+          </a:xfrm>
+          <a:prstGeom prst="rect">
+            <a:avLst/>
+          </a:prstGeom>
+          <a:noFill/>
+        </p:spPr>
+      </p:pic>
+      <p:sp>
+        <p:nvSpPr>
+          <p:cNvPr id="2" name="Rectangle: Rounded Corners 1">
+            <a:extLst>
+              <a:ext uri="{FF2B5EF4-FFF2-40B4-BE49-F238E27FC236}">
+                <a16:creationId xmlns:a16="http://schemas.microsoft.com/office/drawing/2014/main" id="{38B338C2-2DA5-7741-0C23-ACEA50C70743}"/>
+              </a:ext>
+            </a:extLst>
+          </p:cNvPr>
+          <p:cNvSpPr/>
+          <p:nvPr/>
+        </p:nvSpPr>
+        <p:spPr>
+          <a:xfrm>
+            <a:off x="555812" y="726142"/>
+            <a:ext cx="11214847" cy="5710518"/>
+          </a:xfrm>
+          <a:prstGeom prst="roundRect">
+            <a:avLst/>
+          </a:prstGeom>
+          <a:noFill/>
+          <a:ln w="38100">
+            <a:solidFill>
+              <a:schemeClr val="tx2">
+                <a:lumMod val="60000"/>
+                <a:lumOff val="40000"/>
+              </a:schemeClr>
+            </a:solidFill>
+          </a:ln>
+        </p:spPr>
+        <p:style>
+          <a:lnRef idx="2">
+            <a:schemeClr val="accent1"/>
+          </a:lnRef>
+          <a:fillRef idx="1">
+            <a:schemeClr val="lt1"/>
+          </a:fillRef>
+          <a:effectRef idx="0">
+            <a:schemeClr val="accent1"/>
+          </a:effectRef>
+          <a:fontRef idx="minor">
+            <a:schemeClr val="dk1"/>
+          </a:fontRef>
+        </p:style>
+        <p:txBody>
+          <a:bodyPr rtlCol="0" anchor="ctr"/>
+          <a:lstStyle/>
+          <a:p>
+            <a:pPr algn="ctr"/>
+            <a:endParaRPr lang="en-IN"/>
+          </a:p>
+        </p:txBody>
+      </p:sp>
+      <p:sp>
+        <p:nvSpPr>
+          <p:cNvPr id="3" name="Date Placeholder 5">
+            <a:extLst>
+              <a:ext uri="{FF2B5EF4-FFF2-40B4-BE49-F238E27FC236}">
+                <a16:creationId xmlns:a16="http://schemas.microsoft.com/office/drawing/2014/main" id="{FD0F47D8-2213-0BE6-B618-A7C22738D3A6}"/>
+              </a:ext>
+            </a:extLst>
+          </p:cNvPr>
+          <p:cNvSpPr txBox="1">
+            <a:spLocks noEditPoints="1"/>
+          </p:cNvSpPr>
+          <p:nvPr/>
+        </p:nvSpPr>
+        <p:spPr>
+          <a:xfrm>
+            <a:off x="468406" y="6467756"/>
+            <a:ext cx="2743200" cy="365125"/>
+          </a:xfrm>
+          <a:prstGeom prst="rect">
+            <a:avLst/>
+          </a:prstGeom>
+        </p:spPr>
+        <p:txBody>
+          <a:bodyPr vert="horz" lIns="91440" tIns="45720" rIns="91440" bIns="45720" rtlCol="0" anchor="ctr"/>
+          <a:lstStyle>
+            <a:defPPr>
+              <a:defRPr lang="en-US"/>
+            </a:defPPr>
+            <a:lvl1pPr marL="0" algn="l" defTabSz="914400" rtl="0" eaLnBrk="1" latinLnBrk="0" hangingPunct="1">
+              <a:defRPr sz="1200" kern="1200">
+                <a:solidFill>
+                  <a:schemeClr val="tx1">
+                    <a:tint val="75000"/>
+                  </a:schemeClr>
+                </a:solidFill>
+                <a:latin typeface="+mn-lt"/>
+                <a:ea typeface="+mn-ea"/>
+                <a:cs typeface="+mn-cs"/>
+              </a:defRPr>
+            </a:lvl1pPr>
+            <a:lvl2pPr marL="457200" algn="l" defTabSz="914400" rtl="0" eaLnBrk="1" latinLnBrk="0" hangingPunct="1">
+              <a:defRPr sz="1800" kern="1200">
+                <a:solidFill>
+                  <a:schemeClr val="tx1"/>
+                </a:solidFill>
+                <a:latin typeface="+mn-lt"/>
+                <a:ea typeface="+mn-ea"/>
+                <a:cs typeface="+mn-cs"/>
+              </a:defRPr>
+            </a:lvl2pPr>
+            <a:lvl3pPr marL="914400" algn="l" defTabSz="914400" rtl="0" eaLnBrk="1" latinLnBrk="0" hangingPunct="1">
+              <a:defRPr sz="1800" kern="1200">
+                <a:solidFill>
+                  <a:schemeClr val="tx1"/>
+                </a:solidFill>
+                <a:latin typeface="+mn-lt"/>
+                <a:ea typeface="+mn-ea"/>
+                <a:cs typeface="+mn-cs"/>
+              </a:defRPr>
+            </a:lvl3pPr>
+            <a:lvl4pPr marL="1371600" algn="l" defTabSz="914400" rtl="0" eaLnBrk="1" latinLnBrk="0" hangingPunct="1">
+              <a:defRPr sz="1800" kern="1200">
+                <a:solidFill>
+                  <a:schemeClr val="tx1"/>
+                </a:solidFill>
+                <a:latin typeface="+mn-lt"/>
+                <a:ea typeface="+mn-ea"/>
+                <a:cs typeface="+mn-cs"/>
+              </a:defRPr>
+            </a:lvl4pPr>
+            <a:lvl5pPr marL="1828800" algn="l" defTabSz="914400" rtl="0" eaLnBrk="1" latinLnBrk="0" hangingPunct="1">
+              <a:defRPr sz="1800" kern="1200">
+                <a:solidFill>
+                  <a:schemeClr val="tx1"/>
+                </a:solidFill>
+                <a:latin typeface="+mn-lt"/>
+                <a:ea typeface="+mn-ea"/>
+                <a:cs typeface="+mn-cs"/>
+              </a:defRPr>
+            </a:lvl5pPr>
+            <a:lvl6pPr marL="2286000" algn="l" defTabSz="914400" rtl="0" eaLnBrk="1" latinLnBrk="0" hangingPunct="1">
+              <a:defRPr sz="1800" kern="1200">
+                <a:solidFill>
+                  <a:schemeClr val="tx1"/>
+                </a:solidFill>
+                <a:latin typeface="+mn-lt"/>
+                <a:ea typeface="+mn-ea"/>
+                <a:cs typeface="+mn-cs"/>
+              </a:defRPr>
+            </a:lvl6pPr>
+            <a:lvl7pPr marL="2743200" algn="l" defTabSz="914400" rtl="0" eaLnBrk="1" latinLnBrk="0" hangingPunct="1">
+              <a:defRPr sz="1800" kern="1200">
+                <a:solidFill>
+                  <a:schemeClr val="tx1"/>
+                </a:solidFill>
+                <a:latin typeface="+mn-lt"/>
+                <a:ea typeface="+mn-ea"/>
+                <a:cs typeface="+mn-cs"/>
+              </a:defRPr>
+            </a:lvl7pPr>
+            <a:lvl8pPr marL="3200400" algn="l" defTabSz="914400" rtl="0" eaLnBrk="1" latinLnBrk="0" hangingPunct="1">
+              <a:defRPr sz="1800" kern="1200">
+                <a:solidFill>
+                  <a:schemeClr val="tx1"/>
+                </a:solidFill>
+                <a:latin typeface="+mn-lt"/>
+                <a:ea typeface="+mn-ea"/>
+                <a:cs typeface="+mn-cs"/>
+              </a:defRPr>
+            </a:lvl8pPr>
+            <a:lvl9pPr marL="3657600" algn="l" defTabSz="914400" rtl="0" eaLnBrk="1" latinLnBrk="0" hangingPunct="1">
+              <a:defRPr sz="1800" kern="1200">
+                <a:solidFill>
+                  <a:schemeClr val="tx1"/>
+                </a:solidFill>
+                <a:latin typeface="+mn-lt"/>
+                <a:ea typeface="+mn-ea"/>
+                <a:cs typeface="+mn-cs"/>
+              </a:defRPr>
+            </a:lvl9pPr>
+          </a:lstStyle>
+          <a:p>
+            <a:endParaRPr lang="en-IN" sz="2000">
+              <a:solidFill>
+                <a:schemeClr val="tx1"/>
+              </a:solidFill>
+              <a:latin typeface="Times New Roman" panose="02020603050405020304" pitchFamily="18" charset="0"/>
+              <a:cs typeface="Times New Roman" panose="02020603050405020304" pitchFamily="18" charset="0"/>
+            </a:endParaRPr>
+          </a:p>
+        </p:txBody>
+      </p:sp>
+      <p:sp>
+        <p:nvSpPr>
+          <p:cNvPr id="5" name="Footer Placeholder 6">
+            <a:extLst>
+              <a:ext uri="{FF2B5EF4-FFF2-40B4-BE49-F238E27FC236}">
+                <a16:creationId xmlns:a16="http://schemas.microsoft.com/office/drawing/2014/main" id="{00801631-BCA3-9D7E-0F70-C482F9F51639}"/>
+              </a:ext>
+            </a:extLst>
+          </p:cNvPr>
+          <p:cNvSpPr txBox="1">
+            <a:spLocks noEditPoints="1"/>
+          </p:cNvSpPr>
+          <p:nvPr/>
+        </p:nvSpPr>
+        <p:spPr>
+          <a:xfrm>
+            <a:off x="9663953" y="6436660"/>
+            <a:ext cx="2232211" cy="365125"/>
+          </a:xfrm>
+          <a:prstGeom prst="rect">
+            <a:avLst/>
+          </a:prstGeom>
+        </p:spPr>
+        <p:txBody>
+          <a:bodyPr vert="horz" lIns="91440" tIns="45720" rIns="91440" bIns="45720" rtlCol="0" anchor="ctr"/>
+          <a:lstStyle>
+            <a:defPPr>
+              <a:defRPr lang="en-US"/>
+            </a:defPPr>
+            <a:lvl1pPr marL="0" algn="ctr" defTabSz="914400" rtl="0" eaLnBrk="1" latinLnBrk="0" hangingPunct="1">
+              <a:defRPr sz="1200" kern="1200">
+                <a:solidFill>
+                  <a:schemeClr val="tx1">
+                    <a:tint val="75000"/>
+                  </a:schemeClr>
+                </a:solidFill>
+                <a:latin typeface="+mn-lt"/>
+                <a:ea typeface="+mn-ea"/>
+                <a:cs typeface="+mn-cs"/>
+              </a:defRPr>
+            </a:lvl1pPr>
+            <a:lvl2pPr marL="457200" algn="l" defTabSz="914400" rtl="0" eaLnBrk="1" latinLnBrk="0" hangingPunct="1">
+              <a:defRPr sz="1800" kern="1200">
+                <a:solidFill>
+                  <a:schemeClr val="tx1"/>
+                </a:solidFill>
+                <a:latin typeface="+mn-lt"/>
+                <a:ea typeface="+mn-ea"/>
+                <a:cs typeface="+mn-cs"/>
+              </a:defRPr>
+            </a:lvl2pPr>
+            <a:lvl3pPr marL="914400" algn="l" defTabSz="914400" rtl="0" eaLnBrk="1" latinLnBrk="0" hangingPunct="1">
+              <a:defRPr sz="1800" kern="1200">
+                <a:solidFill>
+                  <a:schemeClr val="tx1"/>
+                </a:solidFill>
+                <a:latin typeface="+mn-lt"/>
+                <a:ea typeface="+mn-ea"/>
+                <a:cs typeface="+mn-cs"/>
+              </a:defRPr>
+            </a:lvl3pPr>
+            <a:lvl4pPr marL="1371600" algn="l" defTabSz="914400" rtl="0" eaLnBrk="1" latinLnBrk="0" hangingPunct="1">
+              <a:defRPr sz="1800" kern="1200">
+                <a:solidFill>
+                  <a:schemeClr val="tx1"/>
+                </a:solidFill>
+                <a:latin typeface="+mn-lt"/>
+                <a:ea typeface="+mn-ea"/>
+                <a:cs typeface="+mn-cs"/>
+              </a:defRPr>
+            </a:lvl4pPr>
+            <a:lvl5pPr marL="1828800" algn="l" defTabSz="914400" rtl="0" eaLnBrk="1" latinLnBrk="0" hangingPunct="1">
+              <a:defRPr sz="1800" kern="1200">
+                <a:solidFill>
+                  <a:schemeClr val="tx1"/>
+                </a:solidFill>
+                <a:latin typeface="+mn-lt"/>
+                <a:ea typeface="+mn-ea"/>
+                <a:cs typeface="+mn-cs"/>
+              </a:defRPr>
+            </a:lvl5pPr>
+            <a:lvl6pPr marL="2286000" algn="l" defTabSz="914400" rtl="0" eaLnBrk="1" latinLnBrk="0" hangingPunct="1">
+              <a:defRPr sz="1800" kern="1200">
+                <a:solidFill>
+                  <a:schemeClr val="tx1"/>
+                </a:solidFill>
+                <a:latin typeface="+mn-lt"/>
+                <a:ea typeface="+mn-ea"/>
+                <a:cs typeface="+mn-cs"/>
+              </a:defRPr>
+            </a:lvl6pPr>
+            <a:lvl7pPr marL="2743200" algn="l" defTabSz="914400" rtl="0" eaLnBrk="1" latinLnBrk="0" hangingPunct="1">
+              <a:defRPr sz="1800" kern="1200">
+                <a:solidFill>
+                  <a:schemeClr val="tx1"/>
+                </a:solidFill>
+                <a:latin typeface="+mn-lt"/>
+                <a:ea typeface="+mn-ea"/>
+                <a:cs typeface="+mn-cs"/>
+              </a:defRPr>
+            </a:lvl7pPr>
+            <a:lvl8pPr marL="3200400" algn="l" defTabSz="914400" rtl="0" eaLnBrk="1" latinLnBrk="0" hangingPunct="1">
+              <a:defRPr sz="1800" kern="1200">
+                <a:solidFill>
+                  <a:schemeClr val="tx1"/>
+                </a:solidFill>
+                <a:latin typeface="+mn-lt"/>
+                <a:ea typeface="+mn-ea"/>
+                <a:cs typeface="+mn-cs"/>
+              </a:defRPr>
+            </a:lvl8pPr>
+            <a:lvl9pPr marL="3657600" algn="l" defTabSz="914400" rtl="0" eaLnBrk="1" latinLnBrk="0" hangingPunct="1">
+              <a:defRPr sz="1800" kern="1200">
+                <a:solidFill>
+                  <a:schemeClr val="tx1"/>
+                </a:solidFill>
+                <a:latin typeface="+mn-lt"/>
+                <a:ea typeface="+mn-ea"/>
+                <a:cs typeface="+mn-cs"/>
+              </a:defRPr>
+            </a:lvl9pPr>
+          </a:lstStyle>
+          <a:p>
+            <a:pPr lvl="1" algn="ctr"/>
+            <a:endParaRPr lang="en-IN" sz="2400">
+              <a:latin typeface="Times New Roman" panose="02020603050405020304" pitchFamily="18" charset="0"/>
+              <a:cs typeface="Times New Roman" panose="02020603050405020304" pitchFamily="18" charset="0"/>
+            </a:endParaRPr>
+          </a:p>
+        </p:txBody>
+      </p:sp>
+      <p:sp>
+        <p:nvSpPr>
+          <p:cNvPr id="12" name="Title 1">
+            <a:extLst>
+              <a:ext uri="{FF2B5EF4-FFF2-40B4-BE49-F238E27FC236}">
+                <a16:creationId xmlns:a16="http://schemas.microsoft.com/office/drawing/2014/main" id="{144F5F6E-EA10-BB4F-8C58-D5C33D188059}"/>
+              </a:ext>
+            </a:extLst>
+          </p:cNvPr>
+          <p:cNvSpPr txBox="1">
+            <a:spLocks noChangeArrowheads="1"/>
+          </p:cNvSpPr>
+          <p:nvPr/>
+        </p:nvSpPr>
+        <p:spPr>
+          <a:xfrm>
+            <a:off x="1337234" y="942121"/>
+            <a:ext cx="9652000" cy="548062"/>
+          </a:xfrm>
+          <a:prstGeom prst="rect">
+            <a:avLst/>
+          </a:prstGeom>
+        </p:spPr>
+        <p:txBody>
+          <a:bodyPr vert="horz" lIns="91440" tIns="45720" rIns="91440" bIns="45720" rtlCol="0" anchor="b">
+            <a:normAutofit lnSpcReduction="10000"/>
+          </a:bodyPr>
+          <a:lstStyle>
+            <a:lvl1pPr algn="ctr" defTabSz="914400" rtl="0" eaLnBrk="1" latinLnBrk="0" hangingPunct="1">
+              <a:lnSpc>
+                <a:spcPct val="90000"/>
+              </a:lnSpc>
+              <a:spcBef>
+                <a:spcPct val="0"/>
+              </a:spcBef>
+              <a:buNone/>
+              <a:defRPr sz="6000" kern="1200">
+                <a:solidFill>
+                  <a:schemeClr val="tx1"/>
+                </a:solidFill>
+                <a:latin typeface="+mj-lt"/>
+                <a:ea typeface="+mj-ea"/>
+                <a:cs typeface="+mj-cs"/>
+              </a:defRPr>
+            </a:lvl1pPr>
+          </a:lstStyle>
+          <a:p>
+            <a:r>
+              <a:rPr lang="en-US" altLang="en-US" sz="3600" dirty="0">
+                <a:latin typeface="Times New Roman" panose="02020603050405020304" pitchFamily="18" charset="0"/>
+                <a:cs typeface="Times New Roman" panose="02020603050405020304" pitchFamily="18" charset="0"/>
+              </a:rPr>
+              <a:t>Literature Survey – (Paper 14)</a:t>
+            </a:r>
+            <a:endParaRPr lang="en-IN" altLang="en-US" sz="3600" dirty="0">
+              <a:latin typeface="Times New Roman" panose="02020603050405020304" pitchFamily="18" charset="0"/>
+              <a:cs typeface="Times New Roman" panose="02020603050405020304" pitchFamily="18" charset="0"/>
+            </a:endParaRPr>
+          </a:p>
+        </p:txBody>
+      </p:sp>
+      <p:graphicFrame>
+        <p:nvGraphicFramePr>
+          <p:cNvPr id="14" name="Table 6">
+            <a:extLst>
+              <a:ext uri="{FF2B5EF4-FFF2-40B4-BE49-F238E27FC236}">
+                <a16:creationId xmlns:a16="http://schemas.microsoft.com/office/drawing/2014/main" id="{A5CB7970-0323-6D30-3AE5-211C6A413330}"/>
+              </a:ext>
+            </a:extLst>
+          </p:cNvPr>
+          <p:cNvGraphicFramePr>
+            <a:graphicFrameLocks/>
+          </p:cNvGraphicFramePr>
+          <p:nvPr>
+            <p:extLst>
+              <p:ext uri="{D42A27DB-BD31-4B8C-83A1-F6EECF244321}">
+                <p14:modId xmlns:p14="http://schemas.microsoft.com/office/powerpoint/2010/main" val="4043694639"/>
+              </p:ext>
+            </p:extLst>
+          </p:nvPr>
+        </p:nvGraphicFramePr>
+        <p:xfrm>
+          <a:off x="889000" y="1597900"/>
+          <a:ext cx="10414000" cy="4442274"/>
+        </p:xfrm>
+        <a:graphic>
+          <a:graphicData uri="http://schemas.openxmlformats.org/drawingml/2006/table">
+            <a:tbl>
+              <a:tblPr firstRow="1" bandRow="1">
+                <a:tableStyleId>{5940675A-B579-460E-94D1-54222C63F5DA}</a:tableStyleId>
+              </a:tblPr>
+              <a:tblGrid>
+                <a:gridCol w="717105">
+                  <a:extLst>
+                    <a:ext uri="{9D8B030D-6E8A-4147-A177-3AD203B41FA5}">
+                      <a16:colId xmlns:a16="http://schemas.microsoft.com/office/drawing/2014/main" val="20000"/>
+                    </a:ext>
+                  </a:extLst>
+                </a:gridCol>
+                <a:gridCol w="1233421">
+                  <a:extLst>
+                    <a:ext uri="{9D8B030D-6E8A-4147-A177-3AD203B41FA5}">
+                      <a16:colId xmlns:a16="http://schemas.microsoft.com/office/drawing/2014/main" val="20001"/>
+                    </a:ext>
+                  </a:extLst>
+                </a:gridCol>
+                <a:gridCol w="2538557">
+                  <a:extLst>
+                    <a:ext uri="{9D8B030D-6E8A-4147-A177-3AD203B41FA5}">
+                      <a16:colId xmlns:a16="http://schemas.microsoft.com/office/drawing/2014/main" val="20002"/>
+                    </a:ext>
+                  </a:extLst>
+                </a:gridCol>
+                <a:gridCol w="1722672">
+                  <a:extLst>
+                    <a:ext uri="{9D8B030D-6E8A-4147-A177-3AD203B41FA5}">
+                      <a16:colId xmlns:a16="http://schemas.microsoft.com/office/drawing/2014/main" val="20003"/>
+                    </a:ext>
+                  </a:extLst>
+                </a:gridCol>
+                <a:gridCol w="2251715">
+                  <a:extLst>
+                    <a:ext uri="{9D8B030D-6E8A-4147-A177-3AD203B41FA5}">
+                      <a16:colId xmlns:a16="http://schemas.microsoft.com/office/drawing/2014/main" val="20004"/>
+                    </a:ext>
+                  </a:extLst>
+                </a:gridCol>
+                <a:gridCol w="1950530">
+                  <a:extLst>
+                    <a:ext uri="{9D8B030D-6E8A-4147-A177-3AD203B41FA5}">
+                      <a16:colId xmlns:a16="http://schemas.microsoft.com/office/drawing/2014/main" val="20005"/>
+                    </a:ext>
+                  </a:extLst>
+                </a:gridCol>
+              </a:tblGrid>
+              <a:tr h="443909">
+                <a:tc>
+                  <a:txBody>
+                    <a:bodyPr/>
+                    <a:lstStyle/>
+                    <a:p>
+                      <a:pPr algn="just"/>
+                      <a:r>
+                        <a:rPr lang="en-US" sz="1200" b="1">
+                          <a:latin typeface="Times New Roman" panose="02020603050405020304" pitchFamily="18" charset="0"/>
+                          <a:cs typeface="Times New Roman" panose="02020603050405020304" pitchFamily="18" charset="0"/>
+                        </a:rPr>
+                        <a:t>Ref # &amp;Year</a:t>
+                      </a:r>
+                      <a:endParaRPr lang="en-IN" sz="1200" b="1">
+                        <a:latin typeface="Times New Roman" panose="02020603050405020304" pitchFamily="18" charset="0"/>
+                        <a:cs typeface="Times New Roman" panose="02020603050405020304" pitchFamily="18" charset="0"/>
+                      </a:endParaRPr>
+                    </a:p>
+                  </a:txBody>
+                  <a:tcPr marL="91437" marR="91437" marT="45728" marB="45728"/>
+                </a:tc>
+                <a:tc>
+                  <a:txBody>
+                    <a:bodyPr/>
+                    <a:lstStyle/>
+                    <a:p>
+                      <a:pPr algn="just"/>
+                      <a:r>
+                        <a:rPr lang="en-US" sz="1200" b="1" dirty="0">
+                          <a:latin typeface="Times New Roman" panose="02020603050405020304" pitchFamily="18" charset="0"/>
+                          <a:cs typeface="Times New Roman" panose="02020603050405020304" pitchFamily="18" charset="0"/>
+                        </a:rPr>
+                        <a:t>Title</a:t>
+                      </a:r>
+                      <a:endParaRPr lang="en-IN" sz="1200" b="1" dirty="0">
+                        <a:latin typeface="Times New Roman" panose="02020603050405020304" pitchFamily="18" charset="0"/>
+                        <a:cs typeface="Times New Roman" panose="02020603050405020304" pitchFamily="18" charset="0"/>
+                      </a:endParaRPr>
+                    </a:p>
+                  </a:txBody>
+                  <a:tcPr marL="91437" marR="91437" marT="45728" marB="45728"/>
+                </a:tc>
+                <a:tc>
+                  <a:txBody>
+                    <a:bodyPr/>
+                    <a:lstStyle/>
+                    <a:p>
+                      <a:pPr algn="just"/>
+                      <a:r>
+                        <a:rPr lang="en-US" sz="1200" b="1" dirty="0">
+                          <a:latin typeface="Times New Roman" panose="02020603050405020304" pitchFamily="18" charset="0"/>
+                          <a:cs typeface="Times New Roman" panose="02020603050405020304" pitchFamily="18" charset="0"/>
+                        </a:rPr>
+                        <a:t>Problem Statement</a:t>
+                      </a:r>
+                      <a:endParaRPr lang="en-IN" sz="1200" b="1" dirty="0">
+                        <a:latin typeface="Times New Roman" panose="02020603050405020304" pitchFamily="18" charset="0"/>
+                        <a:cs typeface="Times New Roman" panose="02020603050405020304" pitchFamily="18" charset="0"/>
+                      </a:endParaRPr>
+                    </a:p>
+                  </a:txBody>
+                  <a:tcPr marL="91437" marR="91437" marT="45728" marB="45728"/>
+                </a:tc>
+                <a:tc>
+                  <a:txBody>
+                    <a:bodyPr/>
+                    <a:lstStyle/>
+                    <a:p>
+                      <a:pPr algn="just"/>
+                      <a:r>
+                        <a:rPr lang="en-US" sz="1200" b="1" dirty="0">
+                          <a:latin typeface="Times New Roman" panose="02020603050405020304" pitchFamily="18" charset="0"/>
+                          <a:cs typeface="Times New Roman" panose="02020603050405020304" pitchFamily="18" charset="0"/>
+                        </a:rPr>
+                        <a:t>Dataset</a:t>
+                      </a:r>
+                      <a:endParaRPr lang="en-IN" sz="1200" b="1" dirty="0">
+                        <a:latin typeface="Times New Roman" panose="02020603050405020304" pitchFamily="18" charset="0"/>
+                        <a:cs typeface="Times New Roman" panose="02020603050405020304" pitchFamily="18" charset="0"/>
+                      </a:endParaRPr>
+                    </a:p>
+                  </a:txBody>
+                  <a:tcPr marL="91437" marR="91437" marT="45728" marB="45728"/>
+                </a:tc>
+                <a:tc>
+                  <a:txBody>
+                    <a:bodyPr/>
+                    <a:lstStyle/>
+                    <a:p>
+                      <a:pPr algn="just"/>
+                      <a:r>
+                        <a:rPr lang="en-US" sz="1200" b="1" dirty="0">
+                          <a:latin typeface="Times New Roman" panose="02020603050405020304" pitchFamily="18" charset="0"/>
+                          <a:cs typeface="Times New Roman" panose="02020603050405020304" pitchFamily="18" charset="0"/>
+                        </a:rPr>
+                        <a:t>Methodology</a:t>
+                      </a:r>
+                      <a:endParaRPr lang="en-IN" sz="1200" b="1" dirty="0">
+                        <a:latin typeface="Times New Roman" panose="02020603050405020304" pitchFamily="18" charset="0"/>
+                        <a:cs typeface="Times New Roman" panose="02020603050405020304" pitchFamily="18" charset="0"/>
+                      </a:endParaRPr>
+                    </a:p>
+                  </a:txBody>
+                  <a:tcPr marL="91437" marR="91437" marT="45735" marB="45735"/>
+                </a:tc>
+                <a:tc>
+                  <a:txBody>
+                    <a:bodyPr/>
+                    <a:lstStyle/>
+                    <a:p>
+                      <a:pPr algn="just"/>
+                      <a:r>
+                        <a:rPr lang="en-US" sz="1200" b="1">
+                          <a:latin typeface="Times New Roman" panose="02020603050405020304" pitchFamily="18" charset="0"/>
+                          <a:cs typeface="Times New Roman" panose="02020603050405020304" pitchFamily="18" charset="0"/>
+                        </a:rPr>
+                        <a:t>Performance Metrics</a:t>
+                      </a:r>
+                      <a:endParaRPr lang="en-IN" sz="1200" b="1">
+                        <a:latin typeface="Times New Roman" panose="02020603050405020304" pitchFamily="18" charset="0"/>
+                        <a:cs typeface="Times New Roman" panose="02020603050405020304" pitchFamily="18" charset="0"/>
+                      </a:endParaRPr>
+                    </a:p>
+                  </a:txBody>
+                  <a:tcPr marL="91437" marR="91437" marT="45735" marB="45735"/>
+                </a:tc>
+                <a:extLst>
+                  <a:ext uri="{0D108BD9-81ED-4DB2-BD59-A6C34878D82A}">
+                    <a16:rowId xmlns:a16="http://schemas.microsoft.com/office/drawing/2014/main" val="10000"/>
+                  </a:ext>
+                </a:extLst>
+              </a:tr>
+              <a:tr h="3985058">
+                <a:tc>
+                  <a:txBody>
+                    <a:bodyPr/>
+                    <a:lstStyle/>
+                    <a:p>
+                      <a:pPr algn="just"/>
+                      <a:r>
+                        <a:rPr lang="en-IN" sz="1200" dirty="0">
+                          <a:latin typeface="Times New Roman" panose="02020603050405020304" pitchFamily="18" charset="0"/>
+                          <a:cs typeface="Times New Roman" panose="02020603050405020304" pitchFamily="18" charset="0"/>
+                        </a:rPr>
+                        <a:t>04 October 2024</a:t>
+                      </a:r>
+                    </a:p>
+                  </a:txBody>
+                  <a:tcPr marL="91437" marR="91437" marT="45728" marB="45728"/>
+                </a:tc>
+                <a:tc>
+                  <a:txBody>
+                    <a:bodyPr/>
+                    <a:lstStyle/>
+                    <a:p>
+                      <a:r>
+                        <a:rPr lang="en-IN" sz="1200" b="0" kern="1200" dirty="0" err="1">
+                          <a:solidFill>
+                            <a:schemeClr val="tx1"/>
+                          </a:solidFill>
+                          <a:effectLst/>
+                          <a:latin typeface="Times New Roman" panose="02020603050405020304" pitchFamily="18" charset="0"/>
+                          <a:ea typeface="+mn-ea"/>
+                          <a:cs typeface="Times New Roman" panose="02020603050405020304" pitchFamily="18" charset="0"/>
+                        </a:rPr>
+                        <a:t>Resspar</a:t>
+                      </a:r>
+                      <a:r>
+                        <a:rPr lang="en-IN" sz="1200" b="0" kern="1200" dirty="0">
+                          <a:solidFill>
+                            <a:schemeClr val="tx1"/>
+                          </a:solidFill>
+                          <a:effectLst/>
+                          <a:latin typeface="Times New Roman" panose="02020603050405020304" pitchFamily="18" charset="0"/>
+                          <a:ea typeface="+mn-ea"/>
+                          <a:cs typeface="Times New Roman" panose="02020603050405020304" pitchFamily="18" charset="0"/>
+                        </a:rPr>
+                        <a:t>: AI-Driven Resume Parsing and Recruitment System using NLP and Generative AI</a:t>
+                      </a:r>
+                    </a:p>
+                  </a:txBody>
+                  <a:tcPr marL="91437" marR="91437" marT="45728" marB="45728"/>
+                </a:tc>
+                <a:tc>
+                  <a:txBody>
+                    <a:bodyPr/>
+                    <a:lstStyle/>
+                    <a:p>
+                      <a:pPr marL="0" marR="0" lvl="0" indent="0" algn="just" defTabSz="914400" rtl="0" eaLnBrk="1" fontAlgn="auto" latinLnBrk="0" hangingPunct="1">
+                        <a:lnSpc>
+                          <a:spcPct val="100000"/>
+                        </a:lnSpc>
+                        <a:spcBef>
+                          <a:spcPts val="0"/>
+                        </a:spcBef>
+                        <a:spcAft>
+                          <a:spcPts val="0"/>
+                        </a:spcAft>
+                        <a:buClrTx/>
+                        <a:buSzTx/>
+                        <a:buFont typeface="Arial" panose="020B0604020202020204" pitchFamily="34" charset="0"/>
+                        <a:buNone/>
+                        <a:tabLst/>
+                        <a:defRPr/>
+                      </a:pPr>
+                      <a:r>
+                        <a:rPr lang="en-IN" sz="1200" kern="1200" dirty="0">
+                          <a:solidFill>
+                            <a:schemeClr val="tx1"/>
+                          </a:solidFill>
+                          <a:effectLst/>
+                          <a:latin typeface="Times New Roman" panose="02020603050405020304" pitchFamily="18" charset="0"/>
+                          <a:ea typeface="+mn-ea"/>
+                          <a:cs typeface="Times New Roman" panose="02020603050405020304" pitchFamily="18" charset="0"/>
+                        </a:rPr>
+                        <a:t>Develop a web-based resume parsing and recruitment system, "</a:t>
+                      </a:r>
+                      <a:r>
+                        <a:rPr lang="en-IN" sz="1200" kern="1200" dirty="0" err="1">
+                          <a:solidFill>
+                            <a:schemeClr val="tx1"/>
+                          </a:solidFill>
+                          <a:effectLst/>
+                          <a:latin typeface="Times New Roman" panose="02020603050405020304" pitchFamily="18" charset="0"/>
+                          <a:ea typeface="+mn-ea"/>
+                          <a:cs typeface="Times New Roman" panose="02020603050405020304" pitchFamily="18" charset="0"/>
+                        </a:rPr>
+                        <a:t>Resspar</a:t>
+                      </a:r>
+                      <a:r>
+                        <a:rPr lang="en-IN" sz="1200" kern="1200" dirty="0">
+                          <a:solidFill>
+                            <a:schemeClr val="tx1"/>
+                          </a:solidFill>
+                          <a:effectLst/>
+                          <a:latin typeface="Times New Roman" panose="02020603050405020304" pitchFamily="18" charset="0"/>
+                          <a:ea typeface="+mn-ea"/>
+                          <a:cs typeface="Times New Roman" panose="02020603050405020304" pitchFamily="18" charset="0"/>
+                        </a:rPr>
+                        <a:t>," that leverages NLP, Generative AI, and prompt engineering to streamline candidate selection processes for recruiters. The system should allow users to upload resumes in PDF format, parse relevant data such as names, emails, phone numbers, and skills using AI-driven algorithms, and store extracted information in a structured SQLite database for efficient retrieval and filtering.</a:t>
+                      </a:r>
+                    </a:p>
+                    <a:p>
+                      <a:pPr marL="0" indent="0" algn="just">
+                        <a:buFont typeface="Arial" panose="020B0604020202020204" pitchFamily="34" charset="0"/>
+                        <a:buNone/>
+                      </a:pPr>
+                      <a:endParaRPr lang="en-US" sz="1200" dirty="0">
+                        <a:latin typeface="Times New Roman" panose="02020603050405020304" pitchFamily="18" charset="0"/>
+                        <a:cs typeface="Times New Roman" panose="02020603050405020304" pitchFamily="18" charset="0"/>
+                      </a:endParaRPr>
+                    </a:p>
+                  </a:txBody>
+                  <a:tcPr marL="91437" marR="91437" marT="45728" marB="45728"/>
+                </a:tc>
+                <a:tc>
+                  <a:txBody>
+                    <a:bodyPr/>
+                    <a:lstStyle/>
+                    <a:p>
+                      <a:pPr marL="171450" lvl="0" indent="-171450">
+                        <a:buFont typeface="Arial" panose="020B0604020202020204" pitchFamily="34" charset="0"/>
+                        <a:buChar char="•"/>
+                      </a:pPr>
+                      <a:r>
+                        <a:rPr lang="en-IN" sz="1200" b="0" kern="1200" dirty="0">
+                          <a:solidFill>
+                            <a:schemeClr val="tx1"/>
+                          </a:solidFill>
+                          <a:effectLst/>
+                          <a:latin typeface="Times New Roman" panose="02020603050405020304" pitchFamily="18" charset="0"/>
+                          <a:ea typeface="+mn-ea"/>
+                          <a:cs typeface="Times New Roman" panose="02020603050405020304" pitchFamily="18" charset="0"/>
+                        </a:rPr>
+                        <a:t>Parsed Resume Data</a:t>
+                      </a:r>
+                    </a:p>
+                    <a:p>
+                      <a:pPr marL="171450" lvl="0" indent="-171450">
+                        <a:buFont typeface="Arial" panose="020B0604020202020204" pitchFamily="34" charset="0"/>
+                        <a:buChar char="•"/>
+                      </a:pPr>
+                      <a:r>
+                        <a:rPr lang="en-IN" sz="1200" b="0" kern="1200" dirty="0">
+                          <a:solidFill>
+                            <a:schemeClr val="tx1"/>
+                          </a:solidFill>
+                          <a:effectLst/>
+                          <a:latin typeface="Times New Roman" panose="02020603050405020304" pitchFamily="18" charset="0"/>
+                          <a:ea typeface="+mn-ea"/>
+                          <a:cs typeface="Times New Roman" panose="02020603050405020304" pitchFamily="18" charset="0"/>
+                        </a:rPr>
+                        <a:t>User Authentication Data:</a:t>
+                      </a:r>
+                    </a:p>
+                    <a:p>
+                      <a:pPr marL="171450" lvl="0" indent="-171450">
+                        <a:buFont typeface="Arial" panose="020B0604020202020204" pitchFamily="34" charset="0"/>
+                        <a:buChar char="•"/>
+                      </a:pPr>
+                      <a:r>
+                        <a:rPr lang="en-IN" sz="1200" b="0" kern="1200" dirty="0">
+                          <a:solidFill>
+                            <a:schemeClr val="tx1"/>
+                          </a:solidFill>
+                          <a:effectLst/>
+                          <a:latin typeface="Times New Roman" panose="02020603050405020304" pitchFamily="18" charset="0"/>
+                          <a:ea typeface="+mn-ea"/>
+                          <a:cs typeface="Times New Roman" panose="02020603050405020304" pitchFamily="18" charset="0"/>
+                        </a:rPr>
+                        <a:t>Job Role and Skill Criteria</a:t>
+                      </a:r>
+                    </a:p>
+                    <a:p>
+                      <a:pPr marL="171450" lvl="0" indent="-171450">
+                        <a:buFont typeface="Arial" panose="020B0604020202020204" pitchFamily="34" charset="0"/>
+                        <a:buChar char="•"/>
+                      </a:pPr>
+                      <a:r>
+                        <a:rPr lang="en-IN" sz="1200" b="0" kern="1200" dirty="0">
+                          <a:solidFill>
+                            <a:schemeClr val="tx1"/>
+                          </a:solidFill>
+                          <a:effectLst/>
+                          <a:latin typeface="Times New Roman" panose="02020603050405020304" pitchFamily="18" charset="0"/>
+                          <a:ea typeface="+mn-ea"/>
+                          <a:cs typeface="Times New Roman" panose="02020603050405020304" pitchFamily="18" charset="0"/>
+                        </a:rPr>
+                        <a:t>Text Index for Resumes and Job Descriptions</a:t>
+                      </a:r>
+                      <a:endParaRPr lang="en-GB" sz="1200" b="0" i="0" kern="1200" dirty="0">
+                        <a:solidFill>
+                          <a:schemeClr val="tx1"/>
+                        </a:solidFill>
+                        <a:effectLst/>
+                        <a:latin typeface="Times New Roman" panose="02020603050405020304" pitchFamily="18" charset="0"/>
+                        <a:ea typeface="+mn-ea"/>
+                        <a:cs typeface="Times New Roman" panose="02020603050405020304" pitchFamily="18" charset="0"/>
+                      </a:endParaRPr>
+                    </a:p>
+                  </a:txBody>
+                  <a:tcPr marL="91437" marR="91437" marT="45728" marB="45728"/>
+                </a:tc>
+                <a:tc>
+                  <a:txBody>
+                    <a:bodyPr/>
+                    <a:lstStyle/>
+                    <a:p>
+                      <a:pPr marL="171450" lvl="0" indent="-171450">
+                        <a:buFont typeface="Arial" panose="020B0604020202020204" pitchFamily="34" charset="0"/>
+                        <a:buChar char="•"/>
+                      </a:pPr>
+                      <a:r>
+                        <a:rPr lang="en-IN" sz="1200" b="0" kern="1200" dirty="0">
+                          <a:solidFill>
+                            <a:schemeClr val="tx1"/>
+                          </a:solidFill>
+                          <a:effectLst/>
+                          <a:latin typeface="Times New Roman" panose="02020603050405020304" pitchFamily="18" charset="0"/>
+                          <a:ea typeface="+mn-ea"/>
+                          <a:cs typeface="Times New Roman" panose="02020603050405020304" pitchFamily="18" charset="0"/>
+                        </a:rPr>
+                        <a:t>Natural Language Processing (NLP)</a:t>
+                      </a:r>
+                    </a:p>
+                    <a:p>
+                      <a:pPr marL="171450" lvl="0" indent="-171450">
+                        <a:buFont typeface="Arial" panose="020B0604020202020204" pitchFamily="34" charset="0"/>
+                        <a:buChar char="•"/>
+                      </a:pPr>
+                      <a:r>
+                        <a:rPr lang="en-IN" sz="1200" b="0" kern="1200" dirty="0">
+                          <a:solidFill>
+                            <a:schemeClr val="tx1"/>
+                          </a:solidFill>
+                          <a:effectLst/>
+                          <a:latin typeface="Times New Roman" panose="02020603050405020304" pitchFamily="18" charset="0"/>
+                          <a:ea typeface="+mn-ea"/>
+                          <a:cs typeface="Times New Roman" panose="02020603050405020304" pitchFamily="18" charset="0"/>
+                        </a:rPr>
+                        <a:t>Generative AI</a:t>
+                      </a:r>
+                    </a:p>
+                    <a:p>
+                      <a:pPr marL="171450" lvl="0" indent="-171450">
+                        <a:buFont typeface="Arial" panose="020B0604020202020204" pitchFamily="34" charset="0"/>
+                        <a:buChar char="•"/>
+                      </a:pPr>
+                      <a:r>
+                        <a:rPr lang="en-IN" sz="1200" b="0" kern="1200" dirty="0">
+                          <a:solidFill>
+                            <a:schemeClr val="tx1"/>
+                          </a:solidFill>
+                          <a:effectLst/>
+                          <a:latin typeface="Times New Roman" panose="02020603050405020304" pitchFamily="18" charset="0"/>
+                          <a:ea typeface="+mn-ea"/>
+                          <a:cs typeface="Times New Roman" panose="02020603050405020304" pitchFamily="18" charset="0"/>
+                        </a:rPr>
+                        <a:t>Data Extraction Algorithms</a:t>
+                      </a:r>
+                    </a:p>
+                    <a:p>
+                      <a:pPr marL="171450" lvl="0" indent="-171450">
+                        <a:buFont typeface="Arial" panose="020B0604020202020204" pitchFamily="34" charset="0"/>
+                        <a:buChar char="•"/>
+                      </a:pPr>
+                      <a:r>
+                        <a:rPr lang="en-IN" sz="1200" b="0" kern="1200" dirty="0">
+                          <a:solidFill>
+                            <a:schemeClr val="tx1"/>
+                          </a:solidFill>
+                          <a:effectLst/>
+                          <a:latin typeface="Times New Roman" panose="02020603050405020304" pitchFamily="18" charset="0"/>
+                          <a:ea typeface="+mn-ea"/>
+                          <a:cs typeface="Times New Roman" panose="02020603050405020304" pitchFamily="18" charset="0"/>
+                        </a:rPr>
+                        <a:t>SQLite Database Management</a:t>
+                      </a:r>
+                    </a:p>
+                    <a:p>
+                      <a:pPr marL="171450" lvl="0" indent="-171450">
+                        <a:buFont typeface="Arial" panose="020B0604020202020204" pitchFamily="34" charset="0"/>
+                        <a:buChar char="•"/>
+                      </a:pPr>
+                      <a:r>
+                        <a:rPr lang="en-IN" sz="1200" b="0" kern="1200" dirty="0">
+                          <a:solidFill>
+                            <a:schemeClr val="tx1"/>
+                          </a:solidFill>
+                          <a:effectLst/>
+                          <a:latin typeface="Times New Roman" panose="02020603050405020304" pitchFamily="18" charset="0"/>
+                          <a:ea typeface="+mn-ea"/>
+                          <a:cs typeface="Times New Roman" panose="02020603050405020304" pitchFamily="18" charset="0"/>
+                        </a:rPr>
+                        <a:t>Filtering Mechanism</a:t>
+                      </a:r>
+                    </a:p>
+                    <a:p>
+                      <a:pPr marL="171450" lvl="0" indent="-171450">
+                        <a:buFont typeface="Arial" panose="020B0604020202020204" pitchFamily="34" charset="0"/>
+                        <a:buChar char="•"/>
+                      </a:pPr>
+                      <a:r>
+                        <a:rPr lang="en-IN" sz="1200" b="0" kern="1200" dirty="0">
+                          <a:solidFill>
+                            <a:schemeClr val="tx1"/>
+                          </a:solidFill>
+                          <a:effectLst/>
+                          <a:latin typeface="Times New Roman" panose="02020603050405020304" pitchFamily="18" charset="0"/>
+                          <a:ea typeface="+mn-ea"/>
+                          <a:cs typeface="Times New Roman" panose="02020603050405020304" pitchFamily="18" charset="0"/>
+                        </a:rPr>
+                        <a:t>Security Measures</a:t>
+                      </a:r>
+                      <a:endParaRPr lang="en-GB" sz="1200" b="0" u="none" strike="noStrike" noProof="0" dirty="0">
+                        <a:solidFill>
+                          <a:srgbClr val="000000"/>
+                        </a:solidFill>
+                        <a:latin typeface="Times New Roman" panose="02020603050405020304" pitchFamily="18" charset="0"/>
+                        <a:cs typeface="Times New Roman" panose="02020603050405020304" pitchFamily="18" charset="0"/>
+                      </a:endParaRPr>
+                    </a:p>
+                  </a:txBody>
+                  <a:tcPr marL="91437" marR="91437" marT="45735" marB="45735"/>
+                </a:tc>
+                <a:tc>
+                  <a:txBody>
+                    <a:bodyPr/>
+                    <a:lstStyle/>
+                    <a:p>
+                      <a:pPr marL="171450" indent="-171450">
+                        <a:buFont typeface="Arial" panose="020B0604020202020204" pitchFamily="34" charset="0"/>
+                        <a:buChar char="•"/>
+                      </a:pPr>
+                      <a:r>
+                        <a:rPr lang="en-IN" sz="1200" kern="1200" dirty="0">
+                          <a:solidFill>
+                            <a:schemeClr val="tx1"/>
+                          </a:solidFill>
+                          <a:effectLst/>
+                          <a:latin typeface="Times New Roman" panose="02020603050405020304" pitchFamily="18" charset="0"/>
+                          <a:ea typeface="+mn-ea"/>
+                          <a:cs typeface="Times New Roman" panose="02020603050405020304" pitchFamily="18" charset="0"/>
+                        </a:rPr>
+                        <a:t>Accuracy of Data Extraction</a:t>
+                      </a:r>
+                    </a:p>
+                    <a:p>
+                      <a:pPr marL="171450" indent="-171450">
+                        <a:buFont typeface="Arial" panose="020B0604020202020204" pitchFamily="34" charset="0"/>
+                        <a:buChar char="•"/>
+                      </a:pPr>
+                      <a:r>
+                        <a:rPr lang="en-IN" sz="1200" kern="1200" dirty="0">
+                          <a:solidFill>
+                            <a:schemeClr val="tx1"/>
+                          </a:solidFill>
+                          <a:effectLst/>
+                          <a:latin typeface="Times New Roman" panose="02020603050405020304" pitchFamily="18" charset="0"/>
+                          <a:ea typeface="+mn-ea"/>
+                          <a:cs typeface="Times New Roman" panose="02020603050405020304" pitchFamily="18" charset="0"/>
+                        </a:rPr>
+                        <a:t>Processing Speed</a:t>
+                      </a:r>
+                    </a:p>
+                    <a:p>
+                      <a:pPr marL="171450" indent="-171450" algn="just">
+                        <a:buFont typeface="Arial" panose="020B0604020202020204" pitchFamily="34" charset="0"/>
+                        <a:buChar char="•"/>
+                      </a:pPr>
+                      <a:endParaRPr lang="en-US" sz="1200" dirty="0">
+                        <a:latin typeface="Times New Roman" panose="02020603050405020304" pitchFamily="18" charset="0"/>
+                        <a:cs typeface="Times New Roman" panose="02020603050405020304" pitchFamily="18" charset="0"/>
+                      </a:endParaRPr>
+                    </a:p>
+                  </a:txBody>
+                  <a:tcPr marL="91437" marR="91437" marT="45735" marB="45735"/>
+                </a:tc>
+                <a:extLst>
+                  <a:ext uri="{0D108BD9-81ED-4DB2-BD59-A6C34878D82A}">
+                    <a16:rowId xmlns:a16="http://schemas.microsoft.com/office/drawing/2014/main" val="10001"/>
+                  </a:ext>
+                </a:extLst>
+              </a:tr>
+            </a:tbl>
+          </a:graphicData>
+        </a:graphic>
+      </p:graphicFrame>
+      <p:sp>
+        <p:nvSpPr>
+          <p:cNvPr id="10" name="TextBox 9">
+            <a:extLst>
+              <a:ext uri="{FF2B5EF4-FFF2-40B4-BE49-F238E27FC236}">
+                <a16:creationId xmlns:a16="http://schemas.microsoft.com/office/drawing/2014/main" id="{E60916DA-4FAA-5906-8BD7-3B84FB16E989}"/>
+              </a:ext>
+            </a:extLst>
+          </p:cNvPr>
+          <p:cNvSpPr txBox="1"/>
+          <p:nvPr/>
+        </p:nvSpPr>
+        <p:spPr>
+          <a:xfrm>
+            <a:off x="2248182" y="176680"/>
+            <a:ext cx="7830105" cy="550600"/>
+          </a:xfrm>
+          <a:prstGeom prst="rect">
+            <a:avLst/>
+          </a:prstGeom>
+          <a:noFill/>
+        </p:spPr>
+        <p:txBody>
+          <a:bodyPr wrap="square" lIns="91440" tIns="45720" rIns="91440" bIns="45720" rtlCol="0" anchor="t">
+            <a:spAutoFit/>
+          </a:bodyPr>
+          <a:lstStyle/>
+          <a:p>
+            <a:pPr marL="0" marR="0" algn="ctr">
+              <a:lnSpc>
+                <a:spcPct val="115000"/>
+              </a:lnSpc>
+              <a:spcBef>
+                <a:spcPts val="0"/>
+              </a:spcBef>
+              <a:spcAft>
+                <a:spcPts val="0"/>
+              </a:spcAft>
+            </a:pPr>
+            <a:r>
+              <a:rPr lang="en-US" sz="1400" b="1" dirty="0">
+                <a:effectLst/>
+                <a:latin typeface="Times New Roman" panose="02020603050405020304" pitchFamily="18" charset="0"/>
+                <a:ea typeface="Arial" panose="020B0604020202020204" pitchFamily="34" charset="0"/>
+              </a:rPr>
+              <a:t>RAG Enhanced Assistive Software For Career Guidance</a:t>
+            </a:r>
+            <a:br>
+              <a:rPr lang="en-US" sz="1400" b="1" dirty="0">
+                <a:effectLst/>
+                <a:latin typeface="Times New Roman" panose="02020603050405020304" pitchFamily="18" charset="0"/>
+                <a:ea typeface="Arial" panose="020B0604020202020204" pitchFamily="34" charset="0"/>
+              </a:rPr>
+            </a:br>
+            <a:endParaRPr lang="en-US" sz="1300" dirty="0">
+              <a:effectLst/>
+              <a:latin typeface="Arial" panose="020B0604020202020204" pitchFamily="34" charset="0"/>
+              <a:ea typeface="Arial" panose="020B0604020202020204" pitchFamily="34" charset="0"/>
+            </a:endParaRPr>
+          </a:p>
+        </p:txBody>
+      </p:sp>
+      <p:sp>
+        <p:nvSpPr>
+          <p:cNvPr id="9" name="Slide Number Placeholder 7">
+            <a:extLst>
+              <a:ext uri="{FF2B5EF4-FFF2-40B4-BE49-F238E27FC236}">
+                <a16:creationId xmlns:a16="http://schemas.microsoft.com/office/drawing/2014/main" id="{599DAEF0-2C44-37A7-C8BD-3C3B2F84D593}"/>
+              </a:ext>
+            </a:extLst>
+          </p:cNvPr>
+          <p:cNvSpPr>
+            <a:spLocks noGrp="1"/>
+          </p:cNvSpPr>
+          <p:nvPr>
+            <p:ph type="sldNum" sz="quarter" idx="12"/>
+          </p:nvPr>
+        </p:nvSpPr>
+        <p:spPr>
+          <a:xfrm>
+            <a:off x="3420034" y="6467755"/>
+            <a:ext cx="2743200" cy="365125"/>
+          </a:xfrm>
+        </p:spPr>
+        <p:txBody>
+          <a:bodyPr/>
+          <a:lstStyle/>
+          <a:p>
+            <a:fld id="{12EC02DA-033E-4E45-979C-FC77C52540B5}" type="slidenum">
+              <a:rPr lang="en-IN" sz="2000" smtClean="0">
+                <a:solidFill>
+                  <a:schemeClr val="tx1"/>
+                </a:solidFill>
+              </a:rPr>
+              <a:pPr/>
+              <a:t>20</a:t>
+            </a:fld>
+            <a:endParaRPr lang="en-IN" sz="2000" dirty="0">
+              <a:solidFill>
+                <a:schemeClr val="tx1"/>
+              </a:solidFill>
+            </a:endParaRPr>
+          </a:p>
+        </p:txBody>
+      </p:sp>
+    </p:spTree>
+    <p:extLst>
+      <p:ext uri="{BB962C8B-B14F-4D97-AF65-F5344CB8AC3E}">
+        <p14:creationId xmlns:p14="http://schemas.microsoft.com/office/powerpoint/2010/main" val="2502895417"/>
+      </p:ext>
+    </p:extLst>
+  </p:cSld>
+  <p:clrMapOvr>
+    <a:masterClrMapping/>
+  </p:clrMapOvr>
+</p:sld>
+</file>
+
+<file path=ppt/slides/slide21.xml><?xml version="1.0" encoding="utf-8"?>
+<p:sld xmlns:a="http://schemas.openxmlformats.org/drawingml/2006/main" xmlns:r="http://schemas.openxmlformats.org/officeDocument/2006/relationships" xmlns:p="http://schemas.openxmlformats.org/presentationml/2006/main">
+  <p:cSld>
+    <p:spTree>
+      <p:nvGrpSpPr>
         <p:cNvPr id="1" name=""/>
         <p:cNvGrpSpPr/>
         <p:nvPr/>
@@ -18129,7 +22230,7 @@
                 <a:latin typeface="Times New Roman" panose="02020603050405020304" pitchFamily="18" charset="0"/>
                 <a:cs typeface="Times New Roman" panose="02020603050405020304" pitchFamily="18" charset="0"/>
               </a:rPr>
-              <a:t>23-09-2024</a:t>
+              <a:t>28-10-2024</a:t>
             </a:fld>
             <a:endParaRPr lang="en-IN" sz="2000">
               <a:solidFill>
@@ -18543,1441 +22644,6 @@
                 </a:solidFill>
               </a:rPr>
               <a:pPr/>
-              <a:t>18</a:t>
-            </a:fld>
-            <a:endParaRPr lang="en-IN" sz="2000" dirty="0">
-              <a:solidFill>
-                <a:schemeClr val="tx1"/>
-              </a:solidFill>
-            </a:endParaRPr>
-          </a:p>
-        </p:txBody>
-      </p:sp>
-    </p:spTree>
-  </p:cSld>
-  <p:clrMapOvr>
-    <a:masterClrMapping/>
-  </p:clrMapOvr>
-</p:sld>
-</file>
-
-<file path=ppt/slides/slide19.xml><?xml version="1.0" encoding="utf-8"?>
-<p:sld xmlns:a="http://schemas.openxmlformats.org/drawingml/2006/main" xmlns:r="http://schemas.openxmlformats.org/officeDocument/2006/relationships" xmlns:p="http://schemas.openxmlformats.org/presentationml/2006/main">
-  <p:cSld>
-    <p:spTree>
-      <p:nvGrpSpPr>
-        <p:cNvPr id="1" name=""/>
-        <p:cNvGrpSpPr/>
-        <p:nvPr/>
-      </p:nvGrpSpPr>
-      <p:grpSpPr>
-        <a:xfrm>
-          <a:off x="0" y="0"/>
-          <a:ext cx="0" cy="0"/>
-          <a:chOff x="0" y="0"/>
-          <a:chExt cx="0" cy="0"/>
-        </a:xfrm>
-      </p:grpSpPr>
-      <p:sp>
-        <p:nvSpPr>
-          <p:cNvPr id="4" name="Rectangle: Rounded Corners 3"/>
-          <p:cNvSpPr/>
-          <p:nvPr/>
-        </p:nvSpPr>
-        <p:spPr>
-          <a:xfrm>
-            <a:off x="555812" y="726142"/>
-            <a:ext cx="11214847" cy="5710518"/>
-          </a:xfrm>
-          <a:prstGeom prst="roundRect">
-            <a:avLst/>
-          </a:prstGeom>
-          <a:noFill/>
-          <a:ln w="38100">
-            <a:solidFill>
-              <a:schemeClr val="tx2">
-                <a:lumMod val="60000"/>
-                <a:lumOff val="40000"/>
-              </a:schemeClr>
-            </a:solidFill>
-          </a:ln>
-        </p:spPr>
-        <p:style>
-          <a:lnRef idx="2">
-            <a:schemeClr val="accent1"/>
-          </a:lnRef>
-          <a:fillRef idx="1">
-            <a:schemeClr val="lt1"/>
-          </a:fillRef>
-          <a:effectRef idx="0">
-            <a:schemeClr val="accent1"/>
-          </a:effectRef>
-          <a:fontRef idx="minor">
-            <a:schemeClr val="dk1"/>
-          </a:fontRef>
-        </p:style>
-        <p:txBody>
-          <a:bodyPr rtlCol="0" anchor="ctr"/>
-          <a:lstStyle/>
-          <a:p>
-            <a:pPr algn="ctr"/>
-            <a:endParaRPr lang="en-IN"/>
-          </a:p>
-        </p:txBody>
-      </p:sp>
-      <p:sp>
-        <p:nvSpPr>
-          <p:cNvPr id="6" name="Date Placeholder 5"/>
-          <p:cNvSpPr>
-            <a:spLocks noGrp="1" noEditPoints="1"/>
-          </p:cNvSpPr>
-          <p:nvPr>
-            <p:ph type="dt" sz="half" idx="10"/>
-          </p:nvPr>
-        </p:nvSpPr>
-        <p:spPr>
-          <a:xfrm>
-            <a:off x="468406" y="6467756"/>
-            <a:ext cx="2743200" cy="365125"/>
-          </a:xfrm>
-        </p:spPr>
-        <p:txBody>
-          <a:bodyPr/>
-          <a:lstStyle/>
-          <a:p>
-            <a:fld id="{F76BE253-6A07-4D6D-B44E-C11264FBA301}" type="datetime1">
-              <a:rPr lang="en-IN" sz="2000" smtClean="0">
-                <a:solidFill>
-                  <a:schemeClr val="tx1"/>
-                </a:solidFill>
-                <a:latin typeface="Times New Roman" panose="02020603050405020304" pitchFamily="18" charset="0"/>
-                <a:cs typeface="Times New Roman" panose="02020603050405020304" pitchFamily="18" charset="0"/>
-              </a:rPr>
-              <a:t>23-09-2024</a:t>
-            </a:fld>
-            <a:endParaRPr lang="en-IN" sz="2000">
-              <a:solidFill>
-                <a:schemeClr val="tx1"/>
-              </a:solidFill>
-              <a:latin typeface="Times New Roman" panose="02020603050405020304" pitchFamily="18" charset="0"/>
-              <a:cs typeface="Times New Roman" panose="02020603050405020304" pitchFamily="18" charset="0"/>
-            </a:endParaRPr>
-          </a:p>
-        </p:txBody>
-      </p:sp>
-      <p:sp>
-        <p:nvSpPr>
-          <p:cNvPr id="7" name="Footer Placeholder 6"/>
-          <p:cNvSpPr>
-            <a:spLocks noGrp="1" noEditPoints="1"/>
-          </p:cNvSpPr>
-          <p:nvPr>
-            <p:ph type="ftr" sz="quarter" idx="11"/>
-          </p:nvPr>
-        </p:nvSpPr>
-        <p:spPr>
-          <a:xfrm>
-            <a:off x="9663953" y="6436660"/>
-            <a:ext cx="2232211" cy="365125"/>
-          </a:xfrm>
-        </p:spPr>
-        <p:txBody>
-          <a:bodyPr/>
-          <a:lstStyle/>
-          <a:p>
-            <a:pPr lvl="1" algn="ctr"/>
-            <a:r>
-              <a:rPr lang="en-IN" sz="2400" dirty="0">
-                <a:latin typeface="Times New Roman"/>
-                <a:cs typeface="Times New Roman"/>
-              </a:rPr>
-              <a:t>Team 59</a:t>
-            </a:r>
-            <a:endParaRPr lang="en-IN" sz="2400" dirty="0">
-              <a:latin typeface="Times New Roman" panose="02020603050405020304" pitchFamily="18" charset="0"/>
-              <a:cs typeface="Times New Roman" panose="02020603050405020304" pitchFamily="18" charset="0"/>
-            </a:endParaRPr>
-          </a:p>
-        </p:txBody>
-      </p:sp>
-      <p:pic>
-        <p:nvPicPr>
-          <p:cNvPr id="1026" name="Picture 2" descr="Amrita Vishwa Vidyapeetham, Coimbatore: Courses, Fees ..."/>
-          <p:cNvPicPr>
-            <a:picLocks noChangeAspect="1" noChangeArrowheads="1"/>
-          </p:cNvPicPr>
-          <p:nvPr/>
-        </p:nvPicPr>
-        <p:blipFill>
-          <a:blip r:embed="rId3" cstate="print"/>
-          <a:srcRect/>
-          <a:stretch>
-            <a:fillRect/>
-          </a:stretch>
-        </p:blipFill>
-        <p:spPr bwMode="auto">
-          <a:xfrm>
-            <a:off x="31937" y="25119"/>
-            <a:ext cx="965000" cy="943069"/>
-          </a:xfrm>
-          <a:prstGeom prst="rect">
-            <a:avLst/>
-          </a:prstGeom>
-          <a:noFill/>
-        </p:spPr>
-      </p:pic>
-      <p:sp>
-        <p:nvSpPr>
-          <p:cNvPr id="8" name="Title 7"/>
-          <p:cNvSpPr>
-            <a:spLocks noGrp="1" noEditPoints="1"/>
-          </p:cNvSpPr>
-          <p:nvPr>
-            <p:ph type="ctrTitle"/>
-          </p:nvPr>
-        </p:nvSpPr>
-        <p:spPr>
-          <a:xfrm>
-            <a:off x="1524000" y="893763"/>
-            <a:ext cx="9144000" cy="968375"/>
-          </a:xfrm>
-        </p:spPr>
-        <p:txBody>
-          <a:bodyPr>
-            <a:normAutofit/>
-          </a:bodyPr>
-          <a:lstStyle/>
-          <a:p>
-            <a:r>
-              <a:rPr lang="en-IN" sz="3600" dirty="0">
-                <a:latin typeface="Times New Roman" panose="02020603050405020304" pitchFamily="18" charset="0"/>
-                <a:cs typeface="Times New Roman" panose="02020603050405020304" pitchFamily="18" charset="0"/>
-              </a:rPr>
-              <a:t>Problem Statement</a:t>
-            </a:r>
-          </a:p>
-        </p:txBody>
-      </p:sp>
-      <p:sp>
-        <p:nvSpPr>
-          <p:cNvPr id="10" name="Subtitle 9"/>
-          <p:cNvSpPr>
-            <a:spLocks noGrp="1" noEditPoints="1"/>
-          </p:cNvSpPr>
-          <p:nvPr>
-            <p:ph type="subTitle" idx="1"/>
-          </p:nvPr>
-        </p:nvSpPr>
-        <p:spPr>
-          <a:xfrm>
-            <a:off x="1361197" y="2264015"/>
-            <a:ext cx="9704716" cy="2874962"/>
-          </a:xfrm>
-        </p:spPr>
-        <p:txBody>
-          <a:bodyPr vert="horz" lIns="91440" tIns="45720" rIns="91440" bIns="45720" rtlCol="0" anchor="t">
-            <a:normAutofit/>
-          </a:bodyPr>
-          <a:lstStyle/>
-          <a:p>
-            <a:pPr algn="l"/>
-            <a:r>
-              <a:rPr lang="en-GB" b="0" i="0" dirty="0">
-                <a:solidFill>
-                  <a:srgbClr val="111111"/>
-                </a:solidFill>
-                <a:effectLst/>
-                <a:highlight>
-                  <a:srgbClr val="FFFFFF"/>
-                </a:highlight>
-                <a:latin typeface="Times New Roman" panose="02020603050405020304" pitchFamily="18" charset="0"/>
-                <a:cs typeface="Times New Roman" panose="02020603050405020304" pitchFamily="18" charset="0"/>
-              </a:rPr>
-              <a:t> To develop and evaluate a Retrieval-Augmented Generation (RAG) system that provides personalized career guidance by integrating user-specific data, including academic history and psychometric profiles, to enhance the accuracy and relevance of career recommendations.</a:t>
-            </a:r>
-          </a:p>
-          <a:p>
-            <a:pPr marL="342900" indent="-342900" algn="just">
-              <a:lnSpc>
-                <a:spcPct val="150000"/>
-              </a:lnSpc>
-              <a:buChar char="•"/>
-            </a:pPr>
-            <a:endParaRPr lang="en-IN" dirty="0">
-              <a:latin typeface="Times New Roman" panose="02020603050405020304" pitchFamily="18" charset="0"/>
-              <a:cs typeface="Times New Roman" panose="02020603050405020304" pitchFamily="18" charset="0"/>
-            </a:endParaRPr>
-          </a:p>
-        </p:txBody>
-      </p:sp>
-      <p:sp>
-        <p:nvSpPr>
-          <p:cNvPr id="3" name="TextBox 2">
-            <a:extLst>
-              <a:ext uri="{FF2B5EF4-FFF2-40B4-BE49-F238E27FC236}">
-                <a16:creationId xmlns:a16="http://schemas.microsoft.com/office/drawing/2014/main" id="{94F073A4-90D9-7279-E837-85D0996C9125}"/>
-              </a:ext>
-            </a:extLst>
-          </p:cNvPr>
-          <p:cNvSpPr txBox="1"/>
-          <p:nvPr/>
-        </p:nvSpPr>
-        <p:spPr>
-          <a:xfrm>
-            <a:off x="2248182" y="176680"/>
-            <a:ext cx="7830105" cy="550600"/>
-          </a:xfrm>
-          <a:prstGeom prst="rect">
-            <a:avLst/>
-          </a:prstGeom>
-          <a:noFill/>
-        </p:spPr>
-        <p:txBody>
-          <a:bodyPr wrap="square" lIns="91440" tIns="45720" rIns="91440" bIns="45720" rtlCol="0" anchor="t">
-            <a:spAutoFit/>
-          </a:bodyPr>
-          <a:lstStyle/>
-          <a:p>
-            <a:pPr marL="0" marR="0" algn="ctr">
-              <a:lnSpc>
-                <a:spcPct val="115000"/>
-              </a:lnSpc>
-              <a:spcBef>
-                <a:spcPts val="0"/>
-              </a:spcBef>
-              <a:spcAft>
-                <a:spcPts val="0"/>
-              </a:spcAft>
-            </a:pPr>
-            <a:r>
-              <a:rPr lang="en-US" sz="1400" b="1" dirty="0">
-                <a:effectLst/>
-                <a:latin typeface="Times New Roman" panose="02020603050405020304" pitchFamily="18" charset="0"/>
-                <a:ea typeface="Arial" panose="020B0604020202020204" pitchFamily="34" charset="0"/>
-              </a:rPr>
-              <a:t>RAG Enhanced Assistive Software For Career Guidance</a:t>
-            </a:r>
-            <a:br>
-              <a:rPr lang="en-US" sz="1400" b="1" dirty="0">
-                <a:effectLst/>
-                <a:latin typeface="Times New Roman" panose="02020603050405020304" pitchFamily="18" charset="0"/>
-                <a:ea typeface="Arial" panose="020B0604020202020204" pitchFamily="34" charset="0"/>
-              </a:rPr>
-            </a:br>
-            <a:endParaRPr lang="en-US" sz="1300" dirty="0">
-              <a:effectLst/>
-              <a:latin typeface="Arial" panose="020B0604020202020204" pitchFamily="34" charset="0"/>
-              <a:ea typeface="Arial" panose="020B0604020202020204" pitchFamily="34" charset="0"/>
-            </a:endParaRPr>
-          </a:p>
-        </p:txBody>
-      </p:sp>
-      <p:sp>
-        <p:nvSpPr>
-          <p:cNvPr id="5" name="Slide Number Placeholder 7">
-            <a:extLst>
-              <a:ext uri="{FF2B5EF4-FFF2-40B4-BE49-F238E27FC236}">
-                <a16:creationId xmlns:a16="http://schemas.microsoft.com/office/drawing/2014/main" id="{A52F0A9D-F900-E3FB-4383-0D4BA25882EB}"/>
-              </a:ext>
-            </a:extLst>
-          </p:cNvPr>
-          <p:cNvSpPr>
-            <a:spLocks noGrp="1"/>
-          </p:cNvSpPr>
-          <p:nvPr>
-            <p:ph type="sldNum" sz="quarter" idx="12"/>
-          </p:nvPr>
-        </p:nvSpPr>
-        <p:spPr>
-          <a:xfrm>
-            <a:off x="3420034" y="6467755"/>
-            <a:ext cx="2743200" cy="365125"/>
-          </a:xfrm>
-        </p:spPr>
-        <p:txBody>
-          <a:bodyPr/>
-          <a:lstStyle/>
-          <a:p>
-            <a:fld id="{12EC02DA-033E-4E45-979C-FC77C52540B5}" type="slidenum">
-              <a:rPr lang="en-IN" sz="2000" smtClean="0">
-                <a:solidFill>
-                  <a:schemeClr val="tx1"/>
-                </a:solidFill>
-              </a:rPr>
-              <a:pPr/>
-              <a:t>19</a:t>
-            </a:fld>
-            <a:endParaRPr lang="en-IN" sz="2000" dirty="0">
-              <a:solidFill>
-                <a:schemeClr val="tx1"/>
-              </a:solidFill>
-            </a:endParaRPr>
-          </a:p>
-        </p:txBody>
-      </p:sp>
-    </p:spTree>
-  </p:cSld>
-  <p:clrMapOvr>
-    <a:masterClrMapping/>
-  </p:clrMapOvr>
-</p:sld>
-</file>
-
-<file path=ppt/slides/slide2.xml><?xml version="1.0" encoding="utf-8"?>
-<p:sld xmlns:a="http://schemas.openxmlformats.org/drawingml/2006/main" xmlns:r="http://schemas.openxmlformats.org/officeDocument/2006/relationships" xmlns:p="http://schemas.openxmlformats.org/presentationml/2006/main">
-  <p:cSld>
-    <p:spTree>
-      <p:nvGrpSpPr>
-        <p:cNvPr id="1" name=""/>
-        <p:cNvGrpSpPr/>
-        <p:nvPr/>
-      </p:nvGrpSpPr>
-      <p:grpSpPr>
-        <a:xfrm>
-          <a:off x="0" y="0"/>
-          <a:ext cx="0" cy="0"/>
-          <a:chOff x="0" y="0"/>
-          <a:chExt cx="0" cy="0"/>
-        </a:xfrm>
-      </p:grpSpPr>
-      <p:sp>
-        <p:nvSpPr>
-          <p:cNvPr id="4" name="Rectangle: Rounded Corners 3"/>
-          <p:cNvSpPr/>
-          <p:nvPr/>
-        </p:nvSpPr>
-        <p:spPr>
-          <a:xfrm>
-            <a:off x="555812" y="726142"/>
-            <a:ext cx="11214847" cy="5710518"/>
-          </a:xfrm>
-          <a:prstGeom prst="roundRect">
-            <a:avLst/>
-          </a:prstGeom>
-          <a:noFill/>
-          <a:ln w="38100">
-            <a:solidFill>
-              <a:schemeClr val="tx2">
-                <a:lumMod val="60000"/>
-                <a:lumOff val="40000"/>
-              </a:schemeClr>
-            </a:solidFill>
-          </a:ln>
-        </p:spPr>
-        <p:style>
-          <a:lnRef idx="2">
-            <a:schemeClr val="accent1"/>
-          </a:lnRef>
-          <a:fillRef idx="1">
-            <a:schemeClr val="lt1"/>
-          </a:fillRef>
-          <a:effectRef idx="0">
-            <a:schemeClr val="accent1"/>
-          </a:effectRef>
-          <a:fontRef idx="minor">
-            <a:schemeClr val="dk1"/>
-          </a:fontRef>
-        </p:style>
-        <p:txBody>
-          <a:bodyPr rtlCol="0" anchor="ctr"/>
-          <a:lstStyle/>
-          <a:p>
-            <a:pPr algn="ctr"/>
-            <a:endParaRPr lang="en-IN"/>
-          </a:p>
-        </p:txBody>
-      </p:sp>
-      <p:sp>
-        <p:nvSpPr>
-          <p:cNvPr id="6" name="Date Placeholder 5"/>
-          <p:cNvSpPr>
-            <a:spLocks noGrp="1" noEditPoints="1"/>
-          </p:cNvSpPr>
-          <p:nvPr>
-            <p:ph type="dt" sz="half" idx="10"/>
-          </p:nvPr>
-        </p:nvSpPr>
-        <p:spPr>
-          <a:xfrm>
-            <a:off x="468406" y="6467756"/>
-            <a:ext cx="2743200" cy="365125"/>
-          </a:xfrm>
-        </p:spPr>
-        <p:txBody>
-          <a:bodyPr/>
-          <a:lstStyle/>
-          <a:p>
-            <a:fld id="{72F443AB-E70A-4A18-93FC-342C218C08F8}" type="datetime1">
-              <a:rPr lang="en-IN" sz="2000" smtClean="0">
-                <a:solidFill>
-                  <a:schemeClr val="tx1"/>
-                </a:solidFill>
-                <a:latin typeface="Times New Roman" panose="02020603050405020304" pitchFamily="18" charset="0"/>
-                <a:cs typeface="Times New Roman" panose="02020603050405020304" pitchFamily="18" charset="0"/>
-              </a:rPr>
-              <a:t>23-09-2024</a:t>
-            </a:fld>
-            <a:endParaRPr lang="en-IN" sz="2000">
-              <a:solidFill>
-                <a:schemeClr val="tx1"/>
-              </a:solidFill>
-              <a:latin typeface="Times New Roman" panose="02020603050405020304" pitchFamily="18" charset="0"/>
-              <a:cs typeface="Times New Roman" panose="02020603050405020304" pitchFamily="18" charset="0"/>
-            </a:endParaRPr>
-          </a:p>
-        </p:txBody>
-      </p:sp>
-      <p:sp>
-        <p:nvSpPr>
-          <p:cNvPr id="7" name="Footer Placeholder 6"/>
-          <p:cNvSpPr>
-            <a:spLocks noGrp="1" noEditPoints="1"/>
-          </p:cNvSpPr>
-          <p:nvPr>
-            <p:ph type="ftr" sz="quarter" idx="11"/>
-          </p:nvPr>
-        </p:nvSpPr>
-        <p:spPr>
-          <a:xfrm>
-            <a:off x="9640048" y="6436660"/>
-            <a:ext cx="2232211" cy="365125"/>
-          </a:xfrm>
-        </p:spPr>
-        <p:txBody>
-          <a:bodyPr/>
-          <a:lstStyle/>
-          <a:p>
-            <a:pPr lvl="1" algn="ctr"/>
-            <a:r>
-              <a:rPr lang="en-IN" sz="2400" dirty="0">
-                <a:latin typeface="Times New Roman"/>
-                <a:cs typeface="Times New Roman"/>
-              </a:rPr>
-              <a:t>Team 59</a:t>
-            </a:r>
-            <a:endParaRPr lang="en-IN" sz="2400" dirty="0">
-              <a:latin typeface="Times New Roman" panose="02020603050405020304" pitchFamily="18" charset="0"/>
-              <a:cs typeface="Times New Roman" panose="02020603050405020304" pitchFamily="18" charset="0"/>
-            </a:endParaRPr>
-          </a:p>
-        </p:txBody>
-      </p:sp>
-      <p:pic>
-        <p:nvPicPr>
-          <p:cNvPr id="1026" name="Picture 2" descr="Amrita Vishwa Vidyapeetham, Coimbatore: Courses, Fees ..."/>
-          <p:cNvPicPr>
-            <a:picLocks noChangeAspect="1" noChangeArrowheads="1"/>
-          </p:cNvPicPr>
-          <p:nvPr/>
-        </p:nvPicPr>
-        <p:blipFill>
-          <a:blip r:embed="rId3" cstate="print"/>
-          <a:srcRect/>
-          <a:stretch>
-            <a:fillRect/>
-          </a:stretch>
-        </p:blipFill>
-        <p:spPr bwMode="auto">
-          <a:xfrm>
-            <a:off x="31937" y="25120"/>
-            <a:ext cx="882463" cy="862408"/>
-          </a:xfrm>
-          <a:prstGeom prst="rect">
-            <a:avLst/>
-          </a:prstGeom>
-          <a:noFill/>
-        </p:spPr>
-      </p:pic>
-      <p:sp>
-        <p:nvSpPr>
-          <p:cNvPr id="8" name="Title 7"/>
-          <p:cNvSpPr>
-            <a:spLocks noGrp="1" noEditPoints="1"/>
-          </p:cNvSpPr>
-          <p:nvPr>
-            <p:ph type="ctrTitle"/>
-          </p:nvPr>
-        </p:nvSpPr>
-        <p:spPr>
-          <a:xfrm>
-            <a:off x="4020344" y="1020107"/>
-            <a:ext cx="4151312" cy="562630"/>
-          </a:xfrm>
-        </p:spPr>
-        <p:txBody>
-          <a:bodyPr>
-            <a:noAutofit/>
-          </a:bodyPr>
-          <a:lstStyle/>
-          <a:p>
-            <a:r>
-              <a:rPr lang="en-IN" sz="3600">
-                <a:latin typeface="Times New Roman"/>
-                <a:cs typeface="Times New Roman"/>
-              </a:rPr>
-              <a:t>Guide Approval</a:t>
-            </a:r>
-            <a:endParaRPr lang="en-IN" sz="3600">
-              <a:latin typeface="Times New Roman" panose="02020603050405020304" pitchFamily="18" charset="0"/>
-              <a:cs typeface="Times New Roman" panose="02020603050405020304" pitchFamily="18" charset="0"/>
-            </a:endParaRPr>
-          </a:p>
-        </p:txBody>
-      </p:sp>
-      <p:sp>
-        <p:nvSpPr>
-          <p:cNvPr id="2" name="TextBox 1">
-            <a:extLst>
-              <a:ext uri="{FF2B5EF4-FFF2-40B4-BE49-F238E27FC236}">
-                <a16:creationId xmlns:a16="http://schemas.microsoft.com/office/drawing/2014/main" id="{6A6D93E5-FAA4-AE0E-C8E2-5A2C89431E3E}"/>
-              </a:ext>
-            </a:extLst>
-          </p:cNvPr>
-          <p:cNvSpPr txBox="1"/>
-          <p:nvPr/>
-        </p:nvSpPr>
-        <p:spPr>
-          <a:xfrm>
-            <a:off x="3126153" y="2662115"/>
-            <a:ext cx="6618653" cy="2601057"/>
-          </a:xfrm>
-          <a:prstGeom prst="rect">
-            <a:avLst/>
-          </a:prstGeom>
-          <a:noFill/>
-        </p:spPr>
-        <p:txBody>
-          <a:bodyPr rot="0" spcFirstLastPara="0" vertOverflow="overflow" horzOverflow="overflow" vert="horz" wrap="square" lIns="91440" tIns="45720" rIns="91440" bIns="45720" numCol="1" spcCol="0" rtlCol="0" fromWordArt="0" anchor="t" anchorCtr="0" forceAA="0" compatLnSpc="1">
-            <a:prstTxWarp prst="textNoShape">
-              <a:avLst/>
-            </a:prstTxWarp>
-            <a:spAutoFit/>
-          </a:bodyPr>
-          <a:lstStyle/>
-          <a:p>
-            <a:pPr algn="l"/>
-            <a:endParaRPr lang="en-US"/>
-          </a:p>
-        </p:txBody>
-      </p:sp>
-      <p:sp>
-        <p:nvSpPr>
-          <p:cNvPr id="3" name="TextBox 2">
-            <a:extLst>
-              <a:ext uri="{FF2B5EF4-FFF2-40B4-BE49-F238E27FC236}">
-                <a16:creationId xmlns:a16="http://schemas.microsoft.com/office/drawing/2014/main" id="{CC4FF7F0-9DD7-184B-FDF0-0B7AD1357BF0}"/>
-              </a:ext>
-            </a:extLst>
-          </p:cNvPr>
-          <p:cNvSpPr txBox="1"/>
-          <p:nvPr/>
-        </p:nvSpPr>
-        <p:spPr>
-          <a:xfrm>
-            <a:off x="2248182" y="176680"/>
-            <a:ext cx="7830105" cy="550600"/>
-          </a:xfrm>
-          <a:prstGeom prst="rect">
-            <a:avLst/>
-          </a:prstGeom>
-          <a:noFill/>
-        </p:spPr>
-        <p:txBody>
-          <a:bodyPr wrap="square" lIns="91440" tIns="45720" rIns="91440" bIns="45720" rtlCol="0" anchor="t">
-            <a:spAutoFit/>
-          </a:bodyPr>
-          <a:lstStyle/>
-          <a:p>
-            <a:pPr marL="0" marR="0" algn="ctr">
-              <a:lnSpc>
-                <a:spcPct val="115000"/>
-              </a:lnSpc>
-              <a:spcBef>
-                <a:spcPts val="0"/>
-              </a:spcBef>
-              <a:spcAft>
-                <a:spcPts val="0"/>
-              </a:spcAft>
-            </a:pPr>
-            <a:r>
-              <a:rPr lang="en-US" sz="1400" b="1" dirty="0">
-                <a:effectLst/>
-                <a:latin typeface="Times New Roman" panose="02020603050405020304" pitchFamily="18" charset="0"/>
-                <a:ea typeface="Arial" panose="020B0604020202020204" pitchFamily="34" charset="0"/>
-              </a:rPr>
-              <a:t>RAG Enhanced Assistive Software For Career Guidance</a:t>
-            </a:r>
-            <a:br>
-              <a:rPr lang="en-US" sz="1400" b="1" dirty="0">
-                <a:effectLst/>
-                <a:latin typeface="Times New Roman" panose="02020603050405020304" pitchFamily="18" charset="0"/>
-                <a:ea typeface="Arial" panose="020B0604020202020204" pitchFamily="34" charset="0"/>
-              </a:rPr>
-            </a:br>
-            <a:endParaRPr lang="en-US" sz="1300" dirty="0">
-              <a:effectLst/>
-              <a:latin typeface="Arial" panose="020B0604020202020204" pitchFamily="34" charset="0"/>
-              <a:ea typeface="Arial" panose="020B0604020202020204" pitchFamily="34" charset="0"/>
-            </a:endParaRPr>
-          </a:p>
-        </p:txBody>
-      </p:sp>
-      <p:sp>
-        <p:nvSpPr>
-          <p:cNvPr id="10" name="Slide Number Placeholder 7">
-            <a:extLst>
-              <a:ext uri="{FF2B5EF4-FFF2-40B4-BE49-F238E27FC236}">
-                <a16:creationId xmlns:a16="http://schemas.microsoft.com/office/drawing/2014/main" id="{DA3E7389-B7A5-C268-A461-0BA397B797DB}"/>
-              </a:ext>
-            </a:extLst>
-          </p:cNvPr>
-          <p:cNvSpPr>
-            <a:spLocks noGrp="1"/>
-          </p:cNvSpPr>
-          <p:nvPr>
-            <p:ph type="sldNum" sz="quarter" idx="12"/>
-          </p:nvPr>
-        </p:nvSpPr>
-        <p:spPr>
-          <a:xfrm>
-            <a:off x="3420034" y="6467755"/>
-            <a:ext cx="2743200" cy="365125"/>
-          </a:xfrm>
-        </p:spPr>
-        <p:txBody>
-          <a:bodyPr/>
-          <a:lstStyle/>
-          <a:p>
-            <a:fld id="{12EC02DA-033E-4E45-979C-FC77C52540B5}" type="slidenum">
-              <a:rPr lang="en-IN" sz="2000" smtClean="0">
-                <a:solidFill>
-                  <a:schemeClr val="tx1"/>
-                </a:solidFill>
-              </a:rPr>
-              <a:pPr/>
-              <a:t>2</a:t>
-            </a:fld>
-            <a:endParaRPr lang="en-IN" sz="2000" dirty="0">
-              <a:solidFill>
-                <a:schemeClr val="tx1"/>
-              </a:solidFill>
-            </a:endParaRPr>
-          </a:p>
-        </p:txBody>
-      </p:sp>
-    </p:spTree>
-    <p:extLst>
-      <p:ext uri="{BB962C8B-B14F-4D97-AF65-F5344CB8AC3E}">
-        <p14:creationId xmlns:p14="http://schemas.microsoft.com/office/powerpoint/2010/main" val="751586410"/>
-      </p:ext>
-    </p:extLst>
-  </p:cSld>
-  <p:clrMapOvr>
-    <a:masterClrMapping/>
-  </p:clrMapOvr>
-</p:sld>
-</file>
-
-<file path=ppt/slides/slide20.xml><?xml version="1.0" encoding="utf-8"?>
-<p:sld xmlns:a="http://schemas.openxmlformats.org/drawingml/2006/main" xmlns:r="http://schemas.openxmlformats.org/officeDocument/2006/relationships" xmlns:p="http://schemas.openxmlformats.org/presentationml/2006/main">
-  <p:cSld>
-    <p:spTree>
-      <p:nvGrpSpPr>
-        <p:cNvPr id="1" name=""/>
-        <p:cNvGrpSpPr/>
-        <p:nvPr/>
-      </p:nvGrpSpPr>
-      <p:grpSpPr>
-        <a:xfrm>
-          <a:off x="0" y="0"/>
-          <a:ext cx="0" cy="0"/>
-          <a:chOff x="0" y="0"/>
-          <a:chExt cx="0" cy="0"/>
-        </a:xfrm>
-      </p:grpSpPr>
-      <p:sp>
-        <p:nvSpPr>
-          <p:cNvPr id="4" name="Rectangle: Rounded Corners 3"/>
-          <p:cNvSpPr/>
-          <p:nvPr/>
-        </p:nvSpPr>
-        <p:spPr>
-          <a:xfrm>
-            <a:off x="555812" y="726142"/>
-            <a:ext cx="11214847" cy="5710518"/>
-          </a:xfrm>
-          <a:prstGeom prst="roundRect">
-            <a:avLst/>
-          </a:prstGeom>
-          <a:noFill/>
-          <a:ln w="38100">
-            <a:solidFill>
-              <a:schemeClr val="tx2">
-                <a:lumMod val="60000"/>
-                <a:lumOff val="40000"/>
-              </a:schemeClr>
-            </a:solidFill>
-          </a:ln>
-        </p:spPr>
-        <p:style>
-          <a:lnRef idx="2">
-            <a:schemeClr val="accent1"/>
-          </a:lnRef>
-          <a:fillRef idx="1">
-            <a:schemeClr val="lt1"/>
-          </a:fillRef>
-          <a:effectRef idx="0">
-            <a:schemeClr val="accent1"/>
-          </a:effectRef>
-          <a:fontRef idx="minor">
-            <a:schemeClr val="dk1"/>
-          </a:fontRef>
-        </p:style>
-        <p:txBody>
-          <a:bodyPr rtlCol="0" anchor="ctr"/>
-          <a:lstStyle/>
-          <a:p>
-            <a:pPr algn="ctr"/>
-            <a:endParaRPr lang="en-IN"/>
-          </a:p>
-        </p:txBody>
-      </p:sp>
-      <p:sp>
-        <p:nvSpPr>
-          <p:cNvPr id="6" name="Date Placeholder 5"/>
-          <p:cNvSpPr>
-            <a:spLocks noGrp="1" noEditPoints="1"/>
-          </p:cNvSpPr>
-          <p:nvPr>
-            <p:ph type="dt" sz="half" idx="10"/>
-          </p:nvPr>
-        </p:nvSpPr>
-        <p:spPr>
-          <a:xfrm>
-            <a:off x="468406" y="6467756"/>
-            <a:ext cx="2743200" cy="365125"/>
-          </a:xfrm>
-        </p:spPr>
-        <p:txBody>
-          <a:bodyPr/>
-          <a:lstStyle/>
-          <a:p>
-            <a:fld id="{D32BADB9-0066-450F-B57B-EB761B004FAF}" type="datetime1">
-              <a:rPr lang="en-IN" sz="2000" smtClean="0">
-                <a:solidFill>
-                  <a:schemeClr val="tx1"/>
-                </a:solidFill>
-                <a:latin typeface="Times New Roman" panose="02020603050405020304" pitchFamily="18" charset="0"/>
-                <a:cs typeface="Times New Roman" panose="02020603050405020304" pitchFamily="18" charset="0"/>
-              </a:rPr>
-              <a:t>23-09-2024</a:t>
-            </a:fld>
-            <a:endParaRPr lang="en-IN" sz="2000">
-              <a:solidFill>
-                <a:schemeClr val="tx1"/>
-              </a:solidFill>
-              <a:latin typeface="Times New Roman" panose="02020603050405020304" pitchFamily="18" charset="0"/>
-              <a:cs typeface="Times New Roman" panose="02020603050405020304" pitchFamily="18" charset="0"/>
-            </a:endParaRPr>
-          </a:p>
-        </p:txBody>
-      </p:sp>
-      <p:sp>
-        <p:nvSpPr>
-          <p:cNvPr id="7" name="Footer Placeholder 6"/>
-          <p:cNvSpPr>
-            <a:spLocks noGrp="1" noEditPoints="1"/>
-          </p:cNvSpPr>
-          <p:nvPr>
-            <p:ph type="ftr" sz="quarter" idx="11"/>
-          </p:nvPr>
-        </p:nvSpPr>
-        <p:spPr>
-          <a:xfrm>
-            <a:off x="9663953" y="6436660"/>
-            <a:ext cx="2232211" cy="365125"/>
-          </a:xfrm>
-        </p:spPr>
-        <p:txBody>
-          <a:bodyPr/>
-          <a:lstStyle/>
-          <a:p>
-            <a:pPr lvl="1" algn="ctr"/>
-            <a:r>
-              <a:rPr lang="en-IN" sz="2400" dirty="0">
-                <a:latin typeface="Times New Roman"/>
-                <a:cs typeface="Times New Roman"/>
-              </a:rPr>
-              <a:t>Team 59</a:t>
-            </a:r>
-            <a:endParaRPr lang="en-IN" sz="2400" dirty="0">
-              <a:latin typeface="Times New Roman" panose="02020603050405020304" pitchFamily="18" charset="0"/>
-              <a:cs typeface="Times New Roman" panose="02020603050405020304" pitchFamily="18" charset="0"/>
-            </a:endParaRPr>
-          </a:p>
-        </p:txBody>
-      </p:sp>
-      <p:pic>
-        <p:nvPicPr>
-          <p:cNvPr id="1026" name="Picture 2" descr="Amrita Vishwa Vidyapeetham, Coimbatore: Courses, Fees ..."/>
-          <p:cNvPicPr>
-            <a:picLocks noChangeAspect="1" noChangeArrowheads="1"/>
-          </p:cNvPicPr>
-          <p:nvPr/>
-        </p:nvPicPr>
-        <p:blipFill>
-          <a:blip r:embed="rId3" cstate="print"/>
-          <a:srcRect/>
-          <a:stretch>
-            <a:fillRect/>
-          </a:stretch>
-        </p:blipFill>
-        <p:spPr bwMode="auto">
-          <a:xfrm>
-            <a:off x="31937" y="25119"/>
-            <a:ext cx="965000" cy="943069"/>
-          </a:xfrm>
-          <a:prstGeom prst="rect">
-            <a:avLst/>
-          </a:prstGeom>
-          <a:noFill/>
-        </p:spPr>
-      </p:pic>
-      <p:sp>
-        <p:nvSpPr>
-          <p:cNvPr id="8" name="Title 7"/>
-          <p:cNvSpPr>
-            <a:spLocks noGrp="1" noEditPoints="1"/>
-          </p:cNvSpPr>
-          <p:nvPr>
-            <p:ph type="ctrTitle"/>
-          </p:nvPr>
-        </p:nvSpPr>
-        <p:spPr>
-          <a:xfrm>
-            <a:off x="1524000" y="893763"/>
-            <a:ext cx="9144000" cy="968375"/>
-          </a:xfrm>
-        </p:spPr>
-        <p:txBody>
-          <a:bodyPr>
-            <a:normAutofit/>
-          </a:bodyPr>
-          <a:lstStyle/>
-          <a:p>
-            <a:r>
-              <a:rPr lang="en-IN" sz="3600" dirty="0">
-                <a:latin typeface="Times New Roman" panose="02020603050405020304" pitchFamily="18" charset="0"/>
-                <a:cs typeface="Times New Roman" panose="02020603050405020304" pitchFamily="18" charset="0"/>
-              </a:rPr>
-              <a:t>Research Objective</a:t>
-            </a:r>
-          </a:p>
-        </p:txBody>
-      </p:sp>
-      <p:sp>
-        <p:nvSpPr>
-          <p:cNvPr id="10" name="Subtitle 9"/>
-          <p:cNvSpPr>
-            <a:spLocks noGrp="1" noEditPoints="1"/>
-          </p:cNvSpPr>
-          <p:nvPr>
-            <p:ph type="subTitle" idx="1"/>
-          </p:nvPr>
-        </p:nvSpPr>
-        <p:spPr>
-          <a:xfrm>
-            <a:off x="1361197" y="2264015"/>
-            <a:ext cx="9704716" cy="2874962"/>
-          </a:xfrm>
-        </p:spPr>
-        <p:txBody>
-          <a:bodyPr vert="horz" lIns="91440" tIns="45720" rIns="91440" bIns="45720" rtlCol="0" anchor="t">
-            <a:normAutofit/>
-          </a:bodyPr>
-          <a:lstStyle/>
-          <a:p>
-            <a:pPr algn="l"/>
-            <a:r>
-              <a:rPr lang="en-GB" b="0" i="0" dirty="0">
-                <a:solidFill>
-                  <a:srgbClr val="111111"/>
-                </a:solidFill>
-                <a:effectLst/>
-                <a:highlight>
-                  <a:srgbClr val="FFFFFF"/>
-                </a:highlight>
-                <a:latin typeface="Times New Roman" panose="02020603050405020304" pitchFamily="18" charset="0"/>
-                <a:cs typeface="Times New Roman" panose="02020603050405020304" pitchFamily="18" charset="0"/>
-              </a:rPr>
-              <a:t>The objective is to focus on creating a system that not only retrieves relevant information but also generates tailored advice, ensuring that the career guidance is both precise and personalized.</a:t>
-            </a:r>
-          </a:p>
-          <a:p>
-            <a:pPr marL="342900" indent="-342900" algn="just">
-              <a:lnSpc>
-                <a:spcPct val="150000"/>
-              </a:lnSpc>
-              <a:buChar char="•"/>
-            </a:pPr>
-            <a:endParaRPr lang="en-IN" dirty="0">
-              <a:latin typeface="Times New Roman" panose="02020603050405020304" pitchFamily="18" charset="0"/>
-              <a:cs typeface="Times New Roman" panose="02020603050405020304" pitchFamily="18" charset="0"/>
-            </a:endParaRPr>
-          </a:p>
-        </p:txBody>
-      </p:sp>
-      <p:sp>
-        <p:nvSpPr>
-          <p:cNvPr id="3" name="TextBox 2">
-            <a:extLst>
-              <a:ext uri="{FF2B5EF4-FFF2-40B4-BE49-F238E27FC236}">
-                <a16:creationId xmlns:a16="http://schemas.microsoft.com/office/drawing/2014/main" id="{94F073A4-90D9-7279-E837-85D0996C9125}"/>
-              </a:ext>
-            </a:extLst>
-          </p:cNvPr>
-          <p:cNvSpPr txBox="1"/>
-          <p:nvPr/>
-        </p:nvSpPr>
-        <p:spPr>
-          <a:xfrm>
-            <a:off x="2248182" y="176680"/>
-            <a:ext cx="7830105" cy="550600"/>
-          </a:xfrm>
-          <a:prstGeom prst="rect">
-            <a:avLst/>
-          </a:prstGeom>
-          <a:noFill/>
-        </p:spPr>
-        <p:txBody>
-          <a:bodyPr wrap="square" lIns="91440" tIns="45720" rIns="91440" bIns="45720" rtlCol="0" anchor="t">
-            <a:spAutoFit/>
-          </a:bodyPr>
-          <a:lstStyle/>
-          <a:p>
-            <a:pPr marL="0" marR="0" algn="ctr">
-              <a:lnSpc>
-                <a:spcPct val="115000"/>
-              </a:lnSpc>
-              <a:spcBef>
-                <a:spcPts val="0"/>
-              </a:spcBef>
-              <a:spcAft>
-                <a:spcPts val="0"/>
-              </a:spcAft>
-            </a:pPr>
-            <a:r>
-              <a:rPr lang="en-US" sz="1400" b="1" dirty="0">
-                <a:effectLst/>
-                <a:latin typeface="Times New Roman" panose="02020603050405020304" pitchFamily="18" charset="0"/>
-                <a:ea typeface="Arial" panose="020B0604020202020204" pitchFamily="34" charset="0"/>
-              </a:rPr>
-              <a:t>RAG Enhanced Assistive Software For Career Guidance</a:t>
-            </a:r>
-            <a:br>
-              <a:rPr lang="en-US" sz="1400" b="1" dirty="0">
-                <a:effectLst/>
-                <a:latin typeface="Times New Roman" panose="02020603050405020304" pitchFamily="18" charset="0"/>
-                <a:ea typeface="Arial" panose="020B0604020202020204" pitchFamily="34" charset="0"/>
-              </a:rPr>
-            </a:br>
-            <a:endParaRPr lang="en-US" sz="1300" dirty="0">
-              <a:effectLst/>
-              <a:latin typeface="Arial" panose="020B0604020202020204" pitchFamily="34" charset="0"/>
-              <a:ea typeface="Arial" panose="020B0604020202020204" pitchFamily="34" charset="0"/>
-            </a:endParaRPr>
-          </a:p>
-        </p:txBody>
-      </p:sp>
-      <p:sp>
-        <p:nvSpPr>
-          <p:cNvPr id="5" name="Slide Number Placeholder 7">
-            <a:extLst>
-              <a:ext uri="{FF2B5EF4-FFF2-40B4-BE49-F238E27FC236}">
-                <a16:creationId xmlns:a16="http://schemas.microsoft.com/office/drawing/2014/main" id="{7B048D3A-6725-3C60-01D3-6300EB0559CC}"/>
-              </a:ext>
-            </a:extLst>
-          </p:cNvPr>
-          <p:cNvSpPr>
-            <a:spLocks noGrp="1"/>
-          </p:cNvSpPr>
-          <p:nvPr>
-            <p:ph type="sldNum" sz="quarter" idx="12"/>
-          </p:nvPr>
-        </p:nvSpPr>
-        <p:spPr>
-          <a:xfrm>
-            <a:off x="3420034" y="6467755"/>
-            <a:ext cx="2743200" cy="365125"/>
-          </a:xfrm>
-        </p:spPr>
-        <p:txBody>
-          <a:bodyPr/>
-          <a:lstStyle/>
-          <a:p>
-            <a:fld id="{12EC02DA-033E-4E45-979C-FC77C52540B5}" type="slidenum">
-              <a:rPr lang="en-IN" sz="2000" smtClean="0">
-                <a:solidFill>
-                  <a:schemeClr val="tx1"/>
-                </a:solidFill>
-              </a:rPr>
-              <a:pPr/>
-              <a:t>20</a:t>
-            </a:fld>
-            <a:endParaRPr lang="en-IN" sz="2000" dirty="0">
-              <a:solidFill>
-                <a:schemeClr val="tx1"/>
-              </a:solidFill>
-            </a:endParaRPr>
-          </a:p>
-        </p:txBody>
-      </p:sp>
-    </p:spTree>
-    <p:extLst>
-      <p:ext uri="{BB962C8B-B14F-4D97-AF65-F5344CB8AC3E}">
-        <p14:creationId xmlns:p14="http://schemas.microsoft.com/office/powerpoint/2010/main" val="3655407934"/>
-      </p:ext>
-    </p:extLst>
-  </p:cSld>
-  <p:clrMapOvr>
-    <a:masterClrMapping/>
-  </p:clrMapOvr>
-</p:sld>
-</file>
-
-<file path=ppt/slides/slide21.xml><?xml version="1.0" encoding="utf-8"?>
-<p:sld xmlns:a="http://schemas.openxmlformats.org/drawingml/2006/main" xmlns:r="http://schemas.openxmlformats.org/officeDocument/2006/relationships" xmlns:p="http://schemas.openxmlformats.org/presentationml/2006/main">
-  <p:cSld>
-    <p:spTree>
-      <p:nvGrpSpPr>
-        <p:cNvPr id="1" name=""/>
-        <p:cNvGrpSpPr/>
-        <p:nvPr/>
-      </p:nvGrpSpPr>
-      <p:grpSpPr>
-        <a:xfrm>
-          <a:off x="0" y="0"/>
-          <a:ext cx="0" cy="0"/>
-          <a:chOff x="0" y="0"/>
-          <a:chExt cx="0" cy="0"/>
-        </a:xfrm>
-      </p:grpSpPr>
-      <p:sp>
-        <p:nvSpPr>
-          <p:cNvPr id="4" name="Rectangle: Rounded Corners 3"/>
-          <p:cNvSpPr/>
-          <p:nvPr/>
-        </p:nvSpPr>
-        <p:spPr>
-          <a:xfrm>
-            <a:off x="555812" y="726142"/>
-            <a:ext cx="11214847" cy="5710518"/>
-          </a:xfrm>
-          <a:prstGeom prst="roundRect">
-            <a:avLst/>
-          </a:prstGeom>
-          <a:noFill/>
-          <a:ln w="38100">
-            <a:solidFill>
-              <a:schemeClr val="tx2">
-                <a:lumMod val="60000"/>
-                <a:lumOff val="40000"/>
-              </a:schemeClr>
-            </a:solidFill>
-          </a:ln>
-        </p:spPr>
-        <p:style>
-          <a:lnRef idx="2">
-            <a:schemeClr val="accent1"/>
-          </a:lnRef>
-          <a:fillRef idx="1">
-            <a:schemeClr val="lt1"/>
-          </a:fillRef>
-          <a:effectRef idx="0">
-            <a:schemeClr val="accent1"/>
-          </a:effectRef>
-          <a:fontRef idx="minor">
-            <a:schemeClr val="dk1"/>
-          </a:fontRef>
-        </p:style>
-        <p:txBody>
-          <a:bodyPr rtlCol="0" anchor="ctr"/>
-          <a:lstStyle/>
-          <a:p>
-            <a:pPr algn="ctr"/>
-            <a:endParaRPr lang="en-IN"/>
-          </a:p>
-        </p:txBody>
-      </p:sp>
-      <p:sp>
-        <p:nvSpPr>
-          <p:cNvPr id="6" name="Date Placeholder 5"/>
-          <p:cNvSpPr>
-            <a:spLocks noGrp="1" noEditPoints="1"/>
-          </p:cNvSpPr>
-          <p:nvPr>
-            <p:ph type="dt" sz="half" idx="10"/>
-          </p:nvPr>
-        </p:nvSpPr>
-        <p:spPr>
-          <a:xfrm>
-            <a:off x="468406" y="6467756"/>
-            <a:ext cx="2743200" cy="365125"/>
-          </a:xfrm>
-        </p:spPr>
-        <p:txBody>
-          <a:bodyPr/>
-          <a:lstStyle/>
-          <a:p>
-            <a:fld id="{3CFD3547-B15D-4927-8931-9F46BAE200C0}" type="datetime1">
-              <a:rPr lang="en-IN" sz="2000" smtClean="0">
-                <a:solidFill>
-                  <a:schemeClr val="tx1"/>
-                </a:solidFill>
-                <a:latin typeface="Times New Roman" panose="02020603050405020304" pitchFamily="18" charset="0"/>
-                <a:cs typeface="Times New Roman" panose="02020603050405020304" pitchFamily="18" charset="0"/>
-              </a:rPr>
-              <a:t>23-09-2024</a:t>
-            </a:fld>
-            <a:endParaRPr lang="en-IN" sz="2000">
-              <a:solidFill>
-                <a:schemeClr val="tx1"/>
-              </a:solidFill>
-              <a:latin typeface="Times New Roman" panose="02020603050405020304" pitchFamily="18" charset="0"/>
-              <a:cs typeface="Times New Roman" panose="02020603050405020304" pitchFamily="18" charset="0"/>
-            </a:endParaRPr>
-          </a:p>
-        </p:txBody>
-      </p:sp>
-      <p:sp>
-        <p:nvSpPr>
-          <p:cNvPr id="7" name="Footer Placeholder 6"/>
-          <p:cNvSpPr>
-            <a:spLocks noGrp="1" noEditPoints="1"/>
-          </p:cNvSpPr>
-          <p:nvPr>
-            <p:ph type="ftr" sz="quarter" idx="11"/>
-          </p:nvPr>
-        </p:nvSpPr>
-        <p:spPr>
-          <a:xfrm>
-            <a:off x="9663953" y="6436660"/>
-            <a:ext cx="2232211" cy="365125"/>
-          </a:xfrm>
-        </p:spPr>
-        <p:txBody>
-          <a:bodyPr/>
-          <a:lstStyle/>
-          <a:p>
-            <a:pPr lvl="1" algn="ctr"/>
-            <a:r>
-              <a:rPr lang="en-IN" sz="2400" dirty="0">
-                <a:latin typeface="Times New Roman"/>
-                <a:cs typeface="Times New Roman"/>
-              </a:rPr>
-              <a:t>Team 59</a:t>
-            </a:r>
-            <a:endParaRPr lang="en-IN" sz="2400" dirty="0">
-              <a:latin typeface="Times New Roman" panose="02020603050405020304" pitchFamily="18" charset="0"/>
-              <a:cs typeface="Times New Roman" panose="02020603050405020304" pitchFamily="18" charset="0"/>
-            </a:endParaRPr>
-          </a:p>
-        </p:txBody>
-      </p:sp>
-      <p:pic>
-        <p:nvPicPr>
-          <p:cNvPr id="1026" name="Picture 2" descr="Amrita Vishwa Vidyapeetham, Coimbatore: Courses, Fees ..."/>
-          <p:cNvPicPr>
-            <a:picLocks noChangeAspect="1" noChangeArrowheads="1"/>
-          </p:cNvPicPr>
-          <p:nvPr/>
-        </p:nvPicPr>
-        <p:blipFill>
-          <a:blip r:embed="rId3" cstate="print"/>
-          <a:srcRect/>
-          <a:stretch>
-            <a:fillRect/>
-          </a:stretch>
-        </p:blipFill>
-        <p:spPr bwMode="auto">
-          <a:xfrm>
-            <a:off x="31937" y="25119"/>
-            <a:ext cx="965000" cy="943069"/>
-          </a:xfrm>
-          <a:prstGeom prst="rect">
-            <a:avLst/>
-          </a:prstGeom>
-          <a:noFill/>
-        </p:spPr>
-      </p:pic>
-      <p:sp>
-        <p:nvSpPr>
-          <p:cNvPr id="3" name="TextBox 2">
-            <a:extLst>
-              <a:ext uri="{FF2B5EF4-FFF2-40B4-BE49-F238E27FC236}">
-                <a16:creationId xmlns:a16="http://schemas.microsoft.com/office/drawing/2014/main" id="{94F073A4-90D9-7279-E837-85D0996C9125}"/>
-              </a:ext>
-            </a:extLst>
-          </p:cNvPr>
-          <p:cNvSpPr txBox="1"/>
-          <p:nvPr/>
-        </p:nvSpPr>
-        <p:spPr>
-          <a:xfrm>
-            <a:off x="2248182" y="176680"/>
-            <a:ext cx="7830105" cy="550600"/>
-          </a:xfrm>
-          <a:prstGeom prst="rect">
-            <a:avLst/>
-          </a:prstGeom>
-          <a:noFill/>
-        </p:spPr>
-        <p:txBody>
-          <a:bodyPr wrap="square" lIns="91440" tIns="45720" rIns="91440" bIns="45720" rtlCol="0" anchor="t">
-            <a:spAutoFit/>
-          </a:bodyPr>
-          <a:lstStyle/>
-          <a:p>
-            <a:pPr marL="0" marR="0" algn="ctr">
-              <a:lnSpc>
-                <a:spcPct val="115000"/>
-              </a:lnSpc>
-              <a:spcBef>
-                <a:spcPts val="0"/>
-              </a:spcBef>
-              <a:spcAft>
-                <a:spcPts val="0"/>
-              </a:spcAft>
-            </a:pPr>
-            <a:r>
-              <a:rPr lang="en-US" sz="1400" b="1" dirty="0">
-                <a:effectLst/>
-                <a:latin typeface="Times New Roman" panose="02020603050405020304" pitchFamily="18" charset="0"/>
-                <a:ea typeface="Arial" panose="020B0604020202020204" pitchFamily="34" charset="0"/>
-              </a:rPr>
-              <a:t>RAG Enhanced Assistive Software For Career Guidance</a:t>
-            </a:r>
-            <a:br>
-              <a:rPr lang="en-US" sz="1400" b="1" dirty="0">
-                <a:effectLst/>
-                <a:latin typeface="Times New Roman" panose="02020603050405020304" pitchFamily="18" charset="0"/>
-                <a:ea typeface="Arial" panose="020B0604020202020204" pitchFamily="34" charset="0"/>
-              </a:rPr>
-            </a:br>
-            <a:endParaRPr lang="en-US" sz="1300" dirty="0">
-              <a:effectLst/>
-              <a:latin typeface="Arial" panose="020B0604020202020204" pitchFamily="34" charset="0"/>
-              <a:ea typeface="Arial" panose="020B0604020202020204" pitchFamily="34" charset="0"/>
-            </a:endParaRPr>
-          </a:p>
-        </p:txBody>
-      </p:sp>
-      <p:sp>
-        <p:nvSpPr>
-          <p:cNvPr id="5" name="Title 4">
-            <a:extLst>
-              <a:ext uri="{FF2B5EF4-FFF2-40B4-BE49-F238E27FC236}">
-                <a16:creationId xmlns:a16="http://schemas.microsoft.com/office/drawing/2014/main" id="{D45E2B27-30CE-F0CC-FE22-09036B9CD466}"/>
-              </a:ext>
-            </a:extLst>
-          </p:cNvPr>
-          <p:cNvSpPr>
-            <a:spLocks noGrp="1"/>
-          </p:cNvSpPr>
-          <p:nvPr>
-            <p:ph type="ctrTitle"/>
-          </p:nvPr>
-        </p:nvSpPr>
-        <p:spPr>
-          <a:xfrm>
-            <a:off x="1591234" y="683696"/>
-            <a:ext cx="9144000" cy="531223"/>
-          </a:xfrm>
-        </p:spPr>
-        <p:txBody>
-          <a:bodyPr>
-            <a:normAutofit/>
-          </a:bodyPr>
-          <a:lstStyle/>
-          <a:p>
-            <a:r>
-              <a:rPr lang="en-US" sz="3000" dirty="0">
-                <a:latin typeface="Times New Roman" panose="02020603050405020304" pitchFamily="18" charset="0"/>
-                <a:cs typeface="Times New Roman" panose="02020603050405020304" pitchFamily="18" charset="0"/>
-              </a:rPr>
-              <a:t>Timeline</a:t>
-            </a:r>
-          </a:p>
-        </p:txBody>
-      </p:sp>
-      <p:pic>
-        <p:nvPicPr>
-          <p:cNvPr id="12" name="Picture 11">
-            <a:extLst>
-              <a:ext uri="{FF2B5EF4-FFF2-40B4-BE49-F238E27FC236}">
-                <a16:creationId xmlns:a16="http://schemas.microsoft.com/office/drawing/2014/main" id="{3D43D603-8B0E-9294-638C-FB75957A536F}"/>
-              </a:ext>
-            </a:extLst>
-          </p:cNvPr>
-          <p:cNvPicPr>
-            <a:picLocks noChangeAspect="1"/>
-          </p:cNvPicPr>
-          <p:nvPr/>
-        </p:nvPicPr>
-        <p:blipFill>
-          <a:blip r:embed="rId4">
-            <a:extLst>
-              <a:ext uri="{28A0092B-C50C-407E-A947-70E740481C1C}">
-                <a14:useLocalDpi xmlns:a14="http://schemas.microsoft.com/office/drawing/2010/main" val="0"/>
-              </a:ext>
-            </a:extLst>
-          </a:blip>
-          <a:srcRect t="11026" b="849"/>
-          <a:stretch/>
-        </p:blipFill>
-        <p:spPr>
-          <a:xfrm>
-            <a:off x="2301687" y="1220769"/>
-            <a:ext cx="7723094" cy="5104485"/>
-          </a:xfrm>
-          <a:prstGeom prst="rect">
-            <a:avLst/>
-          </a:prstGeom>
-        </p:spPr>
-      </p:pic>
-      <p:sp>
-        <p:nvSpPr>
-          <p:cNvPr id="13" name="Slide Number Placeholder 7">
-            <a:extLst>
-              <a:ext uri="{FF2B5EF4-FFF2-40B4-BE49-F238E27FC236}">
-                <a16:creationId xmlns:a16="http://schemas.microsoft.com/office/drawing/2014/main" id="{2F148573-EB4E-6701-1A2F-41EDED09D318}"/>
-              </a:ext>
-            </a:extLst>
-          </p:cNvPr>
-          <p:cNvSpPr>
-            <a:spLocks noGrp="1"/>
-          </p:cNvSpPr>
-          <p:nvPr>
-            <p:ph type="sldNum" sz="quarter" idx="12"/>
-          </p:nvPr>
-        </p:nvSpPr>
-        <p:spPr>
-          <a:xfrm>
-            <a:off x="3420034" y="6467755"/>
-            <a:ext cx="2743200" cy="365125"/>
-          </a:xfrm>
-        </p:spPr>
-        <p:txBody>
-          <a:bodyPr/>
-          <a:lstStyle/>
-          <a:p>
-            <a:fld id="{12EC02DA-033E-4E45-979C-FC77C52540B5}" type="slidenum">
-              <a:rPr lang="en-IN" sz="2000" smtClean="0">
-                <a:solidFill>
-                  <a:schemeClr val="tx1"/>
-                </a:solidFill>
-              </a:rPr>
-              <a:pPr/>
               <a:t>21</a:t>
             </a:fld>
             <a:endParaRPr lang="en-IN" sz="2000" dirty="0">
@@ -19989,11 +22655,6 @@
         </p:txBody>
       </p:sp>
     </p:spTree>
-    <p:extLst>
-      <p:ext uri="{BB962C8B-B14F-4D97-AF65-F5344CB8AC3E}">
-        <p14:creationId xmlns:p14="http://schemas.microsoft.com/office/powerpoint/2010/main" val="1273999278"/>
-      </p:ext>
-    </p:extLst>
   </p:cSld>
   <p:clrMapOvr>
     <a:masterClrMapping/>
@@ -20085,7 +22746,7 @@
           <a:bodyPr/>
           <a:lstStyle/>
           <a:p>
-            <a:fld id="{3800BF33-3ADA-4421-ACA6-151DD70E27C1}" type="datetime1">
+            <a:fld id="{F76BE253-6A07-4D6D-B44E-C11264FBA301}" type="datetime1">
               <a:rPr lang="en-IN" sz="2000" smtClean="0">
                 <a:solidFill>
                   <a:schemeClr val="tx1"/>
@@ -20093,7 +22754,1092 @@
                 <a:latin typeface="Times New Roman" panose="02020603050405020304" pitchFamily="18" charset="0"/>
                 <a:cs typeface="Times New Roman" panose="02020603050405020304" pitchFamily="18" charset="0"/>
               </a:rPr>
-              <a:t>23-09-2024</a:t>
+              <a:t>28-10-2024</a:t>
+            </a:fld>
+            <a:endParaRPr lang="en-IN" sz="2000">
+              <a:solidFill>
+                <a:schemeClr val="tx1"/>
+              </a:solidFill>
+              <a:latin typeface="Times New Roman" panose="02020603050405020304" pitchFamily="18" charset="0"/>
+              <a:cs typeface="Times New Roman" panose="02020603050405020304" pitchFamily="18" charset="0"/>
+            </a:endParaRPr>
+          </a:p>
+        </p:txBody>
+      </p:sp>
+      <p:sp>
+        <p:nvSpPr>
+          <p:cNvPr id="7" name="Footer Placeholder 6"/>
+          <p:cNvSpPr>
+            <a:spLocks noGrp="1" noEditPoints="1"/>
+          </p:cNvSpPr>
+          <p:nvPr>
+            <p:ph type="ftr" sz="quarter" idx="11"/>
+          </p:nvPr>
+        </p:nvSpPr>
+        <p:spPr>
+          <a:xfrm>
+            <a:off x="9663953" y="6436660"/>
+            <a:ext cx="2232211" cy="365125"/>
+          </a:xfrm>
+        </p:spPr>
+        <p:txBody>
+          <a:bodyPr/>
+          <a:lstStyle/>
+          <a:p>
+            <a:pPr lvl="1" algn="ctr"/>
+            <a:r>
+              <a:rPr lang="en-IN" sz="2400" dirty="0">
+                <a:latin typeface="Times New Roman"/>
+                <a:cs typeface="Times New Roman"/>
+              </a:rPr>
+              <a:t>Team 59</a:t>
+            </a:r>
+            <a:endParaRPr lang="en-IN" sz="2400" dirty="0">
+              <a:latin typeface="Times New Roman" panose="02020603050405020304" pitchFamily="18" charset="0"/>
+              <a:cs typeface="Times New Roman" panose="02020603050405020304" pitchFamily="18" charset="0"/>
+            </a:endParaRPr>
+          </a:p>
+        </p:txBody>
+      </p:sp>
+      <p:pic>
+        <p:nvPicPr>
+          <p:cNvPr id="1026" name="Picture 2" descr="Amrita Vishwa Vidyapeetham, Coimbatore: Courses, Fees ..."/>
+          <p:cNvPicPr>
+            <a:picLocks noChangeAspect="1" noChangeArrowheads="1"/>
+          </p:cNvPicPr>
+          <p:nvPr/>
+        </p:nvPicPr>
+        <p:blipFill>
+          <a:blip r:embed="rId3" cstate="print"/>
+          <a:srcRect/>
+          <a:stretch>
+            <a:fillRect/>
+          </a:stretch>
+        </p:blipFill>
+        <p:spPr bwMode="auto">
+          <a:xfrm>
+            <a:off x="31937" y="25119"/>
+            <a:ext cx="965000" cy="943069"/>
+          </a:xfrm>
+          <a:prstGeom prst="rect">
+            <a:avLst/>
+          </a:prstGeom>
+          <a:noFill/>
+        </p:spPr>
+      </p:pic>
+      <p:sp>
+        <p:nvSpPr>
+          <p:cNvPr id="8" name="Title 7"/>
+          <p:cNvSpPr>
+            <a:spLocks noGrp="1" noEditPoints="1"/>
+          </p:cNvSpPr>
+          <p:nvPr>
+            <p:ph type="ctrTitle"/>
+          </p:nvPr>
+        </p:nvSpPr>
+        <p:spPr>
+          <a:xfrm>
+            <a:off x="1524000" y="893763"/>
+            <a:ext cx="9144000" cy="968375"/>
+          </a:xfrm>
+        </p:spPr>
+        <p:txBody>
+          <a:bodyPr>
+            <a:normAutofit/>
+          </a:bodyPr>
+          <a:lstStyle/>
+          <a:p>
+            <a:r>
+              <a:rPr lang="en-IN" sz="3600" dirty="0">
+                <a:latin typeface="Times New Roman" panose="02020603050405020304" pitchFamily="18" charset="0"/>
+                <a:cs typeface="Times New Roman" panose="02020603050405020304" pitchFamily="18" charset="0"/>
+              </a:rPr>
+              <a:t>Problem Statement</a:t>
+            </a:r>
+          </a:p>
+        </p:txBody>
+      </p:sp>
+      <p:sp>
+        <p:nvSpPr>
+          <p:cNvPr id="10" name="Subtitle 9"/>
+          <p:cNvSpPr>
+            <a:spLocks noGrp="1" noEditPoints="1"/>
+          </p:cNvSpPr>
+          <p:nvPr>
+            <p:ph type="subTitle" idx="1"/>
+          </p:nvPr>
+        </p:nvSpPr>
+        <p:spPr>
+          <a:xfrm>
+            <a:off x="1361197" y="2264015"/>
+            <a:ext cx="9704716" cy="2874962"/>
+          </a:xfrm>
+        </p:spPr>
+        <p:txBody>
+          <a:bodyPr vert="horz" lIns="91440" tIns="45720" rIns="91440" bIns="45720" rtlCol="0" anchor="t">
+            <a:normAutofit/>
+          </a:bodyPr>
+          <a:lstStyle/>
+          <a:p>
+            <a:pPr algn="l"/>
+            <a:r>
+              <a:rPr lang="en-GB" b="0" i="0" dirty="0">
+                <a:solidFill>
+                  <a:srgbClr val="111111"/>
+                </a:solidFill>
+                <a:effectLst/>
+                <a:highlight>
+                  <a:srgbClr val="FFFFFF"/>
+                </a:highlight>
+                <a:latin typeface="Times New Roman" panose="02020603050405020304" pitchFamily="18" charset="0"/>
+                <a:cs typeface="Times New Roman" panose="02020603050405020304" pitchFamily="18" charset="0"/>
+              </a:rPr>
+              <a:t> To develop and evaluate a Retrieval-Augmented Generation (RAG) system that provides personalized career guidance by integrating user-specific data, including academic history and psychometric profiles, to enhance the accuracy and relevance of career recommendations.</a:t>
+            </a:r>
+          </a:p>
+          <a:p>
+            <a:pPr marL="342900" indent="-342900" algn="just">
+              <a:lnSpc>
+                <a:spcPct val="150000"/>
+              </a:lnSpc>
+              <a:buChar char="•"/>
+            </a:pPr>
+            <a:endParaRPr lang="en-IN" dirty="0">
+              <a:latin typeface="Times New Roman" panose="02020603050405020304" pitchFamily="18" charset="0"/>
+              <a:cs typeface="Times New Roman" panose="02020603050405020304" pitchFamily="18" charset="0"/>
+            </a:endParaRPr>
+          </a:p>
+        </p:txBody>
+      </p:sp>
+      <p:sp>
+        <p:nvSpPr>
+          <p:cNvPr id="3" name="TextBox 2">
+            <a:extLst>
+              <a:ext uri="{FF2B5EF4-FFF2-40B4-BE49-F238E27FC236}">
+                <a16:creationId xmlns:a16="http://schemas.microsoft.com/office/drawing/2014/main" id="{94F073A4-90D9-7279-E837-85D0996C9125}"/>
+              </a:ext>
+            </a:extLst>
+          </p:cNvPr>
+          <p:cNvSpPr txBox="1"/>
+          <p:nvPr/>
+        </p:nvSpPr>
+        <p:spPr>
+          <a:xfrm>
+            <a:off x="2248182" y="176680"/>
+            <a:ext cx="7830105" cy="550600"/>
+          </a:xfrm>
+          <a:prstGeom prst="rect">
+            <a:avLst/>
+          </a:prstGeom>
+          <a:noFill/>
+        </p:spPr>
+        <p:txBody>
+          <a:bodyPr wrap="square" lIns="91440" tIns="45720" rIns="91440" bIns="45720" rtlCol="0" anchor="t">
+            <a:spAutoFit/>
+          </a:bodyPr>
+          <a:lstStyle/>
+          <a:p>
+            <a:pPr marL="0" marR="0" algn="ctr">
+              <a:lnSpc>
+                <a:spcPct val="115000"/>
+              </a:lnSpc>
+              <a:spcBef>
+                <a:spcPts val="0"/>
+              </a:spcBef>
+              <a:spcAft>
+                <a:spcPts val="0"/>
+              </a:spcAft>
+            </a:pPr>
+            <a:r>
+              <a:rPr lang="en-US" sz="1400" b="1" dirty="0">
+                <a:effectLst/>
+                <a:latin typeface="Times New Roman" panose="02020603050405020304" pitchFamily="18" charset="0"/>
+                <a:ea typeface="Arial" panose="020B0604020202020204" pitchFamily="34" charset="0"/>
+              </a:rPr>
+              <a:t>RAG Enhanced Assistive Software For Career Guidance</a:t>
+            </a:r>
+            <a:br>
+              <a:rPr lang="en-US" sz="1400" b="1" dirty="0">
+                <a:effectLst/>
+                <a:latin typeface="Times New Roman" panose="02020603050405020304" pitchFamily="18" charset="0"/>
+                <a:ea typeface="Arial" panose="020B0604020202020204" pitchFamily="34" charset="0"/>
+              </a:rPr>
+            </a:br>
+            <a:endParaRPr lang="en-US" sz="1300" dirty="0">
+              <a:effectLst/>
+              <a:latin typeface="Arial" panose="020B0604020202020204" pitchFamily="34" charset="0"/>
+              <a:ea typeface="Arial" panose="020B0604020202020204" pitchFamily="34" charset="0"/>
+            </a:endParaRPr>
+          </a:p>
+        </p:txBody>
+      </p:sp>
+      <p:sp>
+        <p:nvSpPr>
+          <p:cNvPr id="5" name="Slide Number Placeholder 7">
+            <a:extLst>
+              <a:ext uri="{FF2B5EF4-FFF2-40B4-BE49-F238E27FC236}">
+                <a16:creationId xmlns:a16="http://schemas.microsoft.com/office/drawing/2014/main" id="{A52F0A9D-F900-E3FB-4383-0D4BA25882EB}"/>
+              </a:ext>
+            </a:extLst>
+          </p:cNvPr>
+          <p:cNvSpPr>
+            <a:spLocks noGrp="1"/>
+          </p:cNvSpPr>
+          <p:nvPr>
+            <p:ph type="sldNum" sz="quarter" idx="12"/>
+          </p:nvPr>
+        </p:nvSpPr>
+        <p:spPr>
+          <a:xfrm>
+            <a:off x="3420034" y="6467755"/>
+            <a:ext cx="2743200" cy="365125"/>
+          </a:xfrm>
+        </p:spPr>
+        <p:txBody>
+          <a:bodyPr/>
+          <a:lstStyle/>
+          <a:p>
+            <a:fld id="{12EC02DA-033E-4E45-979C-FC77C52540B5}" type="slidenum">
+              <a:rPr lang="en-IN" sz="2000" smtClean="0">
+                <a:solidFill>
+                  <a:schemeClr val="tx1"/>
+                </a:solidFill>
+              </a:rPr>
+              <a:pPr/>
+              <a:t>22</a:t>
+            </a:fld>
+            <a:endParaRPr lang="en-IN" sz="2000" dirty="0">
+              <a:solidFill>
+                <a:schemeClr val="tx1"/>
+              </a:solidFill>
+            </a:endParaRPr>
+          </a:p>
+        </p:txBody>
+      </p:sp>
+    </p:spTree>
+  </p:cSld>
+  <p:clrMapOvr>
+    <a:masterClrMapping/>
+  </p:clrMapOvr>
+</p:sld>
+</file>
+
+<file path=ppt/slides/slide23.xml><?xml version="1.0" encoding="utf-8"?>
+<p:sld xmlns:a="http://schemas.openxmlformats.org/drawingml/2006/main" xmlns:r="http://schemas.openxmlformats.org/officeDocument/2006/relationships" xmlns:p="http://schemas.openxmlformats.org/presentationml/2006/main">
+  <p:cSld>
+    <p:spTree>
+      <p:nvGrpSpPr>
+        <p:cNvPr id="1" name=""/>
+        <p:cNvGrpSpPr/>
+        <p:nvPr/>
+      </p:nvGrpSpPr>
+      <p:grpSpPr>
+        <a:xfrm>
+          <a:off x="0" y="0"/>
+          <a:ext cx="0" cy="0"/>
+          <a:chOff x="0" y="0"/>
+          <a:chExt cx="0" cy="0"/>
+        </a:xfrm>
+      </p:grpSpPr>
+      <p:sp>
+        <p:nvSpPr>
+          <p:cNvPr id="4" name="Rectangle: Rounded Corners 3"/>
+          <p:cNvSpPr/>
+          <p:nvPr/>
+        </p:nvSpPr>
+        <p:spPr>
+          <a:xfrm>
+            <a:off x="555812" y="726142"/>
+            <a:ext cx="11214847" cy="5710518"/>
+          </a:xfrm>
+          <a:prstGeom prst="roundRect">
+            <a:avLst/>
+          </a:prstGeom>
+          <a:noFill/>
+          <a:ln w="38100">
+            <a:solidFill>
+              <a:schemeClr val="tx2">
+                <a:lumMod val="60000"/>
+                <a:lumOff val="40000"/>
+              </a:schemeClr>
+            </a:solidFill>
+          </a:ln>
+        </p:spPr>
+        <p:style>
+          <a:lnRef idx="2">
+            <a:schemeClr val="accent1"/>
+          </a:lnRef>
+          <a:fillRef idx="1">
+            <a:schemeClr val="lt1"/>
+          </a:fillRef>
+          <a:effectRef idx="0">
+            <a:schemeClr val="accent1"/>
+          </a:effectRef>
+          <a:fontRef idx="minor">
+            <a:schemeClr val="dk1"/>
+          </a:fontRef>
+        </p:style>
+        <p:txBody>
+          <a:bodyPr rtlCol="0" anchor="ctr"/>
+          <a:lstStyle/>
+          <a:p>
+            <a:pPr algn="ctr"/>
+            <a:endParaRPr lang="en-IN"/>
+          </a:p>
+        </p:txBody>
+      </p:sp>
+      <p:sp>
+        <p:nvSpPr>
+          <p:cNvPr id="6" name="Date Placeholder 5"/>
+          <p:cNvSpPr>
+            <a:spLocks noGrp="1" noEditPoints="1"/>
+          </p:cNvSpPr>
+          <p:nvPr>
+            <p:ph type="dt" sz="half" idx="10"/>
+          </p:nvPr>
+        </p:nvSpPr>
+        <p:spPr>
+          <a:xfrm>
+            <a:off x="468406" y="6467756"/>
+            <a:ext cx="2743200" cy="365125"/>
+          </a:xfrm>
+        </p:spPr>
+        <p:txBody>
+          <a:bodyPr/>
+          <a:lstStyle/>
+          <a:p>
+            <a:fld id="{D32BADB9-0066-450F-B57B-EB761B004FAF}" type="datetime1">
+              <a:rPr lang="en-IN" sz="2000" smtClean="0">
+                <a:solidFill>
+                  <a:schemeClr val="tx1"/>
+                </a:solidFill>
+                <a:latin typeface="Times New Roman" panose="02020603050405020304" pitchFamily="18" charset="0"/>
+                <a:cs typeface="Times New Roman" panose="02020603050405020304" pitchFamily="18" charset="0"/>
+              </a:rPr>
+              <a:t>28-10-2024</a:t>
+            </a:fld>
+            <a:endParaRPr lang="en-IN" sz="2000">
+              <a:solidFill>
+                <a:schemeClr val="tx1"/>
+              </a:solidFill>
+              <a:latin typeface="Times New Roman" panose="02020603050405020304" pitchFamily="18" charset="0"/>
+              <a:cs typeface="Times New Roman" panose="02020603050405020304" pitchFamily="18" charset="0"/>
+            </a:endParaRPr>
+          </a:p>
+        </p:txBody>
+      </p:sp>
+      <p:sp>
+        <p:nvSpPr>
+          <p:cNvPr id="7" name="Footer Placeholder 6"/>
+          <p:cNvSpPr>
+            <a:spLocks noGrp="1" noEditPoints="1"/>
+          </p:cNvSpPr>
+          <p:nvPr>
+            <p:ph type="ftr" sz="quarter" idx="11"/>
+          </p:nvPr>
+        </p:nvSpPr>
+        <p:spPr>
+          <a:xfrm>
+            <a:off x="9663953" y="6436660"/>
+            <a:ext cx="2232211" cy="365125"/>
+          </a:xfrm>
+        </p:spPr>
+        <p:txBody>
+          <a:bodyPr/>
+          <a:lstStyle/>
+          <a:p>
+            <a:pPr lvl="1" algn="ctr"/>
+            <a:r>
+              <a:rPr lang="en-IN" sz="2400" dirty="0">
+                <a:latin typeface="Times New Roman"/>
+                <a:cs typeface="Times New Roman"/>
+              </a:rPr>
+              <a:t>Team 59</a:t>
+            </a:r>
+            <a:endParaRPr lang="en-IN" sz="2400" dirty="0">
+              <a:latin typeface="Times New Roman" panose="02020603050405020304" pitchFamily="18" charset="0"/>
+              <a:cs typeface="Times New Roman" panose="02020603050405020304" pitchFamily="18" charset="0"/>
+            </a:endParaRPr>
+          </a:p>
+        </p:txBody>
+      </p:sp>
+      <p:pic>
+        <p:nvPicPr>
+          <p:cNvPr id="1026" name="Picture 2" descr="Amrita Vishwa Vidyapeetham, Coimbatore: Courses, Fees ..."/>
+          <p:cNvPicPr>
+            <a:picLocks noChangeAspect="1" noChangeArrowheads="1"/>
+          </p:cNvPicPr>
+          <p:nvPr/>
+        </p:nvPicPr>
+        <p:blipFill>
+          <a:blip r:embed="rId3" cstate="print"/>
+          <a:srcRect/>
+          <a:stretch>
+            <a:fillRect/>
+          </a:stretch>
+        </p:blipFill>
+        <p:spPr bwMode="auto">
+          <a:xfrm>
+            <a:off x="31937" y="25119"/>
+            <a:ext cx="965000" cy="943069"/>
+          </a:xfrm>
+          <a:prstGeom prst="rect">
+            <a:avLst/>
+          </a:prstGeom>
+          <a:noFill/>
+        </p:spPr>
+      </p:pic>
+      <p:sp>
+        <p:nvSpPr>
+          <p:cNvPr id="8" name="Title 7"/>
+          <p:cNvSpPr>
+            <a:spLocks noGrp="1" noEditPoints="1"/>
+          </p:cNvSpPr>
+          <p:nvPr>
+            <p:ph type="ctrTitle"/>
+          </p:nvPr>
+        </p:nvSpPr>
+        <p:spPr>
+          <a:xfrm>
+            <a:off x="1524000" y="893763"/>
+            <a:ext cx="9144000" cy="968375"/>
+          </a:xfrm>
+        </p:spPr>
+        <p:txBody>
+          <a:bodyPr>
+            <a:normAutofit/>
+          </a:bodyPr>
+          <a:lstStyle/>
+          <a:p>
+            <a:r>
+              <a:rPr lang="en-IN" sz="3600" dirty="0">
+                <a:latin typeface="Times New Roman" panose="02020603050405020304" pitchFamily="18" charset="0"/>
+                <a:cs typeface="Times New Roman" panose="02020603050405020304" pitchFamily="18" charset="0"/>
+              </a:rPr>
+              <a:t>Research Objective</a:t>
+            </a:r>
+          </a:p>
+        </p:txBody>
+      </p:sp>
+      <p:sp>
+        <p:nvSpPr>
+          <p:cNvPr id="10" name="Subtitle 9"/>
+          <p:cNvSpPr>
+            <a:spLocks noGrp="1" noEditPoints="1"/>
+          </p:cNvSpPr>
+          <p:nvPr>
+            <p:ph type="subTitle" idx="1"/>
+          </p:nvPr>
+        </p:nvSpPr>
+        <p:spPr>
+          <a:xfrm>
+            <a:off x="1361197" y="2264015"/>
+            <a:ext cx="9704716" cy="2874962"/>
+          </a:xfrm>
+        </p:spPr>
+        <p:txBody>
+          <a:bodyPr vert="horz" lIns="91440" tIns="45720" rIns="91440" bIns="45720" rtlCol="0" anchor="t">
+            <a:normAutofit/>
+          </a:bodyPr>
+          <a:lstStyle/>
+          <a:p>
+            <a:pPr algn="l"/>
+            <a:r>
+              <a:rPr lang="en-GB" b="0" i="0" dirty="0">
+                <a:solidFill>
+                  <a:srgbClr val="111111"/>
+                </a:solidFill>
+                <a:effectLst/>
+                <a:highlight>
+                  <a:srgbClr val="FFFFFF"/>
+                </a:highlight>
+                <a:latin typeface="Times New Roman" panose="02020603050405020304" pitchFamily="18" charset="0"/>
+                <a:cs typeface="Times New Roman" panose="02020603050405020304" pitchFamily="18" charset="0"/>
+              </a:rPr>
+              <a:t>The objective is to focus on creating a system that not only retrieves relevant information but also generates tailored advice, ensuring that the career guidance is both precise and personalized.</a:t>
+            </a:r>
+          </a:p>
+          <a:p>
+            <a:pPr marL="342900" indent="-342900" algn="just">
+              <a:lnSpc>
+                <a:spcPct val="150000"/>
+              </a:lnSpc>
+              <a:buChar char="•"/>
+            </a:pPr>
+            <a:endParaRPr lang="en-IN" dirty="0">
+              <a:latin typeface="Times New Roman" panose="02020603050405020304" pitchFamily="18" charset="0"/>
+              <a:cs typeface="Times New Roman" panose="02020603050405020304" pitchFamily="18" charset="0"/>
+            </a:endParaRPr>
+          </a:p>
+        </p:txBody>
+      </p:sp>
+      <p:sp>
+        <p:nvSpPr>
+          <p:cNvPr id="3" name="TextBox 2">
+            <a:extLst>
+              <a:ext uri="{FF2B5EF4-FFF2-40B4-BE49-F238E27FC236}">
+                <a16:creationId xmlns:a16="http://schemas.microsoft.com/office/drawing/2014/main" id="{94F073A4-90D9-7279-E837-85D0996C9125}"/>
+              </a:ext>
+            </a:extLst>
+          </p:cNvPr>
+          <p:cNvSpPr txBox="1"/>
+          <p:nvPr/>
+        </p:nvSpPr>
+        <p:spPr>
+          <a:xfrm>
+            <a:off x="2248182" y="176680"/>
+            <a:ext cx="7830105" cy="550600"/>
+          </a:xfrm>
+          <a:prstGeom prst="rect">
+            <a:avLst/>
+          </a:prstGeom>
+          <a:noFill/>
+        </p:spPr>
+        <p:txBody>
+          <a:bodyPr wrap="square" lIns="91440" tIns="45720" rIns="91440" bIns="45720" rtlCol="0" anchor="t">
+            <a:spAutoFit/>
+          </a:bodyPr>
+          <a:lstStyle/>
+          <a:p>
+            <a:pPr marL="0" marR="0" algn="ctr">
+              <a:lnSpc>
+                <a:spcPct val="115000"/>
+              </a:lnSpc>
+              <a:spcBef>
+                <a:spcPts val="0"/>
+              </a:spcBef>
+              <a:spcAft>
+                <a:spcPts val="0"/>
+              </a:spcAft>
+            </a:pPr>
+            <a:r>
+              <a:rPr lang="en-US" sz="1400" b="1" dirty="0">
+                <a:effectLst/>
+                <a:latin typeface="Times New Roman" panose="02020603050405020304" pitchFamily="18" charset="0"/>
+                <a:ea typeface="Arial" panose="020B0604020202020204" pitchFamily="34" charset="0"/>
+              </a:rPr>
+              <a:t>RAG Enhanced Assistive Software For Career Guidance</a:t>
+            </a:r>
+            <a:br>
+              <a:rPr lang="en-US" sz="1400" b="1" dirty="0">
+                <a:effectLst/>
+                <a:latin typeface="Times New Roman" panose="02020603050405020304" pitchFamily="18" charset="0"/>
+                <a:ea typeface="Arial" panose="020B0604020202020204" pitchFamily="34" charset="0"/>
+              </a:rPr>
+            </a:br>
+            <a:endParaRPr lang="en-US" sz="1300" dirty="0">
+              <a:effectLst/>
+              <a:latin typeface="Arial" panose="020B0604020202020204" pitchFamily="34" charset="0"/>
+              <a:ea typeface="Arial" panose="020B0604020202020204" pitchFamily="34" charset="0"/>
+            </a:endParaRPr>
+          </a:p>
+        </p:txBody>
+      </p:sp>
+      <p:sp>
+        <p:nvSpPr>
+          <p:cNvPr id="5" name="Slide Number Placeholder 7">
+            <a:extLst>
+              <a:ext uri="{FF2B5EF4-FFF2-40B4-BE49-F238E27FC236}">
+                <a16:creationId xmlns:a16="http://schemas.microsoft.com/office/drawing/2014/main" id="{7B048D3A-6725-3C60-01D3-6300EB0559CC}"/>
+              </a:ext>
+            </a:extLst>
+          </p:cNvPr>
+          <p:cNvSpPr>
+            <a:spLocks noGrp="1"/>
+          </p:cNvSpPr>
+          <p:nvPr>
+            <p:ph type="sldNum" sz="quarter" idx="12"/>
+          </p:nvPr>
+        </p:nvSpPr>
+        <p:spPr>
+          <a:xfrm>
+            <a:off x="3420034" y="6467755"/>
+            <a:ext cx="2743200" cy="365125"/>
+          </a:xfrm>
+        </p:spPr>
+        <p:txBody>
+          <a:bodyPr/>
+          <a:lstStyle/>
+          <a:p>
+            <a:fld id="{12EC02DA-033E-4E45-979C-FC77C52540B5}" type="slidenum">
+              <a:rPr lang="en-IN" sz="2000" smtClean="0">
+                <a:solidFill>
+                  <a:schemeClr val="tx1"/>
+                </a:solidFill>
+              </a:rPr>
+              <a:pPr/>
+              <a:t>23</a:t>
+            </a:fld>
+            <a:endParaRPr lang="en-IN" sz="2000" dirty="0">
+              <a:solidFill>
+                <a:schemeClr val="tx1"/>
+              </a:solidFill>
+            </a:endParaRPr>
+          </a:p>
+        </p:txBody>
+      </p:sp>
+    </p:spTree>
+    <p:extLst>
+      <p:ext uri="{BB962C8B-B14F-4D97-AF65-F5344CB8AC3E}">
+        <p14:creationId xmlns:p14="http://schemas.microsoft.com/office/powerpoint/2010/main" val="3655407934"/>
+      </p:ext>
+    </p:extLst>
+  </p:cSld>
+  <p:clrMapOvr>
+    <a:masterClrMapping/>
+  </p:clrMapOvr>
+</p:sld>
+</file>
+
+<file path=ppt/slides/slide24.xml><?xml version="1.0" encoding="utf-8"?>
+<p:sld xmlns:a="http://schemas.openxmlformats.org/drawingml/2006/main" xmlns:r="http://schemas.openxmlformats.org/officeDocument/2006/relationships" xmlns:p="http://schemas.openxmlformats.org/presentationml/2006/main">
+  <p:cSld>
+    <p:spTree>
+      <p:nvGrpSpPr>
+        <p:cNvPr id="1" name=""/>
+        <p:cNvGrpSpPr/>
+        <p:nvPr/>
+      </p:nvGrpSpPr>
+      <p:grpSpPr>
+        <a:xfrm>
+          <a:off x="0" y="0"/>
+          <a:ext cx="0" cy="0"/>
+          <a:chOff x="0" y="0"/>
+          <a:chExt cx="0" cy="0"/>
+        </a:xfrm>
+      </p:grpSpPr>
+      <p:sp>
+        <p:nvSpPr>
+          <p:cNvPr id="4" name="Rectangle: Rounded Corners 3"/>
+          <p:cNvSpPr/>
+          <p:nvPr/>
+        </p:nvSpPr>
+        <p:spPr>
+          <a:xfrm>
+            <a:off x="555812" y="726142"/>
+            <a:ext cx="11214847" cy="5710518"/>
+          </a:xfrm>
+          <a:prstGeom prst="roundRect">
+            <a:avLst/>
+          </a:prstGeom>
+          <a:noFill/>
+          <a:ln w="38100">
+            <a:solidFill>
+              <a:schemeClr val="tx2">
+                <a:lumMod val="60000"/>
+                <a:lumOff val="40000"/>
+              </a:schemeClr>
+            </a:solidFill>
+          </a:ln>
+        </p:spPr>
+        <p:style>
+          <a:lnRef idx="2">
+            <a:schemeClr val="accent1"/>
+          </a:lnRef>
+          <a:fillRef idx="1">
+            <a:schemeClr val="lt1"/>
+          </a:fillRef>
+          <a:effectRef idx="0">
+            <a:schemeClr val="accent1"/>
+          </a:effectRef>
+          <a:fontRef idx="minor">
+            <a:schemeClr val="dk1"/>
+          </a:fontRef>
+        </p:style>
+        <p:txBody>
+          <a:bodyPr rtlCol="0" anchor="ctr"/>
+          <a:lstStyle/>
+          <a:p>
+            <a:pPr algn="ctr"/>
+            <a:endParaRPr lang="en-IN"/>
+          </a:p>
+        </p:txBody>
+      </p:sp>
+      <p:sp>
+        <p:nvSpPr>
+          <p:cNvPr id="6" name="Date Placeholder 5"/>
+          <p:cNvSpPr>
+            <a:spLocks noGrp="1" noEditPoints="1"/>
+          </p:cNvSpPr>
+          <p:nvPr>
+            <p:ph type="dt" sz="half" idx="10"/>
+          </p:nvPr>
+        </p:nvSpPr>
+        <p:spPr>
+          <a:xfrm>
+            <a:off x="468406" y="6467756"/>
+            <a:ext cx="2743200" cy="365125"/>
+          </a:xfrm>
+        </p:spPr>
+        <p:txBody>
+          <a:bodyPr/>
+          <a:lstStyle/>
+          <a:p>
+            <a:fld id="{3CFD3547-B15D-4927-8931-9F46BAE200C0}" type="datetime1">
+              <a:rPr lang="en-IN" sz="2000" smtClean="0">
+                <a:solidFill>
+                  <a:schemeClr val="tx1"/>
+                </a:solidFill>
+                <a:latin typeface="Times New Roman" panose="02020603050405020304" pitchFamily="18" charset="0"/>
+                <a:cs typeface="Times New Roman" panose="02020603050405020304" pitchFamily="18" charset="0"/>
+              </a:rPr>
+              <a:t>28-10-2024</a:t>
+            </a:fld>
+            <a:endParaRPr lang="en-IN" sz="2000">
+              <a:solidFill>
+                <a:schemeClr val="tx1"/>
+              </a:solidFill>
+              <a:latin typeface="Times New Roman" panose="02020603050405020304" pitchFamily="18" charset="0"/>
+              <a:cs typeface="Times New Roman" panose="02020603050405020304" pitchFamily="18" charset="0"/>
+            </a:endParaRPr>
+          </a:p>
+        </p:txBody>
+      </p:sp>
+      <p:sp>
+        <p:nvSpPr>
+          <p:cNvPr id="7" name="Footer Placeholder 6"/>
+          <p:cNvSpPr>
+            <a:spLocks noGrp="1" noEditPoints="1"/>
+          </p:cNvSpPr>
+          <p:nvPr>
+            <p:ph type="ftr" sz="quarter" idx="11"/>
+          </p:nvPr>
+        </p:nvSpPr>
+        <p:spPr>
+          <a:xfrm>
+            <a:off x="9663953" y="6436660"/>
+            <a:ext cx="2232211" cy="365125"/>
+          </a:xfrm>
+        </p:spPr>
+        <p:txBody>
+          <a:bodyPr/>
+          <a:lstStyle/>
+          <a:p>
+            <a:pPr lvl="1" algn="ctr"/>
+            <a:r>
+              <a:rPr lang="en-IN" sz="2400" dirty="0">
+                <a:latin typeface="Times New Roman"/>
+                <a:cs typeface="Times New Roman"/>
+              </a:rPr>
+              <a:t>Team 59</a:t>
+            </a:r>
+            <a:endParaRPr lang="en-IN" sz="2400" dirty="0">
+              <a:latin typeface="Times New Roman" panose="02020603050405020304" pitchFamily="18" charset="0"/>
+              <a:cs typeface="Times New Roman" panose="02020603050405020304" pitchFamily="18" charset="0"/>
+            </a:endParaRPr>
+          </a:p>
+        </p:txBody>
+      </p:sp>
+      <p:pic>
+        <p:nvPicPr>
+          <p:cNvPr id="1026" name="Picture 2" descr="Amrita Vishwa Vidyapeetham, Coimbatore: Courses, Fees ..."/>
+          <p:cNvPicPr>
+            <a:picLocks noChangeAspect="1" noChangeArrowheads="1"/>
+          </p:cNvPicPr>
+          <p:nvPr/>
+        </p:nvPicPr>
+        <p:blipFill>
+          <a:blip r:embed="rId3" cstate="print"/>
+          <a:srcRect/>
+          <a:stretch>
+            <a:fillRect/>
+          </a:stretch>
+        </p:blipFill>
+        <p:spPr bwMode="auto">
+          <a:xfrm>
+            <a:off x="31937" y="25119"/>
+            <a:ext cx="965000" cy="943069"/>
+          </a:xfrm>
+          <a:prstGeom prst="rect">
+            <a:avLst/>
+          </a:prstGeom>
+          <a:noFill/>
+        </p:spPr>
+      </p:pic>
+      <p:sp>
+        <p:nvSpPr>
+          <p:cNvPr id="3" name="TextBox 2">
+            <a:extLst>
+              <a:ext uri="{FF2B5EF4-FFF2-40B4-BE49-F238E27FC236}">
+                <a16:creationId xmlns:a16="http://schemas.microsoft.com/office/drawing/2014/main" id="{94F073A4-90D9-7279-E837-85D0996C9125}"/>
+              </a:ext>
+            </a:extLst>
+          </p:cNvPr>
+          <p:cNvSpPr txBox="1"/>
+          <p:nvPr/>
+        </p:nvSpPr>
+        <p:spPr>
+          <a:xfrm>
+            <a:off x="2248182" y="176680"/>
+            <a:ext cx="7830105" cy="550600"/>
+          </a:xfrm>
+          <a:prstGeom prst="rect">
+            <a:avLst/>
+          </a:prstGeom>
+          <a:noFill/>
+        </p:spPr>
+        <p:txBody>
+          <a:bodyPr wrap="square" lIns="91440" tIns="45720" rIns="91440" bIns="45720" rtlCol="0" anchor="t">
+            <a:spAutoFit/>
+          </a:bodyPr>
+          <a:lstStyle/>
+          <a:p>
+            <a:pPr marL="0" marR="0" algn="ctr">
+              <a:lnSpc>
+                <a:spcPct val="115000"/>
+              </a:lnSpc>
+              <a:spcBef>
+                <a:spcPts val="0"/>
+              </a:spcBef>
+              <a:spcAft>
+                <a:spcPts val="0"/>
+              </a:spcAft>
+            </a:pPr>
+            <a:r>
+              <a:rPr lang="en-US" sz="1400" b="1" dirty="0">
+                <a:effectLst/>
+                <a:latin typeface="Times New Roman" panose="02020603050405020304" pitchFamily="18" charset="0"/>
+                <a:ea typeface="Arial" panose="020B0604020202020204" pitchFamily="34" charset="0"/>
+              </a:rPr>
+              <a:t>RAG Enhanced Assistive Software For Career Guidance</a:t>
+            </a:r>
+            <a:br>
+              <a:rPr lang="en-US" sz="1400" b="1" dirty="0">
+                <a:effectLst/>
+                <a:latin typeface="Times New Roman" panose="02020603050405020304" pitchFamily="18" charset="0"/>
+                <a:ea typeface="Arial" panose="020B0604020202020204" pitchFamily="34" charset="0"/>
+              </a:rPr>
+            </a:br>
+            <a:endParaRPr lang="en-US" sz="1300" dirty="0">
+              <a:effectLst/>
+              <a:latin typeface="Arial" panose="020B0604020202020204" pitchFamily="34" charset="0"/>
+              <a:ea typeface="Arial" panose="020B0604020202020204" pitchFamily="34" charset="0"/>
+            </a:endParaRPr>
+          </a:p>
+        </p:txBody>
+      </p:sp>
+      <p:sp>
+        <p:nvSpPr>
+          <p:cNvPr id="5" name="Title 4">
+            <a:extLst>
+              <a:ext uri="{FF2B5EF4-FFF2-40B4-BE49-F238E27FC236}">
+                <a16:creationId xmlns:a16="http://schemas.microsoft.com/office/drawing/2014/main" id="{D45E2B27-30CE-F0CC-FE22-09036B9CD466}"/>
+              </a:ext>
+            </a:extLst>
+          </p:cNvPr>
+          <p:cNvSpPr>
+            <a:spLocks noGrp="1"/>
+          </p:cNvSpPr>
+          <p:nvPr>
+            <p:ph type="ctrTitle"/>
+          </p:nvPr>
+        </p:nvSpPr>
+        <p:spPr>
+          <a:xfrm>
+            <a:off x="1591234" y="683696"/>
+            <a:ext cx="9144000" cy="531223"/>
+          </a:xfrm>
+        </p:spPr>
+        <p:txBody>
+          <a:bodyPr>
+            <a:normAutofit/>
+          </a:bodyPr>
+          <a:lstStyle/>
+          <a:p>
+            <a:r>
+              <a:rPr lang="en-US" sz="3000" dirty="0">
+                <a:latin typeface="Times New Roman" panose="02020603050405020304" pitchFamily="18" charset="0"/>
+                <a:cs typeface="Times New Roman" panose="02020603050405020304" pitchFamily="18" charset="0"/>
+              </a:rPr>
+              <a:t>Timeline</a:t>
+            </a:r>
+          </a:p>
+        </p:txBody>
+      </p:sp>
+      <p:pic>
+        <p:nvPicPr>
+          <p:cNvPr id="12" name="Picture 11">
+            <a:extLst>
+              <a:ext uri="{FF2B5EF4-FFF2-40B4-BE49-F238E27FC236}">
+                <a16:creationId xmlns:a16="http://schemas.microsoft.com/office/drawing/2014/main" id="{3D43D603-8B0E-9294-638C-FB75957A536F}"/>
+              </a:ext>
+            </a:extLst>
+          </p:cNvPr>
+          <p:cNvPicPr>
+            <a:picLocks noChangeAspect="1"/>
+          </p:cNvPicPr>
+          <p:nvPr/>
+        </p:nvPicPr>
+        <p:blipFill>
+          <a:blip r:embed="rId4">
+            <a:extLst>
+              <a:ext uri="{28A0092B-C50C-407E-A947-70E740481C1C}">
+                <a14:useLocalDpi xmlns:a14="http://schemas.microsoft.com/office/drawing/2010/main" val="0"/>
+              </a:ext>
+            </a:extLst>
+          </a:blip>
+          <a:srcRect t="11026" b="849"/>
+          <a:stretch/>
+        </p:blipFill>
+        <p:spPr>
+          <a:xfrm>
+            <a:off x="2301687" y="1220769"/>
+            <a:ext cx="7723094" cy="5104485"/>
+          </a:xfrm>
+          <a:prstGeom prst="rect">
+            <a:avLst/>
+          </a:prstGeom>
+        </p:spPr>
+      </p:pic>
+      <p:sp>
+        <p:nvSpPr>
+          <p:cNvPr id="13" name="Slide Number Placeholder 7">
+            <a:extLst>
+              <a:ext uri="{FF2B5EF4-FFF2-40B4-BE49-F238E27FC236}">
+                <a16:creationId xmlns:a16="http://schemas.microsoft.com/office/drawing/2014/main" id="{2F148573-EB4E-6701-1A2F-41EDED09D318}"/>
+              </a:ext>
+            </a:extLst>
+          </p:cNvPr>
+          <p:cNvSpPr>
+            <a:spLocks noGrp="1"/>
+          </p:cNvSpPr>
+          <p:nvPr>
+            <p:ph type="sldNum" sz="quarter" idx="12"/>
+          </p:nvPr>
+        </p:nvSpPr>
+        <p:spPr>
+          <a:xfrm>
+            <a:off x="3420034" y="6467755"/>
+            <a:ext cx="2743200" cy="365125"/>
+          </a:xfrm>
+        </p:spPr>
+        <p:txBody>
+          <a:bodyPr/>
+          <a:lstStyle/>
+          <a:p>
+            <a:fld id="{12EC02DA-033E-4E45-979C-FC77C52540B5}" type="slidenum">
+              <a:rPr lang="en-IN" sz="2000" smtClean="0">
+                <a:solidFill>
+                  <a:schemeClr val="tx1"/>
+                </a:solidFill>
+              </a:rPr>
+              <a:pPr/>
+              <a:t>24</a:t>
+            </a:fld>
+            <a:endParaRPr lang="en-IN" sz="2000" dirty="0">
+              <a:solidFill>
+                <a:schemeClr val="tx1"/>
+              </a:solidFill>
+            </a:endParaRPr>
+          </a:p>
+        </p:txBody>
+      </p:sp>
+    </p:spTree>
+    <p:extLst>
+      <p:ext uri="{BB962C8B-B14F-4D97-AF65-F5344CB8AC3E}">
+        <p14:creationId xmlns:p14="http://schemas.microsoft.com/office/powerpoint/2010/main" val="1273999278"/>
+      </p:ext>
+    </p:extLst>
+  </p:cSld>
+  <p:clrMapOvr>
+    <a:masterClrMapping/>
+  </p:clrMapOvr>
+</p:sld>
+</file>
+
+<file path=ppt/slides/slide25.xml><?xml version="1.0" encoding="utf-8"?>
+<p:sld xmlns:a="http://schemas.openxmlformats.org/drawingml/2006/main" xmlns:r="http://schemas.openxmlformats.org/officeDocument/2006/relationships" xmlns:p="http://schemas.openxmlformats.org/presentationml/2006/main">
+  <p:cSld>
+    <p:spTree>
+      <p:nvGrpSpPr>
+        <p:cNvPr id="1" name=""/>
+        <p:cNvGrpSpPr/>
+        <p:nvPr/>
+      </p:nvGrpSpPr>
+      <p:grpSpPr>
+        <a:xfrm>
+          <a:off x="0" y="0"/>
+          <a:ext cx="0" cy="0"/>
+          <a:chOff x="0" y="0"/>
+          <a:chExt cx="0" cy="0"/>
+        </a:xfrm>
+      </p:grpSpPr>
+      <p:sp>
+        <p:nvSpPr>
+          <p:cNvPr id="4" name="Rectangle: Rounded Corners 3"/>
+          <p:cNvSpPr/>
+          <p:nvPr/>
+        </p:nvSpPr>
+        <p:spPr>
+          <a:xfrm>
+            <a:off x="555812" y="726142"/>
+            <a:ext cx="11214847" cy="5710518"/>
+          </a:xfrm>
+          <a:prstGeom prst="roundRect">
+            <a:avLst/>
+          </a:prstGeom>
+          <a:noFill/>
+          <a:ln w="38100">
+            <a:solidFill>
+              <a:schemeClr val="tx2">
+                <a:lumMod val="60000"/>
+                <a:lumOff val="40000"/>
+              </a:schemeClr>
+            </a:solidFill>
+          </a:ln>
+        </p:spPr>
+        <p:style>
+          <a:lnRef idx="2">
+            <a:schemeClr val="accent1"/>
+          </a:lnRef>
+          <a:fillRef idx="1">
+            <a:schemeClr val="lt1"/>
+          </a:fillRef>
+          <a:effectRef idx="0">
+            <a:schemeClr val="accent1"/>
+          </a:effectRef>
+          <a:fontRef idx="minor">
+            <a:schemeClr val="dk1"/>
+          </a:fontRef>
+        </p:style>
+        <p:txBody>
+          <a:bodyPr rtlCol="0" anchor="ctr"/>
+          <a:lstStyle/>
+          <a:p>
+            <a:pPr algn="ctr"/>
+            <a:endParaRPr lang="en-IN"/>
+          </a:p>
+        </p:txBody>
+      </p:sp>
+      <p:sp>
+        <p:nvSpPr>
+          <p:cNvPr id="6" name="Date Placeholder 5"/>
+          <p:cNvSpPr>
+            <a:spLocks noGrp="1" noEditPoints="1"/>
+          </p:cNvSpPr>
+          <p:nvPr>
+            <p:ph type="dt" sz="half" idx="10"/>
+          </p:nvPr>
+        </p:nvSpPr>
+        <p:spPr>
+          <a:xfrm>
+            <a:off x="468406" y="6467756"/>
+            <a:ext cx="2743200" cy="365125"/>
+          </a:xfrm>
+        </p:spPr>
+        <p:txBody>
+          <a:bodyPr/>
+          <a:lstStyle/>
+          <a:p>
+            <a:fld id="{3800BF33-3ADA-4421-ACA6-151DD70E27C1}" type="datetime1">
+              <a:rPr lang="en-IN" sz="2000" smtClean="0">
+                <a:solidFill>
+                  <a:schemeClr val="tx1"/>
+                </a:solidFill>
+                <a:latin typeface="Times New Roman" panose="02020603050405020304" pitchFamily="18" charset="0"/>
+                <a:cs typeface="Times New Roman" panose="02020603050405020304" pitchFamily="18" charset="0"/>
+              </a:rPr>
+              <a:t>28-10-2024</a:t>
             </a:fld>
             <a:endParaRPr lang="en-IN" sz="2000">
               <a:solidFill>
@@ -20321,7 +24067,7 @@
                 </a:solidFill>
               </a:rPr>
               <a:pPr/>
-              <a:t>22</a:t>
+              <a:t>25</a:t>
             </a:fld>
             <a:endParaRPr lang="en-IN" sz="2000" dirty="0">
               <a:solidFill>
@@ -20339,7 +24085,7 @@
 </p:sld>
 </file>
 
-<file path=ppt/slides/slide23.xml><?xml version="1.0" encoding="utf-8"?>
+<file path=ppt/slides/slide26.xml><?xml version="1.0" encoding="utf-8"?>
 <p:sld xmlns:a="http://schemas.openxmlformats.org/drawingml/2006/main" xmlns:r="http://schemas.openxmlformats.org/officeDocument/2006/relationships" xmlns:p="http://schemas.openxmlformats.org/presentationml/2006/main">
   <p:cSld>
     <p:spTree>
@@ -20384,7 +24130,7 @@
                 <a:latin typeface="Times New Roman" panose="02020603050405020304" pitchFamily="18" charset="0"/>
                 <a:cs typeface="Times New Roman" panose="02020603050405020304" pitchFamily="18" charset="0"/>
               </a:rPr>
-              <a:t>23-09-2024</a:t>
+              <a:t>28-10-2024</a:t>
             </a:fld>
             <a:endParaRPr lang="en-IN" sz="2000">
               <a:solidFill>
@@ -20959,7 +24705,7 @@
                 </a:solidFill>
               </a:rPr>
               <a:pPr/>
-              <a:t>23</a:t>
+              <a:t>26</a:t>
             </a:fld>
             <a:endParaRPr lang="en-IN" sz="2000" dirty="0">
               <a:solidFill>
@@ -20982,7 +24728,7 @@
 </p:sld>
 </file>
 
-<file path=ppt/slides/slide24.xml><?xml version="1.0" encoding="utf-8"?>
+<file path=ppt/slides/slide27.xml><?xml version="1.0" encoding="utf-8"?>
 <p:sld xmlns:a="http://schemas.openxmlformats.org/drawingml/2006/main" xmlns:r="http://schemas.openxmlformats.org/officeDocument/2006/relationships" xmlns:p="http://schemas.openxmlformats.org/presentationml/2006/main">
   <p:cSld>
     <p:spTree>
@@ -21074,7 +24820,7 @@
                 <a:latin typeface="Times New Roman" panose="02020603050405020304" pitchFamily="18" charset="0"/>
                 <a:cs typeface="Times New Roman" panose="02020603050405020304" pitchFamily="18" charset="0"/>
               </a:rPr>
-              <a:t>23-09-2024</a:t>
+              <a:t>28-10-2024</a:t>
             </a:fld>
             <a:endParaRPr lang="en-IN" sz="2000" dirty="0">
               <a:solidFill>
@@ -21159,7 +24905,7 @@
         </p:nvSpPr>
         <p:spPr>
           <a:xfrm>
-            <a:off x="2592593" y="853686"/>
+            <a:off x="2592593" y="729269"/>
             <a:ext cx="7071360" cy="477837"/>
           </a:xfrm>
         </p:spPr>
@@ -21263,7 +25009,7 @@
         </p:nvSpPr>
         <p:spPr>
           <a:xfrm>
-            <a:off x="972102" y="1331523"/>
+            <a:off x="1010966" y="1092604"/>
             <a:ext cx="10382264" cy="3931304"/>
           </a:xfrm>
         </p:spPr>
@@ -22392,7 +26138,151 @@
               </a:rPr>
               <a:t> (pp. 993-999). IEEE.</a:t>
             </a:r>
-            <a:endParaRPr lang="en-GB" sz="1200" b="0" i="0" dirty="0">
+          </a:p>
+          <a:p>
+            <a:pPr lvl="0" algn="l">
+              <a:lnSpc>
+                <a:spcPct val="107000"/>
+              </a:lnSpc>
+            </a:pPr>
+            <a:r>
+              <a:rPr lang="en-IN" sz="1100" b="1" kern="100" dirty="0">
+                <a:effectLst/>
+                <a:latin typeface="Times New Roman" panose="02020603050405020304" pitchFamily="18" charset="0"/>
+                <a:ea typeface="Calibri" panose="020F0502020204030204" pitchFamily="34" charset="0"/>
+                <a:cs typeface="Times New Roman" panose="02020603050405020304" pitchFamily="18" charset="0"/>
+              </a:rPr>
+              <a:t>Paper 12</a:t>
+            </a:r>
+            <a:r>
+              <a:rPr lang="en-IN" sz="1100" kern="100" dirty="0">
+                <a:effectLst/>
+                <a:latin typeface="Times New Roman" panose="02020603050405020304" pitchFamily="18" charset="0"/>
+                <a:ea typeface="Calibri" panose="020F0502020204030204" pitchFamily="34" charset="0"/>
+                <a:cs typeface="Times New Roman" panose="02020603050405020304" pitchFamily="18" charset="0"/>
+              </a:rPr>
+              <a:t> -</a:t>
+            </a:r>
+            <a:r>
+              <a:rPr lang="en-IN" sz="1100" kern="100" dirty="0">
+                <a:effectLst/>
+                <a:latin typeface="Calibri" panose="020F0502020204030204" pitchFamily="34" charset="0"/>
+                <a:ea typeface="Calibri" panose="020F0502020204030204" pitchFamily="34" charset="0"/>
+                <a:cs typeface="Times New Roman" panose="02020603050405020304" pitchFamily="18" charset="0"/>
+              </a:rPr>
+              <a:t> </a:t>
+            </a:r>
+            <a:r>
+              <a:rPr lang="en-IN" sz="1100" kern="100" dirty="0">
+                <a:effectLst/>
+                <a:latin typeface="Times New Roman" panose="02020603050405020304" pitchFamily="18" charset="0"/>
+                <a:ea typeface="Calibri" panose="020F0502020204030204" pitchFamily="34" charset="0"/>
+                <a:cs typeface="Times New Roman" panose="02020603050405020304" pitchFamily="18" charset="0"/>
+              </a:rPr>
+              <a:t>L. </a:t>
+            </a:r>
+            <a:r>
+              <a:rPr lang="en-IN" sz="1100" kern="100" dirty="0" err="1">
+                <a:effectLst/>
+                <a:latin typeface="Times New Roman" panose="02020603050405020304" pitchFamily="18" charset="0"/>
+                <a:ea typeface="Calibri" panose="020F0502020204030204" pitchFamily="34" charset="0"/>
+                <a:cs typeface="Times New Roman" panose="02020603050405020304" pitchFamily="18" charset="0"/>
+              </a:rPr>
+              <a:t>Stanchev</a:t>
+            </a:r>
+            <a:r>
+              <a:rPr lang="en-IN" sz="1100" kern="100" dirty="0">
+                <a:effectLst/>
+                <a:latin typeface="Times New Roman" panose="02020603050405020304" pitchFamily="18" charset="0"/>
+                <a:ea typeface="Calibri" panose="020F0502020204030204" pitchFamily="34" charset="0"/>
+                <a:cs typeface="Times New Roman" panose="02020603050405020304" pitchFamily="18" charset="0"/>
+              </a:rPr>
+              <a:t>, "Semantic search using a similarity graph," Proceedings of the 2015 IEEE 9th International Conference on Semantic Computing (IEEE ICSC 2015), Anaheim, CA, USA, 2015 </a:t>
+            </a:r>
+          </a:p>
+          <a:p>
+            <a:pPr lvl="0" algn="l">
+              <a:lnSpc>
+                <a:spcPct val="107000"/>
+              </a:lnSpc>
+            </a:pPr>
+            <a:r>
+              <a:rPr lang="en-GB" sz="1100" b="1" kern="100" dirty="0">
+                <a:effectLst/>
+                <a:latin typeface="Times New Roman" panose="02020603050405020304" pitchFamily="18" charset="0"/>
+                <a:ea typeface="Calibri" panose="020F0502020204030204" pitchFamily="34" charset="0"/>
+                <a:cs typeface="Times New Roman" panose="02020603050405020304" pitchFamily="18" charset="0"/>
+              </a:rPr>
+              <a:t>Paper 13</a:t>
+            </a:r>
+            <a:r>
+              <a:rPr lang="en-IN" sz="1100" kern="100" dirty="0">
+                <a:effectLst/>
+                <a:latin typeface="Times New Roman" panose="02020603050405020304" pitchFamily="18" charset="0"/>
+                <a:ea typeface="Calibri" panose="020F0502020204030204" pitchFamily="34" charset="0"/>
+                <a:cs typeface="Times New Roman" panose="02020603050405020304" pitchFamily="18" charset="0"/>
+              </a:rPr>
+              <a:t> - A. D, K. S, N. E. R, K. K, J. M. S and R. R, </a:t>
+            </a:r>
+            <a:r>
+              <a:rPr lang="en-IN" sz="1100" kern="100" dirty="0" err="1">
+                <a:effectLst/>
+                <a:latin typeface="Times New Roman" panose="02020603050405020304" pitchFamily="18" charset="0"/>
+                <a:ea typeface="Calibri" panose="020F0502020204030204" pitchFamily="34" charset="0"/>
+                <a:cs typeface="Times New Roman" panose="02020603050405020304" pitchFamily="18" charset="0"/>
+              </a:rPr>
+              <a:t>Resspar</a:t>
+            </a:r>
+            <a:r>
+              <a:rPr lang="en-IN" sz="1100" kern="100" dirty="0">
+                <a:effectLst/>
+                <a:latin typeface="Times New Roman" panose="02020603050405020304" pitchFamily="18" charset="0"/>
+                <a:ea typeface="Calibri" panose="020F0502020204030204" pitchFamily="34" charset="0"/>
+                <a:cs typeface="Times New Roman" panose="02020603050405020304" pitchFamily="18" charset="0"/>
+              </a:rPr>
+              <a:t>: AI-Driven Resume Parsing and Recruitment System using NLP and Generative AI," 2024 Second International Conference on Intelligent Cyber Physical Systems and Internet of Things (</a:t>
+            </a:r>
+            <a:r>
+              <a:rPr lang="en-IN" sz="1100" kern="100" dirty="0" err="1">
+                <a:effectLst/>
+                <a:latin typeface="Times New Roman" panose="02020603050405020304" pitchFamily="18" charset="0"/>
+                <a:ea typeface="Calibri" panose="020F0502020204030204" pitchFamily="34" charset="0"/>
+                <a:cs typeface="Times New Roman" panose="02020603050405020304" pitchFamily="18" charset="0"/>
+              </a:rPr>
+              <a:t>ICoICI</a:t>
+            </a:r>
+            <a:r>
+              <a:rPr lang="en-IN" sz="1100" kern="100" dirty="0">
+                <a:effectLst/>
+                <a:latin typeface="Times New Roman" panose="02020603050405020304" pitchFamily="18" charset="0"/>
+                <a:ea typeface="Calibri" panose="020F0502020204030204" pitchFamily="34" charset="0"/>
+                <a:cs typeface="Times New Roman" panose="02020603050405020304" pitchFamily="18" charset="0"/>
+              </a:rPr>
+              <a:t>), Coimbatore, India, 2024</a:t>
+            </a:r>
+            <a:endParaRPr lang="en-IN" sz="1100" kern="100" dirty="0">
+              <a:effectLst/>
+              <a:latin typeface="Calibri" panose="020F0502020204030204" pitchFamily="34" charset="0"/>
+              <a:ea typeface="Calibri" panose="020F0502020204030204" pitchFamily="34" charset="0"/>
+              <a:cs typeface="Times New Roman" panose="02020603050405020304" pitchFamily="18" charset="0"/>
+            </a:endParaRPr>
+          </a:p>
+          <a:p>
+            <a:pPr algn="l"/>
+            <a:endParaRPr lang="en-US" sz="1200" dirty="0">
+              <a:solidFill>
+                <a:srgbClr val="222222"/>
+              </a:solidFill>
+              <a:highlight>
+                <a:srgbClr val="F8F8F8"/>
+              </a:highlight>
+              <a:latin typeface="Times New Roman" panose="02020603050405020304" pitchFamily="18" charset="0"/>
+              <a:cs typeface="Times New Roman" panose="02020603050405020304" pitchFamily="18" charset="0"/>
+            </a:endParaRPr>
+          </a:p>
+          <a:p>
+            <a:pPr algn="l"/>
+            <a:endParaRPr lang="en-US" sz="1200" b="0" i="0" dirty="0">
               <a:solidFill>
                 <a:srgbClr val="222222"/>
               </a:solidFill>
@@ -22439,7 +26329,7 @@
                 </a:solidFill>
               </a:rPr>
               <a:pPr/>
-              <a:t>24</a:t>
+              <a:t>27</a:t>
             </a:fld>
             <a:endParaRPr lang="en-IN" sz="2000" dirty="0">
               <a:solidFill>
@@ -22554,7 +26444,7 @@
                 <a:latin typeface="Times New Roman" panose="02020603050405020304" pitchFamily="18" charset="0"/>
                 <a:cs typeface="Times New Roman" panose="02020603050405020304" pitchFamily="18" charset="0"/>
               </a:rPr>
-              <a:t>23-09-2024</a:t>
+              <a:t>28-10-2024</a:t>
             </a:fld>
             <a:endParaRPr lang="en-IN" sz="2000">
               <a:solidFill>
@@ -23648,7 +27538,7 @@
                 <a:latin typeface="Times New Roman" panose="02020603050405020304" pitchFamily="18" charset="0"/>
                 <a:cs typeface="Times New Roman" panose="02020603050405020304" pitchFamily="18" charset="0"/>
               </a:rPr>
-              <a:t>23-09-2024</a:t>
+              <a:t>28-10-2024</a:t>
             </a:fld>
             <a:endParaRPr lang="en-IN" sz="2000">
               <a:solidFill>
@@ -24756,7 +28646,7 @@
                 <a:latin typeface="Times New Roman" panose="02020603050405020304" pitchFamily="18" charset="0"/>
                 <a:cs typeface="Times New Roman" panose="02020603050405020304" pitchFamily="18" charset="0"/>
               </a:rPr>
-              <a:t>23-09-2024</a:t>
+              <a:t>28-10-2024</a:t>
             </a:fld>
             <a:endParaRPr lang="en-IN" sz="2000">
               <a:solidFill>
@@ -25295,7 +29185,7 @@
                 <a:latin typeface="Times New Roman" panose="02020603050405020304" pitchFamily="18" charset="0"/>
                 <a:cs typeface="Times New Roman" panose="02020603050405020304" pitchFamily="18" charset="0"/>
               </a:rPr>
-              <a:t>23-09-2024</a:t>
+              <a:t>28-10-2024</a:t>
             </a:fld>
             <a:endParaRPr lang="en-IN" sz="2000">
               <a:solidFill>
@@ -25839,7 +29729,7 @@
                 <a:latin typeface="Times New Roman" panose="02020603050405020304" pitchFamily="18" charset="0"/>
                 <a:cs typeface="Times New Roman" panose="02020603050405020304" pitchFamily="18" charset="0"/>
               </a:rPr>
-              <a:t>23-09-2024</a:t>
+              <a:t>28-10-2024</a:t>
             </a:fld>
             <a:endParaRPr lang="en-IN" sz="2000">
               <a:solidFill>
@@ -26721,7 +30611,7 @@
                 <a:latin typeface="Times New Roman" panose="02020603050405020304" pitchFamily="18" charset="0"/>
                 <a:cs typeface="Times New Roman" panose="02020603050405020304" pitchFamily="18" charset="0"/>
               </a:rPr>
-              <a:t>23-09-2024</a:t>
+              <a:t>28-10-2024</a:t>
             </a:fld>
             <a:endParaRPr lang="en-IN" sz="2000">
               <a:solidFill>
@@ -28031,7 +31921,7 @@
                 <a:latin typeface="Times New Roman" panose="02020603050405020304" pitchFamily="18" charset="0"/>
                 <a:cs typeface="Times New Roman" panose="02020603050405020304" pitchFamily="18" charset="0"/>
               </a:rPr>
-              <a:t>23-09-2024</a:t>
+              <a:t>28-10-2024</a:t>
             </a:fld>
             <a:endParaRPr lang="en-IN" sz="2000">
               <a:solidFill>
@@ -30406,20 +34296,20 @@
 </file>
 
 <file path=customXml/item2.xml><?xml version="1.0" encoding="utf-8"?>
+<p:properties xmlns:p="http://schemas.microsoft.com/office/2006/metadata/properties" xmlns:xsi="http://www.w3.org/2001/XMLSchema-instance" xmlns:pc="http://schemas.microsoft.com/office/infopath/2007/PartnerControls">
+  <documentManagement>
+    <_activity xmlns="e3884598-6334-41dd-8084-a9ad116ca114" xsi:nil="true"/>
+  </documentManagement>
+</p:properties>
+</file>
+
+<file path=customXml/item3.xml><?xml version="1.0" encoding="utf-8"?>
 <?mso-contentType ?>
 <FormTemplates xmlns="http://schemas.microsoft.com/sharepoint/v3/contenttype/forms">
   <Display>DocumentLibraryForm</Display>
   <Edit>DocumentLibraryForm</Edit>
   <New>DocumentLibraryForm</New>
 </FormTemplates>
-</file>
-
-<file path=customXml/item3.xml><?xml version="1.0" encoding="utf-8"?>
-<p:properties xmlns:p="http://schemas.microsoft.com/office/2006/metadata/properties" xmlns:xsi="http://www.w3.org/2001/XMLSchema-instance" xmlns:pc="http://schemas.microsoft.com/office/infopath/2007/PartnerControls">
-  <documentManagement>
-    <_activity xmlns="e3884598-6334-41dd-8084-a9ad116ca114" xsi:nil="true"/>
-  </documentManagement>
-</p:properties>
 </file>
 
 <file path=customXml/itemProps1.xml><?xml version="1.0" encoding="utf-8"?>
@@ -30442,14 +34332,6 @@
 </file>
 
 <file path=customXml/itemProps2.xml><?xml version="1.0" encoding="utf-8"?>
-<ds:datastoreItem xmlns:ds="http://schemas.openxmlformats.org/officeDocument/2006/customXml" ds:itemID="{FCE46A00-F07F-4CF6-BFF7-4B800BB968A1}">
-  <ds:schemaRefs>
-    <ds:schemaRef ds:uri="http://schemas.microsoft.com/sharepoint/v3/contenttype/forms"/>
-  </ds:schemaRefs>
-</ds:datastoreItem>
-</file>
-
-<file path=customXml/itemProps3.xml><?xml version="1.0" encoding="utf-8"?>
 <ds:datastoreItem xmlns:ds="http://schemas.openxmlformats.org/officeDocument/2006/customXml" ds:itemID="{3E112386-D940-42B4-A6FD-F85DCFD0194C}">
   <ds:schemaRefs>
     <ds:schemaRef ds:uri="http://purl.org/dc/elements/1.1/"/>
@@ -30464,4 +34346,12 @@
     <ds:schemaRef ds:uri="http://purl.org/dc/terms/"/>
   </ds:schemaRefs>
 </ds:datastoreItem>
+</file>
+
+<file path=customXml/itemProps3.xml><?xml version="1.0" encoding="utf-8"?>
+<ds:datastoreItem xmlns:ds="http://schemas.openxmlformats.org/officeDocument/2006/customXml" ds:itemID="{FCE46A00-F07F-4CF6-BFF7-4B800BB968A1}">
+  <ds:schemaRefs>
+    <ds:schemaRef ds:uri="http://schemas.microsoft.com/sharepoint/v3/contenttype/forms"/>
+  </ds:schemaRefs>
+</ds:datastoreItem>
 </file>
--- a/Review 1/Career Guidance using RAG.pptx
+++ b/Review 1/Career Guidance using RAG.pptx
@@ -34067,6 +34067,14 @@
 </file>
 
 <file path=customXml/item1.xml><?xml version="1.0" encoding="utf-8"?>
+<p:properties xmlns:p="http://schemas.microsoft.com/office/2006/metadata/properties" xmlns:xsi="http://www.w3.org/2001/XMLSchema-instance" xmlns:pc="http://schemas.microsoft.com/office/infopath/2007/PartnerControls">
+  <documentManagement>
+    <_activity xmlns="e3884598-6334-41dd-8084-a9ad116ca114" xsi:nil="true"/>
+  </documentManagement>
+</p:properties>
+</file>
+
+<file path=customXml/item2.xml><?xml version="1.0" encoding="utf-8"?>
 <ct:contentTypeSchema xmlns:ct="http://schemas.microsoft.com/office/2006/metadata/contentType" xmlns:ma="http://schemas.microsoft.com/office/2006/metadata/properties/metaAttributes" ct:_="" ma:_="" ma:contentTypeName="Document" ma:contentTypeID="0x01010025F8B0AEA918524F9C7920D6B663C371" ma:contentTypeVersion="14" ma:contentTypeDescription="Create a new document." ma:contentTypeScope="" ma:versionID="f1b7e37867f26bbadf41589433e36829">
   <xsd:schema xmlns:xsd="http://www.w3.org/2001/XMLSchema" xmlns:xs="http://www.w3.org/2001/XMLSchema" xmlns:p="http://schemas.microsoft.com/office/2006/metadata/properties" xmlns:ns3="e3884598-6334-41dd-8084-a9ad116ca114" xmlns:ns4="e2eeb589-0d24-46cf-8753-b27ea497333f" targetNamespace="http://schemas.microsoft.com/office/2006/metadata/properties" ma:root="true" ma:fieldsID="d0f5b427ea9598ba1906e02f5ef779d7" ns3:_="" ns4:_="">
     <xsd:import namespace="e3884598-6334-41dd-8084-a9ad116ca114"/>
@@ -34295,14 +34303,6 @@
 </ct:contentTypeSchema>
 </file>
 
-<file path=customXml/item2.xml><?xml version="1.0" encoding="utf-8"?>
-<p:properties xmlns:p="http://schemas.microsoft.com/office/2006/metadata/properties" xmlns:xsi="http://www.w3.org/2001/XMLSchema-instance" xmlns:pc="http://schemas.microsoft.com/office/infopath/2007/PartnerControls">
-  <documentManagement>
-    <_activity xmlns="e3884598-6334-41dd-8084-a9ad116ca114" xsi:nil="true"/>
-  </documentManagement>
-</p:properties>
-</file>
-
 <file path=customXml/item3.xml><?xml version="1.0" encoding="utf-8"?>
 <?mso-contentType ?>
 <FormTemplates xmlns="http://schemas.microsoft.com/sharepoint/v3/contenttype/forms">
@@ -34313,6 +34313,23 @@
 </file>
 
 <file path=customXml/itemProps1.xml><?xml version="1.0" encoding="utf-8"?>
+<ds:datastoreItem xmlns:ds="http://schemas.openxmlformats.org/officeDocument/2006/customXml" ds:itemID="{3E112386-D940-42B4-A6FD-F85DCFD0194C}">
+  <ds:schemaRefs>
+    <ds:schemaRef ds:uri="http://purl.org/dc/elements/1.1/"/>
+    <ds:schemaRef ds:uri="http://www.w3.org/XML/1998/namespace"/>
+    <ds:schemaRef ds:uri="http://purl.org/dc/dcmitype/"/>
+    <ds:schemaRef ds:uri="http://schemas.openxmlformats.org/package/2006/metadata/core-properties"/>
+    <ds:schemaRef ds:uri="http://schemas.microsoft.com/office/2006/metadata/properties"/>
+    <ds:schemaRef ds:uri="http://schemas.microsoft.com/office/2006/documentManagement/types"/>
+    <ds:schemaRef ds:uri="e2eeb589-0d24-46cf-8753-b27ea497333f"/>
+    <ds:schemaRef ds:uri="e3884598-6334-41dd-8084-a9ad116ca114"/>
+    <ds:schemaRef ds:uri="http://schemas.microsoft.com/office/infopath/2007/PartnerControls"/>
+    <ds:schemaRef ds:uri="http://purl.org/dc/terms/"/>
+  </ds:schemaRefs>
+</ds:datastoreItem>
+</file>
+
+<file path=customXml/itemProps2.xml><?xml version="1.0" encoding="utf-8"?>
 <ds:datastoreItem xmlns:ds="http://schemas.openxmlformats.org/officeDocument/2006/customXml" ds:itemID="{069A44A0-1A0D-4326-8463-7112F09D4782}">
   <ds:schemaRefs>
     <ds:schemaRef ds:uri="http://schemas.microsoft.com/office/2006/metadata/contentType"/>
@@ -34331,23 +34348,6 @@
 </ds:datastoreItem>
 </file>
 
-<file path=customXml/itemProps2.xml><?xml version="1.0" encoding="utf-8"?>
-<ds:datastoreItem xmlns:ds="http://schemas.openxmlformats.org/officeDocument/2006/customXml" ds:itemID="{3E112386-D940-42B4-A6FD-F85DCFD0194C}">
-  <ds:schemaRefs>
-    <ds:schemaRef ds:uri="http://purl.org/dc/elements/1.1/"/>
-    <ds:schemaRef ds:uri="http://www.w3.org/XML/1998/namespace"/>
-    <ds:schemaRef ds:uri="http://purl.org/dc/dcmitype/"/>
-    <ds:schemaRef ds:uri="http://schemas.openxmlformats.org/package/2006/metadata/core-properties"/>
-    <ds:schemaRef ds:uri="http://schemas.microsoft.com/office/2006/metadata/properties"/>
-    <ds:schemaRef ds:uri="http://schemas.microsoft.com/office/2006/documentManagement/types"/>
-    <ds:schemaRef ds:uri="e2eeb589-0d24-46cf-8753-b27ea497333f"/>
-    <ds:schemaRef ds:uri="e3884598-6334-41dd-8084-a9ad116ca114"/>
-    <ds:schemaRef ds:uri="http://schemas.microsoft.com/office/infopath/2007/PartnerControls"/>
-    <ds:schemaRef ds:uri="http://purl.org/dc/terms/"/>
-  </ds:schemaRefs>
-</ds:datastoreItem>
-</file>
-
 <file path=customXml/itemProps3.xml><?xml version="1.0" encoding="utf-8"?>
 <ds:datastoreItem xmlns:ds="http://schemas.openxmlformats.org/officeDocument/2006/customXml" ds:itemID="{FCE46A00-F07F-4CF6-BFF7-4B800BB968A1}">
   <ds:schemaRefs>
